--- a/ML_presentation.pptx
+++ b/ML_presentation.pptx
@@ -24823,7 +24823,15 @@
             </a:pPr>
             <a:r>
               <a:rPr lang="en-US" dirty="0" smtClean="0"/>
-              <a:t>LOOP ON THE TIME STEPS</a:t>
+              <a:t>LOOP ON THE </a:t>
+            </a:r>
+            <a:r>
+              <a:rPr lang="en-US" dirty="0" smtClean="0"/>
+              <a:t>T TIME </a:t>
+            </a:r>
+            <a:r>
+              <a:rPr lang="en-US" dirty="0" smtClean="0"/>
+              <a:t>STEPS</a:t>
             </a:r>
             <a:endParaRPr dirty="0"/>
           </a:p>
@@ -24966,17 +24974,39 @@
             </a:r>
             <a:r>
               <a:rPr lang="en-US" dirty="0" smtClean="0"/>
-              <a:t>is applied.</a:t>
-            </a:r>
+              <a:t>is applied</a:t>
+            </a:r>
+            <a:r>
+              <a:rPr lang="en-US" dirty="0" smtClean="0"/>
+              <a:t>.</a:t>
+            </a:r>
+            <a:endParaRPr dirty="0"/>
           </a:p>
+        </p:txBody>
+      </p:sp>
+      <p:sp>
+        <p:nvSpPr>
+          <p:cNvPr id="2" name="TextBox 1"/>
+          <p:cNvSpPr txBox="1"/>
+          <p:nvPr/>
+        </p:nvSpPr>
+        <p:spPr>
+          <a:xfrm>
+            <a:off x="939421" y="3797085"/>
+            <a:ext cx="7167966" cy="738664"/>
+          </a:xfrm>
+          <a:prstGeom prst="rect">
+            <a:avLst/>
+          </a:prstGeom>
+          <a:noFill/>
+        </p:spPr>
+        <p:txBody>
+          <a:bodyPr wrap="square" rtlCol="0">
+            <a:spAutoFit/>
+          </a:bodyPr>
+          <a:lstStyle/>
           <a:p>
-            <a:pPr marL="285750" lvl="0" indent="-285750" algn="l" rtl="0">
-              <a:spcBef>
-                <a:spcPts val="0"/>
-              </a:spcBef>
-              <a:spcAft>
-                <a:spcPts val="0"/>
-              </a:spcAft>
+            <a:pPr marL="285750" lvl="0" indent="-285750">
               <a:buClr>
                 <a:srgbClr val="DCAE52"/>
               </a:buClr>
@@ -24985,31 +25015,38 @@
               <a:buChar char="•"/>
             </a:pPr>
             <a:r>
-              <a:rPr lang="en-US" dirty="0" smtClean="0"/>
+              <a:rPr lang="en-US" dirty="0">
+                <a:solidFill>
+                  <a:srgbClr val="E9E2C9"/>
+                </a:solidFill>
+                <a:latin typeface="Montserrat"/>
+                <a:sym typeface="Montserrat"/>
+              </a:rPr>
               <a:t>The </a:t>
             </a:r>
             <a:r>
-              <a:rPr lang="en-US" b="1" dirty="0" smtClean="0">
+              <a:rPr lang="en-US" b="1" dirty="0">
                 <a:solidFill>
                   <a:srgbClr val="DCAE52"/>
                 </a:solidFill>
+                <a:latin typeface="Montserrat"/>
+                <a:sym typeface="Montserrat"/>
               </a:rPr>
               <a:t>DROPOUT</a:t>
             </a:r>
             <a:r>
-              <a:rPr lang="en-US" dirty="0" smtClean="0"/>
+              <a:rPr lang="en-US" dirty="0">
+                <a:solidFill>
+                  <a:srgbClr val="E9E2C9"/>
+                </a:solidFill>
+                <a:latin typeface="Montserrat"/>
+                <a:sym typeface="Montserrat"/>
+              </a:rPr>
               <a:t> stochastic regularization technique is applied.</a:t>
             </a:r>
-            <a:endParaRPr lang="en-US" dirty="0"/>
           </a:p>
           <a:p>
-            <a:pPr marL="285750" lvl="0" indent="-285750" algn="l" rtl="0">
-              <a:spcBef>
-                <a:spcPts val="0"/>
-              </a:spcBef>
-              <a:spcAft>
-                <a:spcPts val="0"/>
-              </a:spcAft>
+            <a:pPr marL="285750" lvl="0" indent="-285750">
               <a:buClr>
                 <a:srgbClr val="DCAE52"/>
               </a:buClr>
@@ -25018,14 +25055,26 @@
               <a:buChar char="•"/>
             </a:pPr>
             <a:r>
-              <a:rPr lang="en-US" dirty="0" smtClean="0"/>
-              <a:t>The </a:t>
-            </a:r>
-            <a:r>
-              <a:rPr lang="en-US" dirty="0" smtClean="0"/>
-              <a:t>resulting tensor is added to the original one with the current integrated features. This is the new features’ tensor.</a:t>
-            </a:r>
-            <a:endParaRPr dirty="0"/>
+              <a:rPr lang="en-US" dirty="0">
+                <a:solidFill>
+                  <a:srgbClr val="E9E2C9"/>
+                </a:solidFill>
+                <a:latin typeface="Montserrat"/>
+                <a:sym typeface="Montserrat"/>
+              </a:rPr>
+              <a:t>The resulting tensor is added to the original one with the current integrated features. This is the new features’ </a:t>
+            </a:r>
+            <a:r>
+              <a:rPr lang="en-US" dirty="0" smtClean="0">
+                <a:solidFill>
+                  <a:srgbClr val="E9E2C9"/>
+                </a:solidFill>
+                <a:latin typeface="Montserrat"/>
+                <a:sym typeface="Montserrat"/>
+              </a:rPr>
+              <a:t>tensor.</a:t>
+            </a:r>
+            <a:endParaRPr lang="it-IT" dirty="0"/>
           </a:p>
         </p:txBody>
       </p:sp>
@@ -25173,8 +25222,8 @@
           </a:p>
         </p:txBody>
       </p:sp>
-      <mc:AlternateContent xmlns:mc="http://schemas.openxmlformats.org/markup-compatibility/2006" xmlns:a14="http://schemas.microsoft.com/office/drawing/2010/main">
-        <mc:Choice Requires="a14">
+      <mc:AlternateContent xmlns:mc="http://schemas.openxmlformats.org/markup-compatibility/2006">
+        <mc:Choice xmlns:a14="http://schemas.microsoft.com/office/drawing/2010/main" Requires="a14">
           <p:sp>
             <p:nvSpPr>
               <p:cNvPr id="5" name="Google Shape;774;p52"/>
@@ -25456,7 +25505,11 @@
                 </a:pPr>
                 <a:r>
                   <a:rPr lang="en-US" sz="1400" dirty="0" smtClean="0"/>
-                  <a:t>At each t it concatenates the node features </a:t>
+                  <a:t>It concatenates </a:t>
+                </a:r>
+                <a:r>
+                  <a:rPr lang="en-US" sz="1400" dirty="0" smtClean="0"/>
+                  <a:t>the node features </a:t>
                 </a:r>
                 <a14:m>
                   <m:oMath xmlns:m="http://schemas.openxmlformats.org/officeDocument/2006/math">
@@ -25716,7 +25769,7 @@
             </p:txBody>
           </p:sp>
         </mc:Choice>
-        <mc:Fallback xmlns="">
+        <mc:Fallback>
           <p:sp>
             <p:nvSpPr>
               <p:cNvPr id="5" name="Google Shape;774;p52"/>
@@ -25864,7 +25917,11 @@
             </a:pPr>
             <a:r>
               <a:rPr lang="en" dirty="0" smtClean="0"/>
-              <a:t>WEIGHTS INITIALIZZAZION</a:t>
+              <a:t>WEIGHTS </a:t>
+            </a:r>
+            <a:r>
+              <a:rPr lang="en" dirty="0" smtClean="0"/>
+              <a:t>INITIALIZATION</a:t>
             </a:r>
             <a:endParaRPr dirty="0"/>
           </a:p>
@@ -26929,102 +26986,171 @@
           </a:p>
         </p:txBody>
       </p:sp>
-      <p:sp>
-        <p:nvSpPr>
-          <p:cNvPr id="4" name="Google Shape;774;p52"/>
-          <p:cNvSpPr txBox="1">
-            <a:spLocks noGrp="1"/>
-          </p:cNvSpPr>
-          <p:nvPr>
-            <p:ph type="subTitle" idx="1"/>
-          </p:nvPr>
-        </p:nvSpPr>
-        <p:spPr>
-          <a:xfrm>
-            <a:off x="-10914" y="1487831"/>
-            <a:ext cx="9012264" cy="821410"/>
-          </a:xfrm>
-          <a:prstGeom prst="rect">
-            <a:avLst/>
-          </a:prstGeom>
-        </p:spPr>
-        <p:txBody>
-          <a:bodyPr spcFirstLastPara="1" wrap="square" lIns="91425" tIns="91425" rIns="91425" bIns="91425" anchor="ctr" anchorCtr="0">
-            <a:noAutofit/>
-          </a:bodyPr>
-          <a:lstStyle/>
-          <a:p>
-            <a:pPr marL="457200" lvl="0" indent="-317500" algn="l" rtl="0">
-              <a:spcBef>
-                <a:spcPts val="0"/>
-              </a:spcBef>
-              <a:spcAft>
-                <a:spcPts val="0"/>
-              </a:spcAft>
-              <a:buClr>
-                <a:srgbClr val="DCAE52"/>
-              </a:buClr>
-              <a:buSzPts val="1400"/>
-              <a:buChar char="●"/>
-            </a:pPr>
-            <a:r>
-              <a:rPr lang="en-US" sz="1400" dirty="0" smtClean="0"/>
-              <a:t>Recurrent NN </a:t>
-            </a:r>
-            <a:r>
-              <a:rPr lang="en-US" sz="1400" dirty="0" smtClean="0"/>
-              <a:t>architecture (with a more sophisticated activation function): </a:t>
-            </a:r>
-            <a:r>
-              <a:rPr lang="en-US" sz="1400" dirty="0" smtClean="0"/>
-              <a:t>the recurrent hidden state activation at each t is dependent on that of the previous time.</a:t>
-            </a:r>
-          </a:p>
-          <a:p>
-            <a:pPr marL="457200" lvl="0" indent="-317500" algn="l" rtl="0">
-              <a:spcBef>
-                <a:spcPts val="0"/>
-              </a:spcBef>
-              <a:spcAft>
-                <a:spcPts val="0"/>
-              </a:spcAft>
-              <a:buClr>
-                <a:srgbClr val="DCAE52"/>
-              </a:buClr>
-              <a:buSzPts val="1400"/>
-              <a:buChar char="●"/>
-            </a:pPr>
-            <a:r>
-              <a:rPr lang="en-US" sz="1400" dirty="0" smtClean="0"/>
-              <a:t>This new activation function fuses the previously extracted messages and the current integrated features: GRUs keep the existing content and add the new one on top of it</a:t>
-            </a:r>
-            <a:r>
-              <a:rPr lang="en-US" sz="1400" dirty="0" smtClean="0"/>
-              <a:t>.</a:t>
-            </a:r>
-          </a:p>
-          <a:p>
-            <a:pPr marL="457200" lvl="0" indent="-317500" algn="l" rtl="0">
-              <a:spcBef>
-                <a:spcPts val="0"/>
-              </a:spcBef>
-              <a:spcAft>
-                <a:spcPts val="0"/>
-              </a:spcAft>
-              <a:buClr>
-                <a:srgbClr val="DCAE52"/>
-              </a:buClr>
-              <a:buSzPts val="1400"/>
-              <a:buChar char="●"/>
-            </a:pPr>
-            <a:r>
-              <a:rPr lang="en-US" sz="1400" dirty="0" smtClean="0"/>
-              <a:t>In this way each unit can remember the existence of specific features in the input stream for a long series of steps.</a:t>
-            </a:r>
-            <a:endParaRPr sz="1400" dirty="0"/>
-          </a:p>
-        </p:txBody>
-      </p:sp>
+      <mc:AlternateContent xmlns:mc="http://schemas.openxmlformats.org/markup-compatibility/2006">
+        <mc:Choice xmlns:a14="http://schemas.microsoft.com/office/drawing/2010/main" Requires="a14">
+          <p:sp>
+            <p:nvSpPr>
+              <p:cNvPr id="4" name="Google Shape;774;p52"/>
+              <p:cNvSpPr txBox="1">
+                <a:spLocks noGrp="1"/>
+              </p:cNvSpPr>
+              <p:nvPr>
+                <p:ph type="subTitle" idx="1"/>
+              </p:nvPr>
+            </p:nvSpPr>
+            <p:spPr>
+              <a:xfrm>
+                <a:off x="-10915" y="1681559"/>
+                <a:ext cx="9012264" cy="821410"/>
+              </a:xfrm>
+              <a:prstGeom prst="rect">
+                <a:avLst/>
+              </a:prstGeom>
+            </p:spPr>
+            <p:txBody>
+              <a:bodyPr spcFirstLastPara="1" wrap="square" lIns="91425" tIns="91425" rIns="91425" bIns="91425" anchor="ctr" anchorCtr="0">
+                <a:noAutofit/>
+              </a:bodyPr>
+              <a:lstStyle/>
+              <a:p>
+                <a:pPr marL="457200" lvl="0" indent="-317500" algn="l" rtl="0">
+                  <a:spcBef>
+                    <a:spcPts val="0"/>
+                  </a:spcBef>
+                  <a:spcAft>
+                    <a:spcPts val="0"/>
+                  </a:spcAft>
+                  <a:buClr>
+                    <a:srgbClr val="DCAE52"/>
+                  </a:buClr>
+                  <a:buSzPts val="1400"/>
+                  <a:buChar char="●"/>
+                </a:pPr>
+                <a:r>
+                  <a:rPr lang="en-US" sz="1400" dirty="0" smtClean="0"/>
+                  <a:t>Recurrent NN architecture with an update and a reset gate: </a:t>
+                </a:r>
+                <a:r>
+                  <a:rPr lang="en-US" sz="1400" dirty="0" smtClean="0"/>
+                  <a:t>the recurrent hidden state activation at </a:t>
+                </a:r>
+                <a:r>
+                  <a:rPr lang="en-US" sz="1400" dirty="0" smtClean="0"/>
+                  <a:t>each time step </a:t>
+                </a:r>
+                <a14:m>
+                  <m:oMath xmlns:m="http://schemas.openxmlformats.org/officeDocument/2006/math">
+                    <m:r>
+                      <a:rPr lang="en-US" sz="1400" b="0" i="1" smtClean="0">
+                        <a:latin typeface="Cambria Math" panose="02040503050406030204" pitchFamily="18" charset="0"/>
+                      </a:rPr>
+                      <m:t>𝑡</m:t>
+                    </m:r>
+                  </m:oMath>
+                </a14:m>
+                <a:r>
+                  <a:rPr lang="en-US" sz="1400" dirty="0" smtClean="0"/>
+                  <a:t> </a:t>
+                </a:r>
+                <a:r>
+                  <a:rPr lang="en-US" sz="1400" dirty="0" smtClean="0"/>
+                  <a:t>is dependent on that of the previous time.</a:t>
+                </a:r>
+              </a:p>
+              <a:p>
+                <a:pPr marL="457200" lvl="0" indent="-317500" algn="l" rtl="0">
+                  <a:spcBef>
+                    <a:spcPts val="0"/>
+                  </a:spcBef>
+                  <a:spcAft>
+                    <a:spcPts val="0"/>
+                  </a:spcAft>
+                  <a:buClr>
+                    <a:srgbClr val="DCAE52"/>
+                  </a:buClr>
+                  <a:buSzPts val="1400"/>
+                  <a:buChar char="●"/>
+                </a:pPr>
+                <a:r>
+                  <a:rPr lang="en-US" sz="1400" dirty="0" smtClean="0"/>
+                  <a:t>This new activation function fuses the previously extracted messages and the current integrated features: GRUs keep the existing content and add the new one </a:t>
+                </a:r>
+                <a:r>
+                  <a:rPr lang="en-US" sz="1400" dirty="0" smtClean="0"/>
+                  <a:t>(the retained part) on </a:t>
+                </a:r>
+                <a:r>
+                  <a:rPr lang="en-US" sz="1400" dirty="0" smtClean="0"/>
+                  <a:t>top of it</a:t>
+                </a:r>
+                <a:r>
+                  <a:rPr lang="en-US" sz="1400" dirty="0" smtClean="0"/>
+                  <a:t>.</a:t>
+                </a:r>
+              </a:p>
+              <a:p>
+                <a:pPr marL="457200" lvl="0" indent="-317500" algn="l" rtl="0">
+                  <a:spcBef>
+                    <a:spcPts val="0"/>
+                  </a:spcBef>
+                  <a:spcAft>
+                    <a:spcPts val="0"/>
+                  </a:spcAft>
+                  <a:buClr>
+                    <a:srgbClr val="DCAE52"/>
+                  </a:buClr>
+                  <a:buSzPts val="1400"/>
+                  <a:buChar char="●"/>
+                </a:pPr>
+                <a:r>
+                  <a:rPr lang="en-US" sz="1400" dirty="0" smtClean="0"/>
+                  <a:t>In this way each unit can remember the existence of specific important features in the input stream for a long series of steps. The vanishing\exploding gradient problem of RNN is resolved.</a:t>
+                </a:r>
+              </a:p>
+            </p:txBody>
+          </p:sp>
+        </mc:Choice>
+        <mc:Fallback>
+          <p:sp>
+            <p:nvSpPr>
+              <p:cNvPr id="4" name="Google Shape;774;p52"/>
+              <p:cNvSpPr txBox="1">
+                <a:spLocks noGrp="1" noRot="1" noChangeAspect="1" noMove="1" noResize="1" noEditPoints="1" noAdjustHandles="1" noChangeArrowheads="1" noChangeShapeType="1" noTextEdit="1"/>
+              </p:cNvSpPr>
+              <p:nvPr>
+                <p:ph type="subTitle" idx="1"/>
+              </p:nvPr>
+            </p:nvSpPr>
+            <p:spPr>
+              <a:xfrm>
+                <a:off x="-10915" y="1681559"/>
+                <a:ext cx="9012264" cy="821410"/>
+              </a:xfrm>
+              <a:prstGeom prst="rect">
+                <a:avLst/>
+              </a:prstGeom>
+              <a:blipFill>
+                <a:blip r:embed="rId3"/>
+                <a:stretch>
+                  <a:fillRect t="-60741" b="-66667"/>
+                </a:stretch>
+              </a:blipFill>
+            </p:spPr>
+            <p:txBody>
+              <a:bodyPr/>
+              <a:lstStyle/>
+              <a:p>
+                <a:r>
+                  <a:rPr lang="it-IT">
+                    <a:noFill/>
+                  </a:rPr>
+                  <a:t> </a:t>
+                </a:r>
+              </a:p>
+            </p:txBody>
+          </p:sp>
+        </mc:Fallback>
+      </mc:AlternateContent>
       <p:sp>
         <p:nvSpPr>
           <p:cNvPr id="5" name="Google Shape;774;p52"/>
@@ -27035,7 +27161,7 @@
         </p:nvSpPr>
         <p:spPr>
           <a:xfrm>
-            <a:off x="-10914" y="2826178"/>
+            <a:off x="-5458" y="3213635"/>
             <a:ext cx="9001350" cy="1588576"/>
           </a:xfrm>
           <a:prstGeom prst="rect">
@@ -27352,12 +27478,13 @@
             </a:r>
             <a:r>
               <a:rPr lang="en-US" sz="1400" dirty="0"/>
-              <a:t>for each element in the batch</a:t>
+              <a:t>for each element in the </a:t>
             </a:r>
             <a:r>
               <a:rPr lang="en-US" sz="1400" dirty="0" smtClean="0"/>
-              <a:t>.</a:t>
-            </a:r>
+              <a:t>batch at the beginning of the Block (at the first 		   time step) or as the tensor containing the hidden state of the GRU unit.</a:t>
+            </a:r>
+            <a:endParaRPr lang="en-US" sz="1400" dirty="0" smtClean="0"/>
           </a:p>
           <a:p>
             <a:pPr>
@@ -27394,20 +27521,13 @@
             </a:r>
             <a:r>
               <a:rPr lang="en-US" sz="1400" dirty="0"/>
-              <a:t>from the last layer of the GRU, for </a:t>
+              <a:t>from the last layer of the </a:t>
             </a:r>
             <a:r>
               <a:rPr lang="en-US" sz="1400" dirty="0" smtClean="0"/>
-              <a:t>		     each </a:t>
-            </a:r>
-            <a:r>
-              <a:rPr lang="en-US" sz="1400" dirty="0"/>
-              <a:t>t</a:t>
-            </a:r>
-            <a:r>
-              <a:rPr lang="en-US" sz="1400" dirty="0" smtClean="0"/>
-              <a:t>.</a:t>
-            </a:r>
+              <a:t>GRU.</a:t>
+            </a:r>
+            <a:endParaRPr lang="en-US" sz="1400" dirty="0" smtClean="0"/>
           </a:p>
           <a:p>
             <a:pPr marL="139700" indent="0">
@@ -27435,16 +27555,21 @@
             </a:r>
             <a:r>
               <a:rPr lang="en-US" sz="1400" dirty="0"/>
-              <a:t>tensor containing the hidden state for t = </a:t>
-            </a:r>
-            <a:r>
-              <a:rPr lang="en-US" sz="1400" dirty="0" err="1" smtClean="0"/>
-              <a:t>seq_len</a:t>
+              <a:t>tensor containing </a:t>
             </a:r>
             <a:r>
               <a:rPr lang="en-US" sz="1400" dirty="0" smtClean="0"/>
-              <a:t>.</a:t>
-            </a:r>
+              <a:t>the final </a:t>
+            </a:r>
+            <a:r>
+              <a:rPr lang="en-US" sz="1400" dirty="0"/>
+              <a:t>hidden </a:t>
+            </a:r>
+            <a:r>
+              <a:rPr lang="en-US" sz="1400" dirty="0" smtClean="0"/>
+              <a:t>state.</a:t>
+            </a:r>
+            <a:endParaRPr lang="en-US" sz="1400" dirty="0" smtClean="0"/>
           </a:p>
           <a:p>
             <a:pPr marL="139700" indent="0">
@@ -28432,8 +28557,8 @@
           </p:sp>
         </mc:Fallback>
       </mc:AlternateContent>
-      <mc:AlternateContent xmlns:mc="http://schemas.openxmlformats.org/markup-compatibility/2006" xmlns:a14="http://schemas.microsoft.com/office/drawing/2010/main">
-        <mc:Choice Requires="a14">
+      <mc:AlternateContent xmlns:mc="http://schemas.openxmlformats.org/markup-compatibility/2006">
+        <mc:Choice xmlns:a14="http://schemas.microsoft.com/office/drawing/2010/main" Requires="a14">
           <p:sp>
             <p:nvSpPr>
               <p:cNvPr id="6" name="Google Shape;774;p52"/>
@@ -28979,14 +29104,22 @@
                 </a:pPr>
                 <a:r>
                   <a:rPr lang="en-US" sz="1400" dirty="0" smtClean="0"/>
-                  <a:t>For  t in range (0,processing_steps=T) it performs:</a:t>
+                  <a:t>For  t in range (</a:t>
+                </a:r>
+                <a:r>
+                  <a:rPr lang="en-US" sz="1400" dirty="0" smtClean="0"/>
+                  <a:t>0,processing_steps=T’) </a:t>
+                </a:r>
+                <a:r>
+                  <a:rPr lang="en-US" sz="1400" dirty="0" smtClean="0"/>
+                  <a:t>it performs:</a:t>
                 </a:r>
                 <a:endParaRPr lang="en-US" sz="1400" dirty="0"/>
               </a:p>
             </p:txBody>
           </p:sp>
         </mc:Choice>
-        <mc:Fallback xmlns="">
+        <mc:Fallback>
           <p:sp>
             <p:nvSpPr>
               <p:cNvPr id="6" name="Google Shape;774;p52"/>
@@ -29986,7 +30119,7 @@
         </p:nvSpPr>
         <p:spPr>
           <a:xfrm>
-            <a:off x="5509647" y="2696705"/>
+            <a:off x="5656881" y="2649285"/>
             <a:ext cx="1053885" cy="767166"/>
           </a:xfrm>
           <a:prstGeom prst="ellipse">
@@ -31704,8 +31837,8 @@
         </p:nvSpPr>
         <p:spPr>
           <a:xfrm>
-            <a:off x="-35532" y="1208862"/>
-            <a:ext cx="9012264" cy="821410"/>
+            <a:off x="0" y="1805546"/>
+            <a:ext cx="9012264" cy="829165"/>
           </a:xfrm>
           <a:prstGeom prst="rect">
             <a:avLst/>
@@ -31732,7 +31865,15 @@
             </a:pPr>
             <a:r>
               <a:rPr lang="en-US" sz="1400" dirty="0" smtClean="0"/>
-              <a:t>RNN architecture that can deal with the vanishing gradient problem</a:t>
+              <a:t>RNN architecture that can deal with the </a:t>
+            </a:r>
+            <a:r>
+              <a:rPr lang="en-US" sz="1400" dirty="0" smtClean="0"/>
+              <a:t>vanishing\exploding </a:t>
+            </a:r>
+            <a:r>
+              <a:rPr lang="en-US" sz="1400" dirty="0" smtClean="0"/>
+              <a:t>gradient problem</a:t>
             </a:r>
             <a:r>
               <a:rPr lang="en-US" sz="1400" dirty="0" smtClean="0"/>
@@ -31755,8 +31896,61 @@
             </a:pPr>
             <a:r>
               <a:rPr lang="en-US" sz="1400" dirty="0" smtClean="0"/>
-              <a:t>Has feedback connections and can process entire sequences of data.</a:t>
-            </a:r>
+              <a:t>Uses gating mechanisms to control the flow of long-term and short-term dependencies.</a:t>
+            </a:r>
+          </a:p>
+          <a:p>
+            <a:pPr marL="457200" lvl="0" indent="-317500" algn="l" rtl="0">
+              <a:spcBef>
+                <a:spcPts val="0"/>
+              </a:spcBef>
+              <a:spcAft>
+                <a:spcPts val="0"/>
+              </a:spcAft>
+              <a:buClr>
+                <a:srgbClr val="DCAE52"/>
+              </a:buClr>
+              <a:buSzPts val="1400"/>
+              <a:buChar char="●"/>
+            </a:pPr>
+            <a:r>
+              <a:rPr lang="en-US" sz="1400" dirty="0" smtClean="0"/>
+              <a:t>Takes three information: the current input data, the short-term memory from the previous cell and the long-term memory.</a:t>
+            </a:r>
+          </a:p>
+          <a:p>
+            <a:pPr marL="457200" lvl="0" indent="-317500" algn="l" rtl="0">
+              <a:spcBef>
+                <a:spcPts val="0"/>
+              </a:spcBef>
+              <a:spcAft>
+                <a:spcPts val="0"/>
+              </a:spcAft>
+              <a:buClr>
+                <a:srgbClr val="DCAE52"/>
+              </a:buClr>
+              <a:buSzPts val="1400"/>
+              <a:buChar char="●"/>
+            </a:pPr>
+            <a:r>
+              <a:rPr lang="en-US" sz="1400" dirty="0" smtClean="0"/>
+              <a:t>Then uses gates to regulate the information to be kept or discarded at each time step</a:t>
+            </a:r>
+          </a:p>
+          <a:p>
+            <a:pPr marL="457200" lvl="0" indent="-317500" algn="l" rtl="0">
+              <a:spcBef>
+                <a:spcPts val="0"/>
+              </a:spcBef>
+              <a:spcAft>
+                <a:spcPts val="0"/>
+              </a:spcAft>
+              <a:buClr>
+                <a:srgbClr val="DCAE52"/>
+              </a:buClr>
+              <a:buSzPts val="1400"/>
+              <a:buChar char="●"/>
+            </a:pPr>
             <a:endParaRPr lang="en-US" sz="1400" dirty="0" smtClean="0"/>
           </a:p>
           <a:p>
@@ -31774,6 +31968,1561 @@
               <a:buNone/>
             </a:pPr>
             <a:endParaRPr sz="1400" dirty="0"/>
+          </a:p>
+        </p:txBody>
+      </p:sp>
+      <p:sp>
+        <p:nvSpPr>
+          <p:cNvPr id="6" name="Google Shape;774;p52"/>
+          <p:cNvSpPr txBox="1">
+            <a:spLocks/>
+          </p:cNvSpPr>
+          <p:nvPr/>
+        </p:nvSpPr>
+        <p:spPr>
+          <a:xfrm>
+            <a:off x="364211" y="2634710"/>
+            <a:ext cx="1821050" cy="829165"/>
+          </a:xfrm>
+          <a:prstGeom prst="rect">
+            <a:avLst/>
+          </a:prstGeom>
+          <a:noFill/>
+          <a:ln>
+            <a:noFill/>
+          </a:ln>
+        </p:spPr>
+        <p:txBody>
+          <a:bodyPr spcFirstLastPara="1" wrap="square" lIns="91425" tIns="91425" rIns="91425" bIns="91425" anchor="ctr" anchorCtr="0">
+            <a:noAutofit/>
+          </a:bodyPr>
+          <a:lstStyle>
+            <a:defPPr marR="0" lvl="0" algn="l" rtl="0">
+              <a:lnSpc>
+                <a:spcPct val="100000"/>
+              </a:lnSpc>
+              <a:spcBef>
+                <a:spcPts val="0"/>
+              </a:spcBef>
+              <a:spcAft>
+                <a:spcPts val="0"/>
+              </a:spcAft>
+            </a:defPPr>
+            <a:lvl1pPr marL="457200" marR="0" lvl="0" indent="-317500" algn="l" rtl="0">
+              <a:lnSpc>
+                <a:spcPct val="100000"/>
+              </a:lnSpc>
+              <a:spcBef>
+                <a:spcPts val="0"/>
+              </a:spcBef>
+              <a:spcAft>
+                <a:spcPts val="0"/>
+              </a:spcAft>
+              <a:buClr>
+                <a:srgbClr val="434343"/>
+              </a:buClr>
+              <a:buSzPts val="1200"/>
+              <a:buFont typeface="Livvic"/>
+              <a:buAutoNum type="arabicPeriod"/>
+              <a:defRPr sz="1200" b="0" i="0" u="none" strike="noStrike" cap="none">
+                <a:solidFill>
+                  <a:schemeClr val="accent3"/>
+                </a:solidFill>
+                <a:latin typeface="Montserrat"/>
+                <a:ea typeface="Montserrat"/>
+                <a:cs typeface="Montserrat"/>
+                <a:sym typeface="Montserrat"/>
+              </a:defRPr>
+            </a:lvl1pPr>
+            <a:lvl2pPr marL="914400" marR="0" lvl="1" indent="-317500" algn="l" rtl="0">
+              <a:lnSpc>
+                <a:spcPct val="100000"/>
+              </a:lnSpc>
+              <a:spcBef>
+                <a:spcPts val="0"/>
+              </a:spcBef>
+              <a:spcAft>
+                <a:spcPts val="0"/>
+              </a:spcAft>
+              <a:buClr>
+                <a:srgbClr val="434343"/>
+              </a:buClr>
+              <a:buSzPts val="1200"/>
+              <a:buFont typeface="Roboto Condensed Light"/>
+              <a:buAutoNum type="alphaLcPeriod"/>
+              <a:defRPr sz="1400" b="0" i="0" u="none" strike="noStrike" cap="none">
+                <a:solidFill>
+                  <a:schemeClr val="accent3"/>
+                </a:solidFill>
+                <a:latin typeface="Montserrat"/>
+                <a:ea typeface="Montserrat"/>
+                <a:cs typeface="Montserrat"/>
+                <a:sym typeface="Montserrat"/>
+              </a:defRPr>
+            </a:lvl2pPr>
+            <a:lvl3pPr marL="1371600" marR="0" lvl="2" indent="-317500" algn="l" rtl="0">
+              <a:lnSpc>
+                <a:spcPct val="100000"/>
+              </a:lnSpc>
+              <a:spcBef>
+                <a:spcPts val="0"/>
+              </a:spcBef>
+              <a:spcAft>
+                <a:spcPts val="0"/>
+              </a:spcAft>
+              <a:buClr>
+                <a:srgbClr val="434343"/>
+              </a:buClr>
+              <a:buSzPts val="1200"/>
+              <a:buFont typeface="Roboto Condensed Light"/>
+              <a:buAutoNum type="romanLcPeriod"/>
+              <a:defRPr sz="1400" b="0" i="0" u="none" strike="noStrike" cap="none">
+                <a:solidFill>
+                  <a:schemeClr val="accent3"/>
+                </a:solidFill>
+                <a:latin typeface="Montserrat"/>
+                <a:ea typeface="Montserrat"/>
+                <a:cs typeface="Montserrat"/>
+                <a:sym typeface="Montserrat"/>
+              </a:defRPr>
+            </a:lvl3pPr>
+            <a:lvl4pPr marL="1828800" marR="0" lvl="3" indent="-317500" algn="l" rtl="0">
+              <a:lnSpc>
+                <a:spcPct val="100000"/>
+              </a:lnSpc>
+              <a:spcBef>
+                <a:spcPts val="0"/>
+              </a:spcBef>
+              <a:spcAft>
+                <a:spcPts val="0"/>
+              </a:spcAft>
+              <a:buClr>
+                <a:srgbClr val="434343"/>
+              </a:buClr>
+              <a:buSzPts val="1200"/>
+              <a:buFont typeface="Roboto Condensed Light"/>
+              <a:buAutoNum type="arabicPeriod"/>
+              <a:defRPr sz="1400" b="0" i="0" u="none" strike="noStrike" cap="none">
+                <a:solidFill>
+                  <a:schemeClr val="accent3"/>
+                </a:solidFill>
+                <a:latin typeface="Montserrat"/>
+                <a:ea typeface="Montserrat"/>
+                <a:cs typeface="Montserrat"/>
+                <a:sym typeface="Montserrat"/>
+              </a:defRPr>
+            </a:lvl4pPr>
+            <a:lvl5pPr marL="2286000" marR="0" lvl="4" indent="-317500" algn="l" rtl="0">
+              <a:lnSpc>
+                <a:spcPct val="100000"/>
+              </a:lnSpc>
+              <a:spcBef>
+                <a:spcPts val="0"/>
+              </a:spcBef>
+              <a:spcAft>
+                <a:spcPts val="0"/>
+              </a:spcAft>
+              <a:buClr>
+                <a:srgbClr val="434343"/>
+              </a:buClr>
+              <a:buSzPts val="1200"/>
+              <a:buFont typeface="Roboto Condensed Light"/>
+              <a:buAutoNum type="alphaLcPeriod"/>
+              <a:defRPr sz="1400" b="0" i="0" u="none" strike="noStrike" cap="none">
+                <a:solidFill>
+                  <a:schemeClr val="accent3"/>
+                </a:solidFill>
+                <a:latin typeface="Montserrat"/>
+                <a:ea typeface="Montserrat"/>
+                <a:cs typeface="Montserrat"/>
+                <a:sym typeface="Montserrat"/>
+              </a:defRPr>
+            </a:lvl5pPr>
+            <a:lvl6pPr marL="2743200" marR="0" lvl="5" indent="-317500" algn="l" rtl="0">
+              <a:lnSpc>
+                <a:spcPct val="100000"/>
+              </a:lnSpc>
+              <a:spcBef>
+                <a:spcPts val="0"/>
+              </a:spcBef>
+              <a:spcAft>
+                <a:spcPts val="0"/>
+              </a:spcAft>
+              <a:buClr>
+                <a:srgbClr val="434343"/>
+              </a:buClr>
+              <a:buSzPts val="1200"/>
+              <a:buFont typeface="Roboto Condensed Light"/>
+              <a:buAutoNum type="romanLcPeriod"/>
+              <a:defRPr sz="1400" b="0" i="0" u="none" strike="noStrike" cap="none">
+                <a:solidFill>
+                  <a:schemeClr val="accent3"/>
+                </a:solidFill>
+                <a:latin typeface="Montserrat"/>
+                <a:ea typeface="Montserrat"/>
+                <a:cs typeface="Montserrat"/>
+                <a:sym typeface="Montserrat"/>
+              </a:defRPr>
+            </a:lvl6pPr>
+            <a:lvl7pPr marL="3200400" marR="0" lvl="6" indent="-317500" algn="l" rtl="0">
+              <a:lnSpc>
+                <a:spcPct val="100000"/>
+              </a:lnSpc>
+              <a:spcBef>
+                <a:spcPts val="0"/>
+              </a:spcBef>
+              <a:spcAft>
+                <a:spcPts val="0"/>
+              </a:spcAft>
+              <a:buClr>
+                <a:srgbClr val="434343"/>
+              </a:buClr>
+              <a:buSzPts val="1200"/>
+              <a:buFont typeface="Roboto Condensed Light"/>
+              <a:buAutoNum type="arabicPeriod"/>
+              <a:defRPr sz="1400" b="0" i="0" u="none" strike="noStrike" cap="none">
+                <a:solidFill>
+                  <a:schemeClr val="accent3"/>
+                </a:solidFill>
+                <a:latin typeface="Montserrat"/>
+                <a:ea typeface="Montserrat"/>
+                <a:cs typeface="Montserrat"/>
+                <a:sym typeface="Montserrat"/>
+              </a:defRPr>
+            </a:lvl7pPr>
+            <a:lvl8pPr marL="3657600" marR="0" lvl="7" indent="-317500" algn="l" rtl="0">
+              <a:lnSpc>
+                <a:spcPct val="100000"/>
+              </a:lnSpc>
+              <a:spcBef>
+                <a:spcPts val="0"/>
+              </a:spcBef>
+              <a:spcAft>
+                <a:spcPts val="0"/>
+              </a:spcAft>
+              <a:buClr>
+                <a:srgbClr val="434343"/>
+              </a:buClr>
+              <a:buSzPts val="1200"/>
+              <a:buFont typeface="Roboto Condensed Light"/>
+              <a:buAutoNum type="alphaLcPeriod"/>
+              <a:defRPr sz="1400" b="0" i="0" u="none" strike="noStrike" cap="none">
+                <a:solidFill>
+                  <a:schemeClr val="accent3"/>
+                </a:solidFill>
+                <a:latin typeface="Montserrat"/>
+                <a:ea typeface="Montserrat"/>
+                <a:cs typeface="Montserrat"/>
+                <a:sym typeface="Montserrat"/>
+              </a:defRPr>
+            </a:lvl8pPr>
+            <a:lvl9pPr marL="4114800" marR="0" lvl="8" indent="-317500" algn="l" rtl="0">
+              <a:lnSpc>
+                <a:spcPct val="100000"/>
+              </a:lnSpc>
+              <a:spcBef>
+                <a:spcPts val="0"/>
+              </a:spcBef>
+              <a:spcAft>
+                <a:spcPts val="0"/>
+              </a:spcAft>
+              <a:buClr>
+                <a:srgbClr val="434343"/>
+              </a:buClr>
+              <a:buSzPts val="1200"/>
+              <a:buFont typeface="Roboto Condensed Light"/>
+              <a:buAutoNum type="romanLcPeriod"/>
+              <a:defRPr sz="1400" b="0" i="0" u="none" strike="noStrike" cap="none">
+                <a:solidFill>
+                  <a:schemeClr val="accent3"/>
+                </a:solidFill>
+                <a:latin typeface="Montserrat"/>
+                <a:ea typeface="Montserrat"/>
+                <a:cs typeface="Montserrat"/>
+                <a:sym typeface="Montserrat"/>
+              </a:defRPr>
+            </a:lvl9pPr>
+          </a:lstStyle>
+          <a:p>
+            <a:pPr>
+              <a:buClr>
+                <a:srgbClr val="DCAE52"/>
+              </a:buClr>
+              <a:buSzPts val="1400"/>
+            </a:pPr>
+            <a:r>
+              <a:rPr lang="en-US" sz="1400" dirty="0" smtClean="0"/>
+              <a:t>Input gate.</a:t>
+            </a:r>
+          </a:p>
+          <a:p>
+            <a:pPr>
+              <a:buClr>
+                <a:srgbClr val="DCAE52"/>
+              </a:buClr>
+              <a:buSzPts val="1400"/>
+            </a:pPr>
+            <a:r>
+              <a:rPr lang="en-US" sz="1400" dirty="0" smtClean="0"/>
+              <a:t>Forget gate</a:t>
+            </a:r>
+          </a:p>
+          <a:p>
+            <a:pPr>
+              <a:buClr>
+                <a:srgbClr val="DCAE52"/>
+              </a:buClr>
+              <a:buSzPts val="1400"/>
+            </a:pPr>
+            <a:r>
+              <a:rPr lang="en-US" sz="1400" dirty="0" smtClean="0"/>
+              <a:t>Output gate</a:t>
+            </a:r>
+          </a:p>
+          <a:p>
+            <a:pPr marL="139700" indent="0">
+              <a:buClr>
+                <a:srgbClr val="DCAE52"/>
+              </a:buClr>
+              <a:buSzPts val="1400"/>
+              <a:buFont typeface="Livvic"/>
+              <a:buNone/>
+            </a:pPr>
+            <a:endParaRPr lang="en-US" sz="1400" dirty="0"/>
+          </a:p>
+        </p:txBody>
+      </p:sp>
+      <p:sp>
+        <p:nvSpPr>
+          <p:cNvPr id="7" name="Google Shape;774;p52"/>
+          <p:cNvSpPr txBox="1">
+            <a:spLocks/>
+          </p:cNvSpPr>
+          <p:nvPr/>
+        </p:nvSpPr>
+        <p:spPr>
+          <a:xfrm>
+            <a:off x="-655464" y="2220128"/>
+            <a:ext cx="9012264" cy="829165"/>
+          </a:xfrm>
+          <a:prstGeom prst="rect">
+            <a:avLst/>
+          </a:prstGeom>
+          <a:noFill/>
+          <a:ln>
+            <a:noFill/>
+          </a:ln>
+        </p:spPr>
+        <p:txBody>
+          <a:bodyPr spcFirstLastPara="1" wrap="square" lIns="91425" tIns="91425" rIns="91425" bIns="91425" anchor="ctr" anchorCtr="0">
+            <a:noAutofit/>
+          </a:bodyPr>
+          <a:lstStyle>
+            <a:defPPr marR="0" lvl="0" algn="l" rtl="0">
+              <a:lnSpc>
+                <a:spcPct val="100000"/>
+              </a:lnSpc>
+              <a:spcBef>
+                <a:spcPts val="0"/>
+              </a:spcBef>
+              <a:spcAft>
+                <a:spcPts val="0"/>
+              </a:spcAft>
+            </a:defPPr>
+            <a:lvl1pPr marL="457200" marR="0" lvl="0" indent="-317500" algn="l" rtl="0">
+              <a:lnSpc>
+                <a:spcPct val="100000"/>
+              </a:lnSpc>
+              <a:spcBef>
+                <a:spcPts val="0"/>
+              </a:spcBef>
+              <a:spcAft>
+                <a:spcPts val="0"/>
+              </a:spcAft>
+              <a:buClr>
+                <a:srgbClr val="434343"/>
+              </a:buClr>
+              <a:buSzPts val="1200"/>
+              <a:buFont typeface="Livvic"/>
+              <a:buAutoNum type="arabicPeriod"/>
+              <a:defRPr sz="1200" b="0" i="0" u="none" strike="noStrike" cap="none">
+                <a:solidFill>
+                  <a:schemeClr val="accent3"/>
+                </a:solidFill>
+                <a:latin typeface="Montserrat"/>
+                <a:ea typeface="Montserrat"/>
+                <a:cs typeface="Montserrat"/>
+                <a:sym typeface="Montserrat"/>
+              </a:defRPr>
+            </a:lvl1pPr>
+            <a:lvl2pPr marL="914400" marR="0" lvl="1" indent="-317500" algn="l" rtl="0">
+              <a:lnSpc>
+                <a:spcPct val="100000"/>
+              </a:lnSpc>
+              <a:spcBef>
+                <a:spcPts val="0"/>
+              </a:spcBef>
+              <a:spcAft>
+                <a:spcPts val="0"/>
+              </a:spcAft>
+              <a:buClr>
+                <a:srgbClr val="434343"/>
+              </a:buClr>
+              <a:buSzPts val="1200"/>
+              <a:buFont typeface="Roboto Condensed Light"/>
+              <a:buAutoNum type="alphaLcPeriod"/>
+              <a:defRPr sz="1400" b="0" i="0" u="none" strike="noStrike" cap="none">
+                <a:solidFill>
+                  <a:schemeClr val="accent3"/>
+                </a:solidFill>
+                <a:latin typeface="Montserrat"/>
+                <a:ea typeface="Montserrat"/>
+                <a:cs typeface="Montserrat"/>
+                <a:sym typeface="Montserrat"/>
+              </a:defRPr>
+            </a:lvl2pPr>
+            <a:lvl3pPr marL="1371600" marR="0" lvl="2" indent="-317500" algn="l" rtl="0">
+              <a:lnSpc>
+                <a:spcPct val="100000"/>
+              </a:lnSpc>
+              <a:spcBef>
+                <a:spcPts val="0"/>
+              </a:spcBef>
+              <a:spcAft>
+                <a:spcPts val="0"/>
+              </a:spcAft>
+              <a:buClr>
+                <a:srgbClr val="434343"/>
+              </a:buClr>
+              <a:buSzPts val="1200"/>
+              <a:buFont typeface="Roboto Condensed Light"/>
+              <a:buAutoNum type="romanLcPeriod"/>
+              <a:defRPr sz="1400" b="0" i="0" u="none" strike="noStrike" cap="none">
+                <a:solidFill>
+                  <a:schemeClr val="accent3"/>
+                </a:solidFill>
+                <a:latin typeface="Montserrat"/>
+                <a:ea typeface="Montserrat"/>
+                <a:cs typeface="Montserrat"/>
+                <a:sym typeface="Montserrat"/>
+              </a:defRPr>
+            </a:lvl3pPr>
+            <a:lvl4pPr marL="1828800" marR="0" lvl="3" indent="-317500" algn="l" rtl="0">
+              <a:lnSpc>
+                <a:spcPct val="100000"/>
+              </a:lnSpc>
+              <a:spcBef>
+                <a:spcPts val="0"/>
+              </a:spcBef>
+              <a:spcAft>
+                <a:spcPts val="0"/>
+              </a:spcAft>
+              <a:buClr>
+                <a:srgbClr val="434343"/>
+              </a:buClr>
+              <a:buSzPts val="1200"/>
+              <a:buFont typeface="Roboto Condensed Light"/>
+              <a:buAutoNum type="arabicPeriod"/>
+              <a:defRPr sz="1400" b="0" i="0" u="none" strike="noStrike" cap="none">
+                <a:solidFill>
+                  <a:schemeClr val="accent3"/>
+                </a:solidFill>
+                <a:latin typeface="Montserrat"/>
+                <a:ea typeface="Montserrat"/>
+                <a:cs typeface="Montserrat"/>
+                <a:sym typeface="Montserrat"/>
+              </a:defRPr>
+            </a:lvl4pPr>
+            <a:lvl5pPr marL="2286000" marR="0" lvl="4" indent="-317500" algn="l" rtl="0">
+              <a:lnSpc>
+                <a:spcPct val="100000"/>
+              </a:lnSpc>
+              <a:spcBef>
+                <a:spcPts val="0"/>
+              </a:spcBef>
+              <a:spcAft>
+                <a:spcPts val="0"/>
+              </a:spcAft>
+              <a:buClr>
+                <a:srgbClr val="434343"/>
+              </a:buClr>
+              <a:buSzPts val="1200"/>
+              <a:buFont typeface="Roboto Condensed Light"/>
+              <a:buAutoNum type="alphaLcPeriod"/>
+              <a:defRPr sz="1400" b="0" i="0" u="none" strike="noStrike" cap="none">
+                <a:solidFill>
+                  <a:schemeClr val="accent3"/>
+                </a:solidFill>
+                <a:latin typeface="Montserrat"/>
+                <a:ea typeface="Montserrat"/>
+                <a:cs typeface="Montserrat"/>
+                <a:sym typeface="Montserrat"/>
+              </a:defRPr>
+            </a:lvl5pPr>
+            <a:lvl6pPr marL="2743200" marR="0" lvl="5" indent="-317500" algn="l" rtl="0">
+              <a:lnSpc>
+                <a:spcPct val="100000"/>
+              </a:lnSpc>
+              <a:spcBef>
+                <a:spcPts val="0"/>
+              </a:spcBef>
+              <a:spcAft>
+                <a:spcPts val="0"/>
+              </a:spcAft>
+              <a:buClr>
+                <a:srgbClr val="434343"/>
+              </a:buClr>
+              <a:buSzPts val="1200"/>
+              <a:buFont typeface="Roboto Condensed Light"/>
+              <a:buAutoNum type="romanLcPeriod"/>
+              <a:defRPr sz="1400" b="0" i="0" u="none" strike="noStrike" cap="none">
+                <a:solidFill>
+                  <a:schemeClr val="accent3"/>
+                </a:solidFill>
+                <a:latin typeface="Montserrat"/>
+                <a:ea typeface="Montserrat"/>
+                <a:cs typeface="Montserrat"/>
+                <a:sym typeface="Montserrat"/>
+              </a:defRPr>
+            </a:lvl6pPr>
+            <a:lvl7pPr marL="3200400" marR="0" lvl="6" indent="-317500" algn="l" rtl="0">
+              <a:lnSpc>
+                <a:spcPct val="100000"/>
+              </a:lnSpc>
+              <a:spcBef>
+                <a:spcPts val="0"/>
+              </a:spcBef>
+              <a:spcAft>
+                <a:spcPts val="0"/>
+              </a:spcAft>
+              <a:buClr>
+                <a:srgbClr val="434343"/>
+              </a:buClr>
+              <a:buSzPts val="1200"/>
+              <a:buFont typeface="Roboto Condensed Light"/>
+              <a:buAutoNum type="arabicPeriod"/>
+              <a:defRPr sz="1400" b="0" i="0" u="none" strike="noStrike" cap="none">
+                <a:solidFill>
+                  <a:schemeClr val="accent3"/>
+                </a:solidFill>
+                <a:latin typeface="Montserrat"/>
+                <a:ea typeface="Montserrat"/>
+                <a:cs typeface="Montserrat"/>
+                <a:sym typeface="Montserrat"/>
+              </a:defRPr>
+            </a:lvl7pPr>
+            <a:lvl8pPr marL="3657600" marR="0" lvl="7" indent="-317500" algn="l" rtl="0">
+              <a:lnSpc>
+                <a:spcPct val="100000"/>
+              </a:lnSpc>
+              <a:spcBef>
+                <a:spcPts val="0"/>
+              </a:spcBef>
+              <a:spcAft>
+                <a:spcPts val="0"/>
+              </a:spcAft>
+              <a:buClr>
+                <a:srgbClr val="434343"/>
+              </a:buClr>
+              <a:buSzPts val="1200"/>
+              <a:buFont typeface="Roboto Condensed Light"/>
+              <a:buAutoNum type="alphaLcPeriod"/>
+              <a:defRPr sz="1400" b="0" i="0" u="none" strike="noStrike" cap="none">
+                <a:solidFill>
+                  <a:schemeClr val="accent3"/>
+                </a:solidFill>
+                <a:latin typeface="Montserrat"/>
+                <a:ea typeface="Montserrat"/>
+                <a:cs typeface="Montserrat"/>
+                <a:sym typeface="Montserrat"/>
+              </a:defRPr>
+            </a:lvl8pPr>
+            <a:lvl9pPr marL="4114800" marR="0" lvl="8" indent="-317500" algn="l" rtl="0">
+              <a:lnSpc>
+                <a:spcPct val="100000"/>
+              </a:lnSpc>
+              <a:spcBef>
+                <a:spcPts val="0"/>
+              </a:spcBef>
+              <a:spcAft>
+                <a:spcPts val="0"/>
+              </a:spcAft>
+              <a:buClr>
+                <a:srgbClr val="434343"/>
+              </a:buClr>
+              <a:buSzPts val="1200"/>
+              <a:buFont typeface="Roboto Condensed Light"/>
+              <a:buAutoNum type="romanLcPeriod"/>
+              <a:defRPr sz="1400" b="0" i="0" u="none" strike="noStrike" cap="none">
+                <a:solidFill>
+                  <a:schemeClr val="accent3"/>
+                </a:solidFill>
+                <a:latin typeface="Montserrat"/>
+                <a:ea typeface="Montserrat"/>
+                <a:cs typeface="Montserrat"/>
+                <a:sym typeface="Montserrat"/>
+              </a:defRPr>
+            </a:lvl9pPr>
+          </a:lstStyle>
+          <a:p>
+            <a:pPr>
+              <a:buClr>
+                <a:srgbClr val="DCAE52"/>
+              </a:buClr>
+              <a:buSzPts val="1400"/>
+              <a:buFont typeface="Livvic"/>
+              <a:buChar char="●"/>
+            </a:pPr>
+            <a:endParaRPr lang="en-US" sz="1400" dirty="0" smtClean="0"/>
+          </a:p>
+          <a:p>
+            <a:pPr marL="139700" indent="0">
+              <a:buClr>
+                <a:srgbClr val="DCAE52"/>
+              </a:buClr>
+              <a:buSzPts val="1400"/>
+              <a:buFont typeface="Livvic"/>
+              <a:buNone/>
+            </a:pPr>
+            <a:endParaRPr lang="en-US" sz="1400" dirty="0"/>
+          </a:p>
+        </p:txBody>
+      </p:sp>
+      <p:sp>
+        <p:nvSpPr>
+          <p:cNvPr id="8" name="Google Shape;774;p52"/>
+          <p:cNvSpPr txBox="1">
+            <a:spLocks/>
+          </p:cNvSpPr>
+          <p:nvPr/>
+        </p:nvSpPr>
+        <p:spPr>
+          <a:xfrm>
+            <a:off x="925363" y="3620301"/>
+            <a:ext cx="9012264" cy="829165"/>
+          </a:xfrm>
+          <a:prstGeom prst="rect">
+            <a:avLst/>
+          </a:prstGeom>
+          <a:noFill/>
+          <a:ln>
+            <a:noFill/>
+          </a:ln>
+        </p:spPr>
+        <p:txBody>
+          <a:bodyPr spcFirstLastPara="1" wrap="square" lIns="91425" tIns="91425" rIns="91425" bIns="91425" anchor="ctr" anchorCtr="0">
+            <a:noAutofit/>
+          </a:bodyPr>
+          <a:lstStyle>
+            <a:defPPr marR="0" lvl="0" algn="l" rtl="0">
+              <a:lnSpc>
+                <a:spcPct val="100000"/>
+              </a:lnSpc>
+              <a:spcBef>
+                <a:spcPts val="0"/>
+              </a:spcBef>
+              <a:spcAft>
+                <a:spcPts val="0"/>
+              </a:spcAft>
+            </a:defPPr>
+            <a:lvl1pPr marL="457200" marR="0" lvl="0" indent="-317500" algn="l" rtl="0">
+              <a:lnSpc>
+                <a:spcPct val="100000"/>
+              </a:lnSpc>
+              <a:spcBef>
+                <a:spcPts val="0"/>
+              </a:spcBef>
+              <a:spcAft>
+                <a:spcPts val="0"/>
+              </a:spcAft>
+              <a:buClr>
+                <a:srgbClr val="434343"/>
+              </a:buClr>
+              <a:buSzPts val="1200"/>
+              <a:buFont typeface="Livvic"/>
+              <a:buAutoNum type="arabicPeriod"/>
+              <a:defRPr sz="1200" b="0" i="0" u="none" strike="noStrike" cap="none">
+                <a:solidFill>
+                  <a:schemeClr val="accent3"/>
+                </a:solidFill>
+                <a:latin typeface="Montserrat"/>
+                <a:ea typeface="Montserrat"/>
+                <a:cs typeface="Montserrat"/>
+                <a:sym typeface="Montserrat"/>
+              </a:defRPr>
+            </a:lvl1pPr>
+            <a:lvl2pPr marL="914400" marR="0" lvl="1" indent="-317500" algn="l" rtl="0">
+              <a:lnSpc>
+                <a:spcPct val="100000"/>
+              </a:lnSpc>
+              <a:spcBef>
+                <a:spcPts val="0"/>
+              </a:spcBef>
+              <a:spcAft>
+                <a:spcPts val="0"/>
+              </a:spcAft>
+              <a:buClr>
+                <a:srgbClr val="434343"/>
+              </a:buClr>
+              <a:buSzPts val="1200"/>
+              <a:buFont typeface="Roboto Condensed Light"/>
+              <a:buAutoNum type="alphaLcPeriod"/>
+              <a:defRPr sz="1400" b="0" i="0" u="none" strike="noStrike" cap="none">
+                <a:solidFill>
+                  <a:schemeClr val="accent3"/>
+                </a:solidFill>
+                <a:latin typeface="Montserrat"/>
+                <a:ea typeface="Montserrat"/>
+                <a:cs typeface="Montserrat"/>
+                <a:sym typeface="Montserrat"/>
+              </a:defRPr>
+            </a:lvl2pPr>
+            <a:lvl3pPr marL="1371600" marR="0" lvl="2" indent="-317500" algn="l" rtl="0">
+              <a:lnSpc>
+                <a:spcPct val="100000"/>
+              </a:lnSpc>
+              <a:spcBef>
+                <a:spcPts val="0"/>
+              </a:spcBef>
+              <a:spcAft>
+                <a:spcPts val="0"/>
+              </a:spcAft>
+              <a:buClr>
+                <a:srgbClr val="434343"/>
+              </a:buClr>
+              <a:buSzPts val="1200"/>
+              <a:buFont typeface="Roboto Condensed Light"/>
+              <a:buAutoNum type="romanLcPeriod"/>
+              <a:defRPr sz="1400" b="0" i="0" u="none" strike="noStrike" cap="none">
+                <a:solidFill>
+                  <a:schemeClr val="accent3"/>
+                </a:solidFill>
+                <a:latin typeface="Montserrat"/>
+                <a:ea typeface="Montserrat"/>
+                <a:cs typeface="Montserrat"/>
+                <a:sym typeface="Montserrat"/>
+              </a:defRPr>
+            </a:lvl3pPr>
+            <a:lvl4pPr marL="1828800" marR="0" lvl="3" indent="-317500" algn="l" rtl="0">
+              <a:lnSpc>
+                <a:spcPct val="100000"/>
+              </a:lnSpc>
+              <a:spcBef>
+                <a:spcPts val="0"/>
+              </a:spcBef>
+              <a:spcAft>
+                <a:spcPts val="0"/>
+              </a:spcAft>
+              <a:buClr>
+                <a:srgbClr val="434343"/>
+              </a:buClr>
+              <a:buSzPts val="1200"/>
+              <a:buFont typeface="Roboto Condensed Light"/>
+              <a:buAutoNum type="arabicPeriod"/>
+              <a:defRPr sz="1400" b="0" i="0" u="none" strike="noStrike" cap="none">
+                <a:solidFill>
+                  <a:schemeClr val="accent3"/>
+                </a:solidFill>
+                <a:latin typeface="Montserrat"/>
+                <a:ea typeface="Montserrat"/>
+                <a:cs typeface="Montserrat"/>
+                <a:sym typeface="Montserrat"/>
+              </a:defRPr>
+            </a:lvl4pPr>
+            <a:lvl5pPr marL="2286000" marR="0" lvl="4" indent="-317500" algn="l" rtl="0">
+              <a:lnSpc>
+                <a:spcPct val="100000"/>
+              </a:lnSpc>
+              <a:spcBef>
+                <a:spcPts val="0"/>
+              </a:spcBef>
+              <a:spcAft>
+                <a:spcPts val="0"/>
+              </a:spcAft>
+              <a:buClr>
+                <a:srgbClr val="434343"/>
+              </a:buClr>
+              <a:buSzPts val="1200"/>
+              <a:buFont typeface="Roboto Condensed Light"/>
+              <a:buAutoNum type="alphaLcPeriod"/>
+              <a:defRPr sz="1400" b="0" i="0" u="none" strike="noStrike" cap="none">
+                <a:solidFill>
+                  <a:schemeClr val="accent3"/>
+                </a:solidFill>
+                <a:latin typeface="Montserrat"/>
+                <a:ea typeface="Montserrat"/>
+                <a:cs typeface="Montserrat"/>
+                <a:sym typeface="Montserrat"/>
+              </a:defRPr>
+            </a:lvl5pPr>
+            <a:lvl6pPr marL="2743200" marR="0" lvl="5" indent="-317500" algn="l" rtl="0">
+              <a:lnSpc>
+                <a:spcPct val="100000"/>
+              </a:lnSpc>
+              <a:spcBef>
+                <a:spcPts val="0"/>
+              </a:spcBef>
+              <a:spcAft>
+                <a:spcPts val="0"/>
+              </a:spcAft>
+              <a:buClr>
+                <a:srgbClr val="434343"/>
+              </a:buClr>
+              <a:buSzPts val="1200"/>
+              <a:buFont typeface="Roboto Condensed Light"/>
+              <a:buAutoNum type="romanLcPeriod"/>
+              <a:defRPr sz="1400" b="0" i="0" u="none" strike="noStrike" cap="none">
+                <a:solidFill>
+                  <a:schemeClr val="accent3"/>
+                </a:solidFill>
+                <a:latin typeface="Montserrat"/>
+                <a:ea typeface="Montserrat"/>
+                <a:cs typeface="Montserrat"/>
+                <a:sym typeface="Montserrat"/>
+              </a:defRPr>
+            </a:lvl6pPr>
+            <a:lvl7pPr marL="3200400" marR="0" lvl="6" indent="-317500" algn="l" rtl="0">
+              <a:lnSpc>
+                <a:spcPct val="100000"/>
+              </a:lnSpc>
+              <a:spcBef>
+                <a:spcPts val="0"/>
+              </a:spcBef>
+              <a:spcAft>
+                <a:spcPts val="0"/>
+              </a:spcAft>
+              <a:buClr>
+                <a:srgbClr val="434343"/>
+              </a:buClr>
+              <a:buSzPts val="1200"/>
+              <a:buFont typeface="Roboto Condensed Light"/>
+              <a:buAutoNum type="arabicPeriod"/>
+              <a:defRPr sz="1400" b="0" i="0" u="none" strike="noStrike" cap="none">
+                <a:solidFill>
+                  <a:schemeClr val="accent3"/>
+                </a:solidFill>
+                <a:latin typeface="Montserrat"/>
+                <a:ea typeface="Montserrat"/>
+                <a:cs typeface="Montserrat"/>
+                <a:sym typeface="Montserrat"/>
+              </a:defRPr>
+            </a:lvl7pPr>
+            <a:lvl8pPr marL="3657600" marR="0" lvl="7" indent="-317500" algn="l" rtl="0">
+              <a:lnSpc>
+                <a:spcPct val="100000"/>
+              </a:lnSpc>
+              <a:spcBef>
+                <a:spcPts val="0"/>
+              </a:spcBef>
+              <a:spcAft>
+                <a:spcPts val="0"/>
+              </a:spcAft>
+              <a:buClr>
+                <a:srgbClr val="434343"/>
+              </a:buClr>
+              <a:buSzPts val="1200"/>
+              <a:buFont typeface="Roboto Condensed Light"/>
+              <a:buAutoNum type="alphaLcPeriod"/>
+              <a:defRPr sz="1400" b="0" i="0" u="none" strike="noStrike" cap="none">
+                <a:solidFill>
+                  <a:schemeClr val="accent3"/>
+                </a:solidFill>
+                <a:latin typeface="Montserrat"/>
+                <a:ea typeface="Montserrat"/>
+                <a:cs typeface="Montserrat"/>
+                <a:sym typeface="Montserrat"/>
+              </a:defRPr>
+            </a:lvl8pPr>
+            <a:lvl9pPr marL="4114800" marR="0" lvl="8" indent="-317500" algn="l" rtl="0">
+              <a:lnSpc>
+                <a:spcPct val="100000"/>
+              </a:lnSpc>
+              <a:spcBef>
+                <a:spcPts val="0"/>
+              </a:spcBef>
+              <a:spcAft>
+                <a:spcPts val="0"/>
+              </a:spcAft>
+              <a:buClr>
+                <a:srgbClr val="434343"/>
+              </a:buClr>
+              <a:buSzPts val="1200"/>
+              <a:buFont typeface="Roboto Condensed Light"/>
+              <a:buAutoNum type="romanLcPeriod"/>
+              <a:defRPr sz="1400" b="0" i="0" u="none" strike="noStrike" cap="none">
+                <a:solidFill>
+                  <a:schemeClr val="accent3"/>
+                </a:solidFill>
+                <a:latin typeface="Montserrat"/>
+                <a:ea typeface="Montserrat"/>
+                <a:cs typeface="Montserrat"/>
+                <a:sym typeface="Montserrat"/>
+              </a:defRPr>
+            </a:lvl9pPr>
+          </a:lstStyle>
+          <a:p>
+            <a:pPr marL="139700" indent="0">
+              <a:buClr>
+                <a:srgbClr val="DCAE52"/>
+              </a:buClr>
+              <a:buSzPts val="1400"/>
+              <a:buNone/>
+            </a:pPr>
+            <a:r>
+              <a:rPr lang="en-US" sz="1400" dirty="0" smtClean="0"/>
+              <a:t>Current input data	</a:t>
+            </a:r>
+          </a:p>
+          <a:p>
+            <a:pPr marL="139700" indent="0">
+              <a:buClr>
+                <a:srgbClr val="DCAE52"/>
+              </a:buClr>
+              <a:buSzPts val="1400"/>
+              <a:buNone/>
+            </a:pPr>
+            <a:r>
+              <a:rPr lang="en-US" sz="1400" dirty="0" smtClean="0"/>
+              <a:t>Short-term memory</a:t>
+            </a:r>
+          </a:p>
+          <a:p>
+            <a:pPr marL="139700" indent="0">
+              <a:buClr>
+                <a:srgbClr val="DCAE52"/>
+              </a:buClr>
+              <a:buSzPts val="1400"/>
+              <a:buNone/>
+            </a:pPr>
+            <a:r>
+              <a:rPr lang="en-US" sz="1400" dirty="0" smtClean="0"/>
+              <a:t>Long-term memory</a:t>
+            </a:r>
+          </a:p>
+          <a:p>
+            <a:pPr marL="139700" indent="0">
+              <a:buClr>
+                <a:srgbClr val="DCAE52"/>
+              </a:buClr>
+              <a:buSzPts val="1400"/>
+              <a:buFont typeface="Livvic"/>
+              <a:buNone/>
+            </a:pPr>
+            <a:endParaRPr lang="en-US" sz="1400" dirty="0"/>
+          </a:p>
+        </p:txBody>
+      </p:sp>
+      <mc:AlternateContent xmlns:mc="http://schemas.openxmlformats.org/markup-compatibility/2006">
+        <mc:Choice xmlns:a14="http://schemas.microsoft.com/office/drawing/2010/main" Requires="a14">
+          <p:sp>
+            <p:nvSpPr>
+              <p:cNvPr id="9" name="Google Shape;774;p52"/>
+              <p:cNvSpPr txBox="1">
+                <a:spLocks/>
+              </p:cNvSpPr>
+              <p:nvPr/>
+            </p:nvSpPr>
+            <p:spPr>
+              <a:xfrm>
+                <a:off x="3409627" y="3585594"/>
+                <a:ext cx="705173" cy="898580"/>
+              </a:xfrm>
+              <a:prstGeom prst="rect">
+                <a:avLst/>
+              </a:prstGeom>
+              <a:noFill/>
+              <a:ln>
+                <a:noFill/>
+              </a:ln>
+            </p:spPr>
+            <p:txBody>
+              <a:bodyPr spcFirstLastPara="1" wrap="square" lIns="91425" tIns="91425" rIns="91425" bIns="91425" anchor="ctr" anchorCtr="0">
+                <a:noAutofit/>
+              </a:bodyPr>
+              <a:lstStyle>
+                <a:defPPr marR="0" lvl="0" algn="l" rtl="0">
+                  <a:lnSpc>
+                    <a:spcPct val="100000"/>
+                  </a:lnSpc>
+                  <a:spcBef>
+                    <a:spcPts val="0"/>
+                  </a:spcBef>
+                  <a:spcAft>
+                    <a:spcPts val="0"/>
+                  </a:spcAft>
+                </a:defPPr>
+                <a:lvl1pPr marL="457200" marR="0" lvl="0" indent="-317500" algn="l" rtl="0">
+                  <a:lnSpc>
+                    <a:spcPct val="100000"/>
+                  </a:lnSpc>
+                  <a:spcBef>
+                    <a:spcPts val="0"/>
+                  </a:spcBef>
+                  <a:spcAft>
+                    <a:spcPts val="0"/>
+                  </a:spcAft>
+                  <a:buClr>
+                    <a:srgbClr val="434343"/>
+                  </a:buClr>
+                  <a:buSzPts val="1200"/>
+                  <a:buFont typeface="Livvic"/>
+                  <a:buAutoNum type="arabicPeriod"/>
+                  <a:defRPr sz="1200" b="0" i="0" u="none" strike="noStrike" cap="none">
+                    <a:solidFill>
+                      <a:schemeClr val="accent3"/>
+                    </a:solidFill>
+                    <a:latin typeface="Montserrat"/>
+                    <a:ea typeface="Montserrat"/>
+                    <a:cs typeface="Montserrat"/>
+                    <a:sym typeface="Montserrat"/>
+                  </a:defRPr>
+                </a:lvl1pPr>
+                <a:lvl2pPr marL="914400" marR="0" lvl="1" indent="-317500" algn="l" rtl="0">
+                  <a:lnSpc>
+                    <a:spcPct val="100000"/>
+                  </a:lnSpc>
+                  <a:spcBef>
+                    <a:spcPts val="0"/>
+                  </a:spcBef>
+                  <a:spcAft>
+                    <a:spcPts val="0"/>
+                  </a:spcAft>
+                  <a:buClr>
+                    <a:srgbClr val="434343"/>
+                  </a:buClr>
+                  <a:buSzPts val="1200"/>
+                  <a:buFont typeface="Roboto Condensed Light"/>
+                  <a:buAutoNum type="alphaLcPeriod"/>
+                  <a:defRPr sz="1400" b="0" i="0" u="none" strike="noStrike" cap="none">
+                    <a:solidFill>
+                      <a:schemeClr val="accent3"/>
+                    </a:solidFill>
+                    <a:latin typeface="Montserrat"/>
+                    <a:ea typeface="Montserrat"/>
+                    <a:cs typeface="Montserrat"/>
+                    <a:sym typeface="Montserrat"/>
+                  </a:defRPr>
+                </a:lvl2pPr>
+                <a:lvl3pPr marL="1371600" marR="0" lvl="2" indent="-317500" algn="l" rtl="0">
+                  <a:lnSpc>
+                    <a:spcPct val="100000"/>
+                  </a:lnSpc>
+                  <a:spcBef>
+                    <a:spcPts val="0"/>
+                  </a:spcBef>
+                  <a:spcAft>
+                    <a:spcPts val="0"/>
+                  </a:spcAft>
+                  <a:buClr>
+                    <a:srgbClr val="434343"/>
+                  </a:buClr>
+                  <a:buSzPts val="1200"/>
+                  <a:buFont typeface="Roboto Condensed Light"/>
+                  <a:buAutoNum type="romanLcPeriod"/>
+                  <a:defRPr sz="1400" b="0" i="0" u="none" strike="noStrike" cap="none">
+                    <a:solidFill>
+                      <a:schemeClr val="accent3"/>
+                    </a:solidFill>
+                    <a:latin typeface="Montserrat"/>
+                    <a:ea typeface="Montserrat"/>
+                    <a:cs typeface="Montserrat"/>
+                    <a:sym typeface="Montserrat"/>
+                  </a:defRPr>
+                </a:lvl3pPr>
+                <a:lvl4pPr marL="1828800" marR="0" lvl="3" indent="-317500" algn="l" rtl="0">
+                  <a:lnSpc>
+                    <a:spcPct val="100000"/>
+                  </a:lnSpc>
+                  <a:spcBef>
+                    <a:spcPts val="0"/>
+                  </a:spcBef>
+                  <a:spcAft>
+                    <a:spcPts val="0"/>
+                  </a:spcAft>
+                  <a:buClr>
+                    <a:srgbClr val="434343"/>
+                  </a:buClr>
+                  <a:buSzPts val="1200"/>
+                  <a:buFont typeface="Roboto Condensed Light"/>
+                  <a:buAutoNum type="arabicPeriod"/>
+                  <a:defRPr sz="1400" b="0" i="0" u="none" strike="noStrike" cap="none">
+                    <a:solidFill>
+                      <a:schemeClr val="accent3"/>
+                    </a:solidFill>
+                    <a:latin typeface="Montserrat"/>
+                    <a:ea typeface="Montserrat"/>
+                    <a:cs typeface="Montserrat"/>
+                    <a:sym typeface="Montserrat"/>
+                  </a:defRPr>
+                </a:lvl4pPr>
+                <a:lvl5pPr marL="2286000" marR="0" lvl="4" indent="-317500" algn="l" rtl="0">
+                  <a:lnSpc>
+                    <a:spcPct val="100000"/>
+                  </a:lnSpc>
+                  <a:spcBef>
+                    <a:spcPts val="0"/>
+                  </a:spcBef>
+                  <a:spcAft>
+                    <a:spcPts val="0"/>
+                  </a:spcAft>
+                  <a:buClr>
+                    <a:srgbClr val="434343"/>
+                  </a:buClr>
+                  <a:buSzPts val="1200"/>
+                  <a:buFont typeface="Roboto Condensed Light"/>
+                  <a:buAutoNum type="alphaLcPeriod"/>
+                  <a:defRPr sz="1400" b="0" i="0" u="none" strike="noStrike" cap="none">
+                    <a:solidFill>
+                      <a:schemeClr val="accent3"/>
+                    </a:solidFill>
+                    <a:latin typeface="Montserrat"/>
+                    <a:ea typeface="Montserrat"/>
+                    <a:cs typeface="Montserrat"/>
+                    <a:sym typeface="Montserrat"/>
+                  </a:defRPr>
+                </a:lvl5pPr>
+                <a:lvl6pPr marL="2743200" marR="0" lvl="5" indent="-317500" algn="l" rtl="0">
+                  <a:lnSpc>
+                    <a:spcPct val="100000"/>
+                  </a:lnSpc>
+                  <a:spcBef>
+                    <a:spcPts val="0"/>
+                  </a:spcBef>
+                  <a:spcAft>
+                    <a:spcPts val="0"/>
+                  </a:spcAft>
+                  <a:buClr>
+                    <a:srgbClr val="434343"/>
+                  </a:buClr>
+                  <a:buSzPts val="1200"/>
+                  <a:buFont typeface="Roboto Condensed Light"/>
+                  <a:buAutoNum type="romanLcPeriod"/>
+                  <a:defRPr sz="1400" b="0" i="0" u="none" strike="noStrike" cap="none">
+                    <a:solidFill>
+                      <a:schemeClr val="accent3"/>
+                    </a:solidFill>
+                    <a:latin typeface="Montserrat"/>
+                    <a:ea typeface="Montserrat"/>
+                    <a:cs typeface="Montserrat"/>
+                    <a:sym typeface="Montserrat"/>
+                  </a:defRPr>
+                </a:lvl6pPr>
+                <a:lvl7pPr marL="3200400" marR="0" lvl="6" indent="-317500" algn="l" rtl="0">
+                  <a:lnSpc>
+                    <a:spcPct val="100000"/>
+                  </a:lnSpc>
+                  <a:spcBef>
+                    <a:spcPts val="0"/>
+                  </a:spcBef>
+                  <a:spcAft>
+                    <a:spcPts val="0"/>
+                  </a:spcAft>
+                  <a:buClr>
+                    <a:srgbClr val="434343"/>
+                  </a:buClr>
+                  <a:buSzPts val="1200"/>
+                  <a:buFont typeface="Roboto Condensed Light"/>
+                  <a:buAutoNum type="arabicPeriod"/>
+                  <a:defRPr sz="1400" b="0" i="0" u="none" strike="noStrike" cap="none">
+                    <a:solidFill>
+                      <a:schemeClr val="accent3"/>
+                    </a:solidFill>
+                    <a:latin typeface="Montserrat"/>
+                    <a:ea typeface="Montserrat"/>
+                    <a:cs typeface="Montserrat"/>
+                    <a:sym typeface="Montserrat"/>
+                  </a:defRPr>
+                </a:lvl7pPr>
+                <a:lvl8pPr marL="3657600" marR="0" lvl="7" indent="-317500" algn="l" rtl="0">
+                  <a:lnSpc>
+                    <a:spcPct val="100000"/>
+                  </a:lnSpc>
+                  <a:spcBef>
+                    <a:spcPts val="0"/>
+                  </a:spcBef>
+                  <a:spcAft>
+                    <a:spcPts val="0"/>
+                  </a:spcAft>
+                  <a:buClr>
+                    <a:srgbClr val="434343"/>
+                  </a:buClr>
+                  <a:buSzPts val="1200"/>
+                  <a:buFont typeface="Roboto Condensed Light"/>
+                  <a:buAutoNum type="alphaLcPeriod"/>
+                  <a:defRPr sz="1400" b="0" i="0" u="none" strike="noStrike" cap="none">
+                    <a:solidFill>
+                      <a:schemeClr val="accent3"/>
+                    </a:solidFill>
+                    <a:latin typeface="Montserrat"/>
+                    <a:ea typeface="Montserrat"/>
+                    <a:cs typeface="Montserrat"/>
+                    <a:sym typeface="Montserrat"/>
+                  </a:defRPr>
+                </a:lvl8pPr>
+                <a:lvl9pPr marL="4114800" marR="0" lvl="8" indent="-317500" algn="l" rtl="0">
+                  <a:lnSpc>
+                    <a:spcPct val="100000"/>
+                  </a:lnSpc>
+                  <a:spcBef>
+                    <a:spcPts val="0"/>
+                  </a:spcBef>
+                  <a:spcAft>
+                    <a:spcPts val="0"/>
+                  </a:spcAft>
+                  <a:buClr>
+                    <a:srgbClr val="434343"/>
+                  </a:buClr>
+                  <a:buSzPts val="1200"/>
+                  <a:buFont typeface="Roboto Condensed Light"/>
+                  <a:buAutoNum type="romanLcPeriod"/>
+                  <a:defRPr sz="1400" b="0" i="0" u="none" strike="noStrike" cap="none">
+                    <a:solidFill>
+                      <a:schemeClr val="accent3"/>
+                    </a:solidFill>
+                    <a:latin typeface="Montserrat"/>
+                    <a:ea typeface="Montserrat"/>
+                    <a:cs typeface="Montserrat"/>
+                    <a:sym typeface="Montserrat"/>
+                  </a:defRPr>
+                </a:lvl9pPr>
+              </a:lstStyle>
+              <a:p>
+                <a:pPr marL="139700" indent="0">
+                  <a:buClr>
+                    <a:srgbClr val="DCAE52"/>
+                  </a:buClr>
+                  <a:buSzPts val="1400"/>
+                  <a:buNone/>
+                </a:pPr>
+                <a14:m>
+                  <m:oMathPara xmlns:m="http://schemas.openxmlformats.org/officeDocument/2006/math">
+                    <m:oMathParaPr>
+                      <m:jc m:val="centerGroup"/>
+                    </m:oMathParaPr>
+                    <m:oMath xmlns:m="http://schemas.openxmlformats.org/officeDocument/2006/math">
+                      <m:sSup>
+                        <m:sSupPr>
+                          <m:ctrlPr>
+                            <a:rPr lang="en-US" sz="1400" b="0" i="1" smtClean="0">
+                              <a:solidFill>
+                                <a:srgbClr val="DCAE52"/>
+                              </a:solidFill>
+                              <a:latin typeface="Cambria Math" panose="02040503050406030204" pitchFamily="18" charset="0"/>
+                            </a:rPr>
+                          </m:ctrlPr>
+                        </m:sSupPr>
+                        <m:e>
+                          <m:r>
+                            <a:rPr lang="en-US" sz="1400" b="0" i="1" smtClean="0">
+                              <a:solidFill>
+                                <a:srgbClr val="DCAE52"/>
+                              </a:solidFill>
+                              <a:latin typeface="Cambria Math" panose="02040503050406030204" pitchFamily="18" charset="0"/>
+                            </a:rPr>
+                            <m:t>𝑞</m:t>
+                          </m:r>
+                        </m:e>
+                        <m:sup>
+                          <m:r>
+                            <a:rPr lang="en-US" sz="1400" b="0" i="1" smtClean="0">
+                              <a:solidFill>
+                                <a:srgbClr val="DCAE52"/>
+                              </a:solidFill>
+                              <a:latin typeface="Cambria Math" panose="02040503050406030204" pitchFamily="18" charset="0"/>
+                            </a:rPr>
+                            <m:t>∗</m:t>
+                          </m:r>
+                        </m:sup>
+                      </m:sSup>
+                    </m:oMath>
+                  </m:oMathPara>
+                </a14:m>
+                <a:endParaRPr lang="en-US" sz="1400" dirty="0" smtClean="0">
+                  <a:solidFill>
+                    <a:srgbClr val="DCAE52"/>
+                  </a:solidFill>
+                </a:endParaRPr>
+              </a:p>
+              <a:p>
+                <a:pPr marL="139700" indent="0">
+                  <a:buClr>
+                    <a:srgbClr val="DCAE52"/>
+                  </a:buClr>
+                  <a:buSzPts val="1400"/>
+                  <a:buNone/>
+                </a:pPr>
+                <a14:m>
+                  <m:oMathPara xmlns:m="http://schemas.openxmlformats.org/officeDocument/2006/math">
+                    <m:oMathParaPr>
+                      <m:jc m:val="centerGroup"/>
+                    </m:oMathParaPr>
+                    <m:oMath xmlns:m="http://schemas.openxmlformats.org/officeDocument/2006/math">
+                      <m:r>
+                        <a:rPr lang="en-US" sz="1400" b="0" i="1" smtClean="0">
+                          <a:solidFill>
+                            <a:srgbClr val="DCAE52"/>
+                          </a:solidFill>
+                          <a:latin typeface="Cambria Math" panose="02040503050406030204" pitchFamily="18" charset="0"/>
+                        </a:rPr>
+                        <m:t>𝑝</m:t>
+                      </m:r>
+                      <m:d>
+                        <m:dPr>
+                          <m:begChr m:val="["/>
+                          <m:endChr m:val="]"/>
+                          <m:ctrlPr>
+                            <a:rPr lang="en-US" sz="1400" b="0" i="1" smtClean="0">
+                              <a:solidFill>
+                                <a:srgbClr val="DCAE52"/>
+                              </a:solidFill>
+                              <a:latin typeface="Cambria Math" panose="02040503050406030204" pitchFamily="18" charset="0"/>
+                            </a:rPr>
+                          </m:ctrlPr>
+                        </m:dPr>
+                        <m:e>
+                          <m:r>
+                            <a:rPr lang="en-US" sz="1400" b="0" i="1" smtClean="0">
+                              <a:solidFill>
+                                <a:srgbClr val="DCAE52"/>
+                              </a:solidFill>
+                              <a:latin typeface="Cambria Math" panose="02040503050406030204" pitchFamily="18" charset="0"/>
+                            </a:rPr>
+                            <m:t>0</m:t>
+                          </m:r>
+                        </m:e>
+                      </m:d>
+                    </m:oMath>
+                  </m:oMathPara>
+                </a14:m>
+                <a:endParaRPr lang="en-US" sz="1400" b="0" dirty="0" smtClean="0">
+                  <a:solidFill>
+                    <a:srgbClr val="DCAE52"/>
+                  </a:solidFill>
+                </a:endParaRPr>
+              </a:p>
+              <a:p>
+                <a:pPr marL="139700" indent="0">
+                  <a:buClr>
+                    <a:srgbClr val="DCAE52"/>
+                  </a:buClr>
+                  <a:buSzPts val="1400"/>
+                  <a:buNone/>
+                </a:pPr>
+                <a14:m>
+                  <m:oMathPara xmlns:m="http://schemas.openxmlformats.org/officeDocument/2006/math">
+                    <m:oMathParaPr>
+                      <m:jc m:val="centerGroup"/>
+                    </m:oMathParaPr>
+                    <m:oMath xmlns:m="http://schemas.openxmlformats.org/officeDocument/2006/math">
+                      <m:r>
+                        <a:rPr lang="en-US" sz="1400" b="0" i="1" smtClean="0">
+                          <a:solidFill>
+                            <a:srgbClr val="DCAE52"/>
+                          </a:solidFill>
+                          <a:latin typeface="Cambria Math" panose="02040503050406030204" pitchFamily="18" charset="0"/>
+                        </a:rPr>
+                        <m:t>𝑝</m:t>
+                      </m:r>
+                      <m:r>
+                        <a:rPr lang="en-US" sz="1400" b="0" i="1" smtClean="0">
+                          <a:solidFill>
+                            <a:srgbClr val="DCAE52"/>
+                          </a:solidFill>
+                          <a:latin typeface="Cambria Math" panose="02040503050406030204" pitchFamily="18" charset="0"/>
+                        </a:rPr>
+                        <m:t>[1]</m:t>
+                      </m:r>
+                    </m:oMath>
+                  </m:oMathPara>
+                </a14:m>
+                <a:endParaRPr lang="en-US" sz="1400" dirty="0" smtClean="0">
+                  <a:solidFill>
+                    <a:srgbClr val="DCAE52"/>
+                  </a:solidFill>
+                </a:endParaRPr>
+              </a:p>
+              <a:p>
+                <a:pPr marL="139700" indent="0">
+                  <a:buClr>
+                    <a:srgbClr val="DCAE52"/>
+                  </a:buClr>
+                  <a:buSzPts val="1400"/>
+                  <a:buFont typeface="Livvic"/>
+                  <a:buNone/>
+                </a:pPr>
+                <a:endParaRPr lang="en-US" sz="1400" dirty="0"/>
+              </a:p>
+            </p:txBody>
+          </p:sp>
+        </mc:Choice>
+        <mc:Fallback>
+          <p:sp>
+            <p:nvSpPr>
+              <p:cNvPr id="9" name="Google Shape;774;p52"/>
+              <p:cNvSpPr txBox="1">
+                <a:spLocks noRot="1" noChangeAspect="1" noMove="1" noResize="1" noEditPoints="1" noAdjustHandles="1" noChangeArrowheads="1" noChangeShapeType="1" noTextEdit="1"/>
+              </p:cNvSpPr>
+              <p:nvPr/>
+            </p:nvSpPr>
+            <p:spPr>
+              <a:xfrm>
+                <a:off x="3409627" y="3585594"/>
+                <a:ext cx="705173" cy="898580"/>
+              </a:xfrm>
+              <a:prstGeom prst="rect">
+                <a:avLst/>
+              </a:prstGeom>
+              <a:blipFill>
+                <a:blip r:embed="rId2"/>
+                <a:stretch>
+                  <a:fillRect/>
+                </a:stretch>
+              </a:blipFill>
+              <a:ln>
+                <a:noFill/>
+              </a:ln>
+            </p:spPr>
+            <p:txBody>
+              <a:bodyPr/>
+              <a:lstStyle/>
+              <a:p>
+                <a:r>
+                  <a:rPr lang="it-IT">
+                    <a:noFill/>
+                  </a:rPr>
+                  <a:t> </a:t>
+                </a:r>
+              </a:p>
+            </p:txBody>
+          </p:sp>
+        </mc:Fallback>
+      </mc:AlternateContent>
+      <p:sp>
+        <p:nvSpPr>
+          <p:cNvPr id="10" name="Right Arrow 9"/>
+          <p:cNvSpPr/>
+          <p:nvPr/>
+        </p:nvSpPr>
+        <p:spPr>
+          <a:xfrm>
+            <a:off x="3130658" y="3648961"/>
+            <a:ext cx="418454" cy="163622"/>
+          </a:xfrm>
+          <a:prstGeom prst="rightArrow">
+            <a:avLst/>
+          </a:prstGeom>
+          <a:solidFill>
+            <a:srgbClr val="DCAE52"/>
+          </a:solidFill>
+        </p:spPr>
+        <p:style>
+          <a:lnRef idx="2">
+            <a:schemeClr val="accent1">
+              <a:shade val="50000"/>
+            </a:schemeClr>
+          </a:lnRef>
+          <a:fillRef idx="1">
+            <a:schemeClr val="accent1"/>
+          </a:fillRef>
+          <a:effectRef idx="0">
+            <a:schemeClr val="accent1"/>
+          </a:effectRef>
+          <a:fontRef idx="minor">
+            <a:schemeClr val="lt1"/>
+          </a:fontRef>
+        </p:style>
+        <p:txBody>
+          <a:bodyPr rtlCol="0" anchor="ctr"/>
+          <a:lstStyle/>
+          <a:p>
+            <a:pPr algn="ctr"/>
+            <a:endParaRPr lang="it-IT"/>
+          </a:p>
+        </p:txBody>
+      </p:sp>
+      <p:sp>
+        <p:nvSpPr>
+          <p:cNvPr id="11" name="Right Arrow 10"/>
+          <p:cNvSpPr/>
+          <p:nvPr/>
+        </p:nvSpPr>
+        <p:spPr>
+          <a:xfrm>
+            <a:off x="3099661" y="3871261"/>
+            <a:ext cx="418454" cy="163622"/>
+          </a:xfrm>
+          <a:prstGeom prst="rightArrow">
+            <a:avLst/>
+          </a:prstGeom>
+          <a:solidFill>
+            <a:srgbClr val="DCAE52"/>
+          </a:solidFill>
+        </p:spPr>
+        <p:style>
+          <a:lnRef idx="2">
+            <a:schemeClr val="accent1">
+              <a:shade val="50000"/>
+            </a:schemeClr>
+          </a:lnRef>
+          <a:fillRef idx="1">
+            <a:schemeClr val="accent1"/>
+          </a:fillRef>
+          <a:effectRef idx="0">
+            <a:schemeClr val="accent1"/>
+          </a:effectRef>
+          <a:fontRef idx="minor">
+            <a:schemeClr val="lt1"/>
+          </a:fontRef>
+        </p:style>
+        <p:txBody>
+          <a:bodyPr rtlCol="0" anchor="ctr"/>
+          <a:lstStyle/>
+          <a:p>
+            <a:pPr algn="ctr"/>
+            <a:endParaRPr lang="it-IT"/>
+          </a:p>
+        </p:txBody>
+      </p:sp>
+      <p:sp>
+        <p:nvSpPr>
+          <p:cNvPr id="12" name="Right Arrow 11"/>
+          <p:cNvSpPr/>
+          <p:nvPr/>
+        </p:nvSpPr>
+        <p:spPr>
+          <a:xfrm>
+            <a:off x="3130658" y="4093561"/>
+            <a:ext cx="418454" cy="163622"/>
+          </a:xfrm>
+          <a:prstGeom prst="rightArrow">
+            <a:avLst/>
+          </a:prstGeom>
+          <a:solidFill>
+            <a:srgbClr val="DCAE52"/>
+          </a:solidFill>
+        </p:spPr>
+        <p:style>
+          <a:lnRef idx="2">
+            <a:schemeClr val="accent1">
+              <a:shade val="50000"/>
+            </a:schemeClr>
+          </a:lnRef>
+          <a:fillRef idx="1">
+            <a:schemeClr val="accent1"/>
+          </a:fillRef>
+          <a:effectRef idx="0">
+            <a:schemeClr val="accent1"/>
+          </a:effectRef>
+          <a:fontRef idx="minor">
+            <a:schemeClr val="lt1"/>
+          </a:fontRef>
+        </p:style>
+        <p:txBody>
+          <a:bodyPr rtlCol="0" anchor="ctr"/>
+          <a:lstStyle/>
+          <a:p>
+            <a:pPr algn="ctr"/>
+            <a:endParaRPr lang="it-IT"/>
           </a:p>
         </p:txBody>
       </p:sp>
@@ -32646,7 +34395,7 @@
               <a:rPr lang="en-US" dirty="0" smtClean="0">
                 <a:latin typeface="Abel" panose="020B0604020202020204" charset="0"/>
               </a:rPr>
-              <a:t>RELU LAYER</a:t>
+              <a:t>RELU FUNCTION</a:t>
             </a:r>
             <a:endParaRPr dirty="0">
               <a:latin typeface="Abel" panose="020B0604020202020204" charset="0"/>
@@ -33344,7 +35093,7 @@
             </a:pPr>
             <a:r>
               <a:rPr lang="en" dirty="0" smtClean="0"/>
-              <a:t>INITIALIZZAZION</a:t>
+              <a:t>INITIALIZATION</a:t>
             </a:r>
             <a:endParaRPr dirty="0"/>
           </a:p>
@@ -33593,7 +35342,7 @@
         </p:nvSpPr>
         <p:spPr>
           <a:xfrm>
-            <a:off x="1443114" y="4138714"/>
+            <a:off x="1443114" y="4169050"/>
             <a:ext cx="2680200" cy="359400"/>
           </a:xfrm>
           <a:prstGeom prst="rect">
@@ -33635,7 +35384,7 @@
         </p:nvSpPr>
         <p:spPr>
           <a:xfrm>
-            <a:off x="485814" y="4093260"/>
+            <a:off x="485814" y="4138714"/>
             <a:ext cx="957300" cy="576600"/>
           </a:xfrm>
           <a:prstGeom prst="rect">
@@ -37738,7 +39487,11 @@
             </a:pPr>
             <a:r>
               <a:rPr lang="en" dirty="0" smtClean="0"/>
-              <a:t>NEW NUMBER OF BLOCKS: CHANGING T</a:t>
+              <a:t>NEW NUMBER OF BLOCKS: CHANGING </a:t>
+            </a:r>
+            <a:r>
+              <a:rPr lang="en" dirty="0" smtClean="0"/>
+              <a:t>N</a:t>
             </a:r>
             <a:endParaRPr dirty="0"/>
           </a:p>
@@ -37751,7 +39504,7 @@
           <p:nvPr>
             <p:extLst>
               <p:ext uri="{D42A27DB-BD31-4B8C-83A1-F6EECF244321}">
-                <p14:modId xmlns:p14="http://schemas.microsoft.com/office/powerpoint/2010/main" val="331817336"/>
+                <p14:modId xmlns:p14="http://schemas.microsoft.com/office/powerpoint/2010/main" val="1587823679"/>
               </p:ext>
             </p:extLst>
           </p:nvPr>
@@ -37907,7 +39660,7 @@
                         <a:buNone/>
                       </a:pPr>
                       <a:r>
-                        <a:rPr lang="en" sz="1800" smtClean="0">
+                        <a:rPr lang="en" sz="1800" dirty="0" smtClean="0">
                           <a:solidFill>
                             <a:schemeClr val="accent5"/>
                           </a:solidFill>
@@ -37916,7 +39669,7 @@
                           <a:cs typeface="Abel"/>
                           <a:sym typeface="Abel"/>
                         </a:rPr>
-                        <a:t>T=2</a:t>
+                        <a:t>N=2</a:t>
                       </a:r>
                       <a:endParaRPr sz="1800" dirty="0">
                         <a:solidFill>
@@ -38020,7 +39773,31 @@
                           <a:cs typeface="Abel"/>
                           <a:sym typeface="Abel"/>
                         </a:rPr>
-                        <a:t> MODEL (T=3)</a:t>
+                        <a:t> MODEL </a:t>
+                      </a:r>
+                      <a:r>
+                        <a:rPr lang="en-US" sz="1800" baseline="0" dirty="0" smtClean="0">
+                          <a:solidFill>
+                            <a:schemeClr val="accent5"/>
+                          </a:solidFill>
+                          <a:latin typeface="Abel"/>
+                          <a:ea typeface="Abel"/>
+                          <a:cs typeface="Abel"/>
+                          <a:sym typeface="Abel"/>
+                        </a:rPr>
+                        <a:t>(N=3</a:t>
+                      </a:r>
+                      <a:r>
+                        <a:rPr lang="en-US" sz="1800" baseline="0" dirty="0" smtClean="0">
+                          <a:solidFill>
+                            <a:schemeClr val="accent5"/>
+                          </a:solidFill>
+                          <a:latin typeface="Abel"/>
+                          <a:ea typeface="Abel"/>
+                          <a:cs typeface="Abel"/>
+                          <a:sym typeface="Abel"/>
+                        </a:rPr>
+                        <a:t>)</a:t>
                       </a:r>
                       <a:endParaRPr lang="en-US" sz="1800" dirty="0" smtClean="0">
                         <a:solidFill>
@@ -38122,7 +39899,7 @@
                           <a:cs typeface="Abel"/>
                           <a:sym typeface="Abel"/>
                         </a:rPr>
-                        <a:t>T=6</a:t>
+                        <a:t>N=6</a:t>
                       </a:r>
                       <a:endParaRPr sz="1800" dirty="0">
                         <a:solidFill>
@@ -38204,7 +39981,7 @@
                           <a:cs typeface="Abel"/>
                           <a:sym typeface="Abel"/>
                         </a:rPr>
-                        <a:t>T=9</a:t>
+                        <a:t>N=9</a:t>
                       </a:r>
                       <a:endParaRPr sz="1800" dirty="0">
                         <a:solidFill>
@@ -39839,7 +41616,11 @@
             </a:r>
             <a:r>
               <a:rPr lang="en" dirty="0" smtClean="0"/>
-              <a:t>MODEL WITH T=6</a:t>
+              <a:t>MODEL WITH </a:t>
+            </a:r>
+            <a:r>
+              <a:rPr lang="en" dirty="0" smtClean="0"/>
+              <a:t>N=6</a:t>
             </a:r>
             <a:endParaRPr dirty="0"/>
           </a:p>
@@ -45906,7 +47687,7 @@
         </p:nvSpPr>
         <p:spPr>
           <a:xfrm>
-            <a:off x="2217820" y="2712202"/>
+            <a:off x="2217820" y="2798537"/>
             <a:ext cx="2377427" cy="1070251"/>
           </a:xfrm>
           <a:prstGeom prst="rect">
@@ -47797,7 +49578,25 @@
                 </a:solidFill>
                 <a:latin typeface="Abel" panose="020B0604020202020204" charset="0"/>
               </a:rPr>
-              <a:t>MESSAGE PHASE (T=3)</a:t>
+              <a:t>MESSAGE PHASE </a:t>
+            </a:r>
+            <a:r>
+              <a:rPr lang="it-IT" dirty="0" smtClean="0">
+                <a:solidFill>
+                  <a:srgbClr val="292C35"/>
+                </a:solidFill>
+                <a:latin typeface="Abel" panose="020B0604020202020204" charset="0"/>
+              </a:rPr>
+              <a:t>(N=3</a:t>
+            </a:r>
+            <a:r>
+              <a:rPr lang="it-IT" dirty="0" smtClean="0">
+                <a:solidFill>
+                  <a:srgbClr val="292C35"/>
+                </a:solidFill>
+                <a:latin typeface="Abel" panose="020B0604020202020204" charset="0"/>
+              </a:rPr>
+              <a:t>)</a:t>
             </a:r>
             <a:endParaRPr lang="it-IT" dirty="0">
               <a:solidFill>
@@ -47981,17 +49780,17 @@
         </p:nvSpPr>
         <p:spPr>
           <a:xfrm>
-            <a:off x="6776223" y="111512"/>
+            <a:off x="6315306" y="115230"/>
             <a:ext cx="1631797" cy="676506"/>
           </a:xfrm>
           <a:prstGeom prst="borderCallout2">
             <a:avLst>
               <a:gd name="adj1" fmla="val 52072"/>
               <a:gd name="adj2" fmla="val 99351"/>
-              <a:gd name="adj3" fmla="val 163726"/>
-              <a:gd name="adj4" fmla="val -2040"/>
+              <a:gd name="adj3" fmla="val 164825"/>
+              <a:gd name="adj4" fmla="val 26206"/>
               <a:gd name="adj5" fmla="val 165067"/>
-              <a:gd name="adj6" fmla="val -21757"/>
+              <a:gd name="adj6" fmla="val 16967"/>
             </a:avLst>
           </a:prstGeom>
           <a:solidFill>

--- a/ML_presentation.pptx
+++ b/ML_presentation.pptx
@@ -47,25 +47,25 @@
   <p:notesSz cx="6858000" cy="9144000"/>
   <p:embeddedFontLst>
     <p:embeddedFont>
-      <p:font typeface="Rubik Light" panose="020B0604020202020204" charset="-79"/>
+      <p:font typeface="Abel" panose="020B0604020202020204" charset="0"/>
       <p:regular r:id="rId37"/>
-      <p:bold r:id="rId38"/>
-      <p:italic r:id="rId39"/>
-      <p:boldItalic r:id="rId40"/>
     </p:embeddedFont>
     <p:embeddedFont>
       <p:font typeface="Montserrat" panose="020B0604020202020204" charset="0"/>
-      <p:regular r:id="rId41"/>
-      <p:bold r:id="rId42"/>
-      <p:italic r:id="rId43"/>
-      <p:boldItalic r:id="rId44"/>
+      <p:regular r:id="rId38"/>
+      <p:bold r:id="rId39"/>
+      <p:italic r:id="rId40"/>
+      <p:boldItalic r:id="rId41"/>
+    </p:embeddedFont>
+    <p:embeddedFont>
+      <p:font typeface="Rubik Light" panose="020B0604020202020204" charset="-79"/>
+      <p:regular r:id="rId42"/>
+      <p:bold r:id="rId43"/>
+      <p:italic r:id="rId44"/>
+      <p:boldItalic r:id="rId45"/>
     </p:embeddedFont>
     <p:embeddedFont>
       <p:font typeface="Cambria Math" panose="02040503050406030204" pitchFamily="18" charset="0"/>
-      <p:regular r:id="rId45"/>
-    </p:embeddedFont>
-    <p:embeddedFont>
-      <p:font typeface="Abel" panose="020B0604020202020204" charset="0"/>
       <p:regular r:id="rId46"/>
     </p:embeddedFont>
   </p:embeddedFontLst>
@@ -12013,7 +12013,7 @@
                 <a:hlinkClick r:id="rId2">
                   <a:extLst>
                     <a:ext uri="{A12FA001-AC4F-418D-AE19-62706E023703}">
-                      <ahyp:hlinkClr xmlns="" xmlns:mc="http://schemas.openxmlformats.org/markup-compatibility/2006" xmlns:mv="urn:schemas-microsoft-com:mac:vml" xmlns:c="http://schemas.openxmlformats.org/drawingml/2006/chart" xmlns:dgm="http://schemas.openxmlformats.org/drawingml/2006/diagram" xmlns:o="urn:schemas-microsoft-com:office:office" xmlns:v="urn:schemas-microsoft-com:vml" xmlns:pvml="urn:schemas-microsoft-com:office:powerpoint" xmlns:com="http://schemas.openxmlformats.org/drawingml/2006/compatibility" xmlns:p14="http://schemas.microsoft.com/office/powerpoint/2010/main" xmlns:p15="http://schemas.microsoft.com/office/powerpoint/2012/main" xmlns:ahyp="http://schemas.microsoft.com/office/drawing/2018/hyperlinkcolor" val="tx"/>
+                      <ahyp:hlinkClr xmlns:ahyp="http://schemas.microsoft.com/office/drawing/2018/hyperlinkcolor" xmlns:p15="http://schemas.microsoft.com/office/powerpoint/2012/main" xmlns:p14="http://schemas.microsoft.com/office/powerpoint/2010/main" xmlns:com="http://schemas.openxmlformats.org/drawingml/2006/compatibility" xmlns:pvml="urn:schemas-microsoft-com:office:powerpoint" xmlns:v="urn:schemas-microsoft-com:vml" xmlns:o="urn:schemas-microsoft-com:office:office" xmlns:dgm="http://schemas.openxmlformats.org/drawingml/2006/diagram" xmlns:c="http://schemas.openxmlformats.org/drawingml/2006/chart" xmlns:mv="urn:schemas-microsoft-com:mac:vml" xmlns:mc="http://schemas.openxmlformats.org/markup-compatibility/2006" xmlns="" val="tx"/>
                     </a:ext>
                   </a:extLst>
                 </a:hlinkClick>
@@ -12047,7 +12047,7 @@
                 <a:hlinkClick r:id="rId3">
                   <a:extLst>
                     <a:ext uri="{A12FA001-AC4F-418D-AE19-62706E023703}">
-                      <ahyp:hlinkClr xmlns="" xmlns:mc="http://schemas.openxmlformats.org/markup-compatibility/2006" xmlns:mv="urn:schemas-microsoft-com:mac:vml" xmlns:c="http://schemas.openxmlformats.org/drawingml/2006/chart" xmlns:dgm="http://schemas.openxmlformats.org/drawingml/2006/diagram" xmlns:o="urn:schemas-microsoft-com:office:office" xmlns:v="urn:schemas-microsoft-com:vml" xmlns:pvml="urn:schemas-microsoft-com:office:powerpoint" xmlns:com="http://schemas.openxmlformats.org/drawingml/2006/compatibility" xmlns:p14="http://schemas.microsoft.com/office/powerpoint/2010/main" xmlns:p15="http://schemas.microsoft.com/office/powerpoint/2012/main" xmlns:ahyp="http://schemas.microsoft.com/office/drawing/2018/hyperlinkcolor" val="tx"/>
+                      <ahyp:hlinkClr xmlns:ahyp="http://schemas.microsoft.com/office/drawing/2018/hyperlinkcolor" xmlns:p15="http://schemas.microsoft.com/office/powerpoint/2012/main" xmlns:p14="http://schemas.microsoft.com/office/powerpoint/2010/main" xmlns:com="http://schemas.openxmlformats.org/drawingml/2006/compatibility" xmlns:pvml="urn:schemas-microsoft-com:office:powerpoint" xmlns:v="urn:schemas-microsoft-com:vml" xmlns:o="urn:schemas-microsoft-com:office:office" xmlns:dgm="http://schemas.openxmlformats.org/drawingml/2006/diagram" xmlns:c="http://schemas.openxmlformats.org/drawingml/2006/chart" xmlns:mv="urn:schemas-microsoft-com:mac:vml" xmlns:mc="http://schemas.openxmlformats.org/markup-compatibility/2006" xmlns="" val="tx"/>
                     </a:ext>
                   </a:extLst>
                 </a:hlinkClick>
@@ -12081,7 +12081,7 @@
                 <a:hlinkClick r:id="rId4">
                   <a:extLst>
                     <a:ext uri="{A12FA001-AC4F-418D-AE19-62706E023703}">
-                      <ahyp:hlinkClr xmlns="" xmlns:mc="http://schemas.openxmlformats.org/markup-compatibility/2006" xmlns:mv="urn:schemas-microsoft-com:mac:vml" xmlns:c="http://schemas.openxmlformats.org/drawingml/2006/chart" xmlns:dgm="http://schemas.openxmlformats.org/drawingml/2006/diagram" xmlns:o="urn:schemas-microsoft-com:office:office" xmlns:v="urn:schemas-microsoft-com:vml" xmlns:pvml="urn:schemas-microsoft-com:office:powerpoint" xmlns:com="http://schemas.openxmlformats.org/drawingml/2006/compatibility" xmlns:p14="http://schemas.microsoft.com/office/powerpoint/2010/main" xmlns:p15="http://schemas.microsoft.com/office/powerpoint/2012/main" xmlns:ahyp="http://schemas.microsoft.com/office/drawing/2018/hyperlinkcolor" val="tx"/>
+                      <ahyp:hlinkClr xmlns:ahyp="http://schemas.microsoft.com/office/drawing/2018/hyperlinkcolor" xmlns:p15="http://schemas.microsoft.com/office/powerpoint/2012/main" xmlns:p14="http://schemas.microsoft.com/office/powerpoint/2010/main" xmlns:com="http://schemas.openxmlformats.org/drawingml/2006/compatibility" xmlns:pvml="urn:schemas-microsoft-com:office:powerpoint" xmlns:v="urn:schemas-microsoft-com:vml" xmlns:o="urn:schemas-microsoft-com:office:office" xmlns:dgm="http://schemas.openxmlformats.org/drawingml/2006/diagram" xmlns:c="http://schemas.openxmlformats.org/drawingml/2006/chart" xmlns:mv="urn:schemas-microsoft-com:mac:vml" xmlns:mc="http://schemas.openxmlformats.org/markup-compatibility/2006" xmlns="" val="tx"/>
                     </a:ext>
                   </a:extLst>
                 </a:hlinkClick>
@@ -24823,15 +24823,7 @@
             </a:pPr>
             <a:r>
               <a:rPr lang="en-US" dirty="0" smtClean="0"/>
-              <a:t>LOOP ON THE </a:t>
-            </a:r>
-            <a:r>
-              <a:rPr lang="en-US" dirty="0" smtClean="0"/>
-              <a:t>T TIME </a:t>
-            </a:r>
-            <a:r>
-              <a:rPr lang="en-US" dirty="0" smtClean="0"/>
-              <a:t>STEPS</a:t>
+              <a:t>LOOP ON THE T TIME STEPS</a:t>
             </a:r>
             <a:endParaRPr dirty="0"/>
           </a:p>
@@ -24974,11 +24966,7 @@
             </a:r>
             <a:r>
               <a:rPr lang="en-US" dirty="0" smtClean="0"/>
-              <a:t>is applied</a:t>
-            </a:r>
-            <a:r>
-              <a:rPr lang="en-US" dirty="0" smtClean="0"/>
-              <a:t>.</a:t>
+              <a:t>is applied.</a:t>
             </a:r>
             <a:endParaRPr dirty="0"/>
           </a:p>
@@ -25197,7 +25185,19 @@
             </a:pPr>
             <a:r>
               <a:rPr lang="en-US" sz="1400" dirty="0" smtClean="0"/>
-              <a:t>Computes the attention score and aggregates the neighboring nodes’ and edges’ information according to the attention.</a:t>
+              <a:t>Computes the attention score and aggregates the neighboring nodes’ and edges’ information according to the </a:t>
+            </a:r>
+            <a:r>
+              <a:rPr lang="en-US" sz="1400" b="1" dirty="0" smtClean="0">
+                <a:solidFill>
+                  <a:srgbClr val="DCAE52"/>
+                </a:solidFill>
+              </a:rPr>
+              <a:t>ATTENTION</a:t>
+            </a:r>
+            <a:r>
+              <a:rPr lang="en-US" sz="1400" dirty="0" smtClean="0"/>
+              <a:t>.</a:t>
             </a:r>
           </a:p>
           <a:p>
@@ -25222,8 +25222,8 @@
           </a:p>
         </p:txBody>
       </p:sp>
-      <mc:AlternateContent xmlns:mc="http://schemas.openxmlformats.org/markup-compatibility/2006">
-        <mc:Choice xmlns:a14="http://schemas.microsoft.com/office/drawing/2010/main" Requires="a14">
+      <mc:AlternateContent xmlns:mc="http://schemas.openxmlformats.org/markup-compatibility/2006" xmlns:a14="http://schemas.microsoft.com/office/drawing/2010/main">
+        <mc:Choice Requires="a14">
           <p:sp>
             <p:nvSpPr>
               <p:cNvPr id="5" name="Google Shape;774;p52"/>
@@ -25505,11 +25505,7 @@
                 </a:pPr>
                 <a:r>
                   <a:rPr lang="en-US" sz="1400" dirty="0" smtClean="0"/>
-                  <a:t>It concatenates </a:t>
-                </a:r>
-                <a:r>
-                  <a:rPr lang="en-US" sz="1400" dirty="0" smtClean="0"/>
-                  <a:t>the node features </a:t>
+                  <a:t>It concatenates the node features </a:t>
                 </a:r>
                 <a14:m>
                   <m:oMath xmlns:m="http://schemas.openxmlformats.org/officeDocument/2006/math">
@@ -25608,7 +25604,19 @@
                 </a14:m>
                 <a:r>
                   <a:rPr lang="en-US" sz="1400" dirty="0" smtClean="0"/>
-                  <a:t> into a triplet.</a:t>
+                  <a:t> into a </a:t>
+                </a:r>
+                <a:r>
+                  <a:rPr lang="en-US" sz="1400" b="1" dirty="0" smtClean="0">
+                    <a:solidFill>
+                      <a:srgbClr val="DCAE52"/>
+                    </a:solidFill>
+                  </a:rPr>
+                  <a:t>TRIPLET</a:t>
+                </a:r>
+                <a:r>
+                  <a:rPr lang="en-US" sz="1400" dirty="0" smtClean="0"/>
+                  <a:t>.</a:t>
                 </a:r>
               </a:p>
               <a:p>
@@ -25636,7 +25644,19 @@
                 </a:r>
                 <a:r>
                   <a:rPr lang="en-US" sz="1400" dirty="0" smtClean="0"/>
-                  <a:t> function. This results in the computation of the normalized attention coefficients.</a:t>
+                  <a:t> function. This results in the computation of the </a:t>
+                </a:r>
+                <a:r>
+                  <a:rPr lang="en-US" sz="1400" b="1" dirty="0" smtClean="0">
+                    <a:solidFill>
+                      <a:srgbClr val="DCAE52"/>
+                    </a:solidFill>
+                  </a:rPr>
+                  <a:t>NORMALIZED ATTENTION COEFFICIENTS</a:t>
+                </a:r>
+                <a:r>
+                  <a:rPr lang="en-US" sz="1400" dirty="0" smtClean="0"/>
+                  <a:t>.</a:t>
                 </a:r>
               </a:p>
               <a:p>
@@ -25714,7 +25734,19 @@
                 </a14:m>
                 <a:r>
                   <a:rPr lang="en-US" sz="1400" dirty="0" smtClean="0"/>
-                  <a:t> are used to derive the message </a:t>
+                  <a:t> are used to derive the </a:t>
+                </a:r>
+                <a:r>
+                  <a:rPr lang="en-US" sz="1400" b="1" dirty="0" smtClean="0">
+                    <a:solidFill>
+                      <a:srgbClr val="DCAE52"/>
+                    </a:solidFill>
+                  </a:rPr>
+                  <a:t>MESSAGE</a:t>
+                </a:r>
+                <a:r>
+                  <a:rPr lang="en-US" sz="1400" dirty="0" smtClean="0"/>
+                  <a:t> </a:t>
                 </a:r>
                 <a14:m>
                   <m:oMath xmlns:m="http://schemas.openxmlformats.org/officeDocument/2006/math">
@@ -25762,14 +25794,26 @@
                 </a:pPr>
                 <a:r>
                   <a:rPr lang="en-US" sz="1400" dirty="0" smtClean="0"/>
-                  <a:t>To stabilize the learning process of self attention, K independent attention mechanisms execute the message calculation, and their features are concatenated.</a:t>
+                  <a:t>To stabilize the learning process of self attention, </a:t>
+                </a:r>
+                <a:r>
+                  <a:rPr lang="en-US" sz="1400" b="1" dirty="0" smtClean="0">
+                    <a:solidFill>
+                      <a:srgbClr val="DCAE52"/>
+                    </a:solidFill>
+                  </a:rPr>
+                  <a:t>K INDEPENDENT ATTENTION MECHANISMS</a:t>
+                </a:r>
+                <a:r>
+                  <a:rPr lang="en-US" sz="1400" dirty="0" smtClean="0"/>
+                  <a:t> execute the message calculation, and their features are concatenated.</a:t>
                 </a:r>
                 <a:endParaRPr lang="en-US" sz="1400" dirty="0"/>
               </a:p>
             </p:txBody>
           </p:sp>
         </mc:Choice>
-        <mc:Fallback>
+        <mc:Fallback xmlns="">
           <p:sp>
             <p:nvSpPr>
               <p:cNvPr id="5" name="Google Shape;774;p52"/>
@@ -25917,11 +25961,7 @@
             </a:pPr>
             <a:r>
               <a:rPr lang="en" dirty="0" smtClean="0"/>
-              <a:t>WEIGHTS </a:t>
-            </a:r>
-            <a:r>
-              <a:rPr lang="en" dirty="0" smtClean="0"/>
-              <a:t>INITIALIZATION</a:t>
+              <a:t>WEIGHTS INITIALIZATION</a:t>
             </a:r>
             <a:endParaRPr dirty="0"/>
           </a:p>
@@ -25967,7 +26007,7 @@
                   <a:srgbClr val="DCAE52"/>
                 </a:solidFill>
               </a:rPr>
-              <a:t>KAIMING initialization</a:t>
+              <a:t>KAIMING INITIALIZATION</a:t>
             </a:r>
             <a:r>
               <a:rPr lang="en-US" dirty="0" smtClean="0"/>
@@ -26272,7 +26312,7 @@
                   <a:srgbClr val="DCAE52"/>
                 </a:solidFill>
               </a:rPr>
-              <a:t>message propagation </a:t>
+              <a:t>MESSAGE PROPAGATION </a:t>
             </a:r>
             <a:r>
               <a:rPr lang="en-US" dirty="0" smtClean="0"/>
@@ -26331,7 +26371,7 @@
                   <a:srgbClr val="DCAE52"/>
                 </a:solidFill>
               </a:rPr>
-              <a:t>triplet</a:t>
+              <a:t>TRIPLET</a:t>
             </a:r>
             <a:r>
               <a:rPr lang="en-US" dirty="0" smtClean="0"/>
@@ -26605,17 +26645,18 @@
               <a:t>: the output are the </a:t>
             </a:r>
             <a:r>
-              <a:rPr lang="en-US" b="1" dirty="0">
+              <a:rPr lang="en-US" b="1" dirty="0" smtClean="0">
                 <a:solidFill>
                   <a:srgbClr val="DCAE52"/>
                 </a:solidFill>
               </a:rPr>
-              <a:t>attention coefficients</a:t>
-            </a:r>
-            <a:r>
-              <a:rPr lang="en-US" dirty="0"/>
+              <a:t>ATTENTION COEFFICIENTS</a:t>
+            </a:r>
+            <a:r>
+              <a:rPr lang="en-US" dirty="0" smtClean="0"/>
               <a:t>.</a:t>
             </a:r>
+            <a:endParaRPr lang="en-US" dirty="0"/>
           </a:p>
           <a:p>
             <a:pPr marL="285750" lvl="0" indent="-285750">
@@ -26670,7 +26711,7 @@
                   <a:srgbClr val="DCAE52"/>
                 </a:solidFill>
               </a:rPr>
-              <a:t>final message</a:t>
+              <a:t>FINAL MESSAGE</a:t>
             </a:r>
             <a:r>
               <a:rPr lang="en-US" dirty="0" smtClean="0"/>
@@ -26986,8 +27027,8 @@
           </a:p>
         </p:txBody>
       </p:sp>
-      <mc:AlternateContent xmlns:mc="http://schemas.openxmlformats.org/markup-compatibility/2006">
-        <mc:Choice xmlns:a14="http://schemas.microsoft.com/office/drawing/2010/main" Requires="a14">
+      <mc:AlternateContent xmlns:mc="http://schemas.openxmlformats.org/markup-compatibility/2006" xmlns:a14="http://schemas.microsoft.com/office/drawing/2010/main">
+        <mc:Choice Requires="a14">
           <p:sp>
             <p:nvSpPr>
               <p:cNvPr id="4" name="Google Shape;774;p52"/>
@@ -27028,15 +27069,7 @@
                 </a:pPr>
                 <a:r>
                   <a:rPr lang="en-US" sz="1400" dirty="0" smtClean="0"/>
-                  <a:t>Recurrent NN architecture with an update and a reset gate: </a:t>
-                </a:r>
-                <a:r>
-                  <a:rPr lang="en-US" sz="1400" dirty="0" smtClean="0"/>
-                  <a:t>the recurrent hidden state activation at </a:t>
-                </a:r>
-                <a:r>
-                  <a:rPr lang="en-US" sz="1400" dirty="0" smtClean="0"/>
-                  <a:t>each time step </a:t>
+                  <a:t>Recurrent NN architecture with an update and a reset gate: the recurrent hidden state activation at each time step </a:t>
                 </a:r>
                 <a14:m>
                   <m:oMath xmlns:m="http://schemas.openxmlformats.org/officeDocument/2006/math">
@@ -27050,11 +27083,7 @@
                 </a14:m>
                 <a:r>
                   <a:rPr lang="en-US" sz="1400" dirty="0" smtClean="0"/>
-                  <a:t> </a:t>
-                </a:r>
-                <a:r>
-                  <a:rPr lang="en-US" sz="1400" dirty="0" smtClean="0"/>
-                  <a:t>is dependent on that of the previous time.</a:t>
+                  <a:t> is dependent on that of the previous time.</a:t>
                 </a:r>
               </a:p>
               <a:p>
@@ -27073,19 +27102,7 @@
                 </a:pPr>
                 <a:r>
                   <a:rPr lang="en-US" sz="1400" dirty="0" smtClean="0"/>
-                  <a:t>This new activation function fuses the previously extracted messages and the current integrated features: GRUs keep the existing content and add the new one </a:t>
-                </a:r>
-                <a:r>
-                  <a:rPr lang="en-US" sz="1400" dirty="0" smtClean="0"/>
-                  <a:t>(the retained part) on </a:t>
-                </a:r>
-                <a:r>
-                  <a:rPr lang="en-US" sz="1400" dirty="0" smtClean="0"/>
-                  <a:t>top of it</a:t>
-                </a:r>
-                <a:r>
-                  <a:rPr lang="en-US" sz="1400" dirty="0" smtClean="0"/>
-                  <a:t>.</a:t>
+                  <a:t>This new activation function fuses the previously extracted messages and the current integrated features: GRUs keep the existing content and add the new one (the retained part) on top of it.</a:t>
                 </a:r>
               </a:p>
               <a:p>
@@ -27104,13 +27121,25 @@
                 </a:pPr>
                 <a:r>
                   <a:rPr lang="en-US" sz="1400" dirty="0" smtClean="0"/>
-                  <a:t>In this way each unit can remember the existence of specific important features in the input stream for a long series of steps. The vanishing\exploding gradient problem of RNN is resolved.</a:t>
+                  <a:t>In this way each unit can </a:t>
+                </a:r>
+                <a:r>
+                  <a:rPr lang="en-US" sz="1400" b="1" dirty="0" smtClean="0">
+                    <a:solidFill>
+                      <a:srgbClr val="DCAE52"/>
+                    </a:solidFill>
+                  </a:rPr>
+                  <a:t>REMEMBER</a:t>
+                </a:r>
+                <a:r>
+                  <a:rPr lang="en-US" sz="1400" dirty="0" smtClean="0"/>
+                  <a:t> the existence of specific important features in the input stream for a long series of steps. The vanishing\exploding gradient problem of RNN is resolved.</a:t>
                 </a:r>
               </a:p>
             </p:txBody>
           </p:sp>
         </mc:Choice>
-        <mc:Fallback>
+        <mc:Fallback xmlns="">
           <p:sp>
             <p:nvSpPr>
               <p:cNvPr id="4" name="Google Shape;774;p52"/>
@@ -27132,7 +27161,7 @@
               <a:blipFill>
                 <a:blip r:embed="rId3"/>
                 <a:stretch>
-                  <a:fillRect t="-60741" b="-66667"/>
+                  <a:fillRect t="-60741" r="-270" b="-66667"/>
                 </a:stretch>
               </a:blipFill>
             </p:spPr>
@@ -27484,7 +27513,6 @@
               <a:rPr lang="en-US" sz="1400" dirty="0" smtClean="0"/>
               <a:t>batch at the beginning of the Block (at the first 		   time step) or as the tensor containing the hidden state of the GRU unit.</a:t>
             </a:r>
-            <a:endParaRPr lang="en-US" sz="1400" dirty="0" smtClean="0"/>
           </a:p>
           <a:p>
             <a:pPr>
@@ -27527,7 +27555,6 @@
               <a:rPr lang="en-US" sz="1400" dirty="0" smtClean="0"/>
               <a:t>GRU.</a:t>
             </a:r>
-            <a:endParaRPr lang="en-US" sz="1400" dirty="0" smtClean="0"/>
           </a:p>
           <a:p>
             <a:pPr marL="139700" indent="0">
@@ -27569,7 +27596,6 @@
               <a:rPr lang="en-US" sz="1400" dirty="0" smtClean="0"/>
               <a:t>state.</a:t>
             </a:r>
-            <a:endParaRPr lang="en-US" sz="1400" dirty="0" smtClean="0"/>
           </a:p>
           <a:p>
             <a:pPr marL="139700" indent="0">
@@ -27697,8 +27723,16 @@
                   <a:buChar char="●"/>
                 </a:pPr>
                 <a:r>
+                  <a:rPr lang="en-US" sz="1400" b="1" dirty="0" smtClean="0">
+                    <a:solidFill>
+                      <a:srgbClr val="DCAE52"/>
+                    </a:solidFill>
+                  </a:rPr>
+                  <a:t>STABILIZES</a:t>
+                </a:r>
+                <a:r>
                   <a:rPr lang="en-US" sz="1400" dirty="0" smtClean="0"/>
-                  <a:t>Stabilizes the hidden state dynamics for the recurrent NN and reduces the training times.</a:t>
+                  <a:t> the hidden state dynamics for the recurrent NN and reduces the training times.</a:t>
                 </a:r>
               </a:p>
               <a:p>
@@ -28377,7 +28411,19 @@
                 </a:pPr>
                 <a:r>
                   <a:rPr lang="en-US" sz="1400" dirty="0" smtClean="0"/>
-                  <a:t>Starts from the final updated nodes’ features [# nodes,# features] to produce a graph-level embedding.</a:t>
+                  <a:t>Starts from the final updated nodes’ features [# nodes,# features] to produce a </a:t>
+                </a:r>
+                <a:r>
+                  <a:rPr lang="en-US" sz="1400" b="1" dirty="0" smtClean="0">
+                    <a:solidFill>
+                      <a:srgbClr val="DCAE52"/>
+                    </a:solidFill>
+                  </a:rPr>
+                  <a:t>GRAPH-LEVEL EMBEDDING</a:t>
+                </a:r>
+                <a:r>
+                  <a:rPr lang="en-US" sz="1400" dirty="0" smtClean="0"/>
+                  <a:t>.</a:t>
                 </a:r>
               </a:p>
               <a:p>
@@ -28396,7 +28442,31 @@
                 </a:pPr>
                 <a:r>
                   <a:rPr lang="en-US" sz="1400" dirty="0" smtClean="0"/>
-                  <a:t>Aggregates nodes’ features by different attention weights and concatenate the aggregated features with history information.</a:t>
+                  <a:t>Aggregates nodes’ features by different </a:t>
+                </a:r>
+                <a:r>
+                  <a:rPr lang="en-US" sz="1400" b="1" dirty="0" smtClean="0">
+                    <a:solidFill>
+                      <a:srgbClr val="DCAE52"/>
+                    </a:solidFill>
+                  </a:rPr>
+                  <a:t>ATTENTION WEIGHTS </a:t>
+                </a:r>
+                <a:r>
+                  <a:rPr lang="en-US" sz="1400" dirty="0" smtClean="0"/>
+                  <a:t>and concatenate the aggregated features with </a:t>
+                </a:r>
+                <a:r>
+                  <a:rPr lang="en-US" sz="1400" b="1" dirty="0" smtClean="0">
+                    <a:solidFill>
+                      <a:srgbClr val="DCAE52"/>
+                    </a:solidFill>
+                  </a:rPr>
+                  <a:t>HISTORY INFORMATION</a:t>
+                </a:r>
+                <a:r>
+                  <a:rPr lang="en-US" sz="1400" dirty="0" smtClean="0"/>
+                  <a:t>.</a:t>
                 </a:r>
               </a:p>
               <a:p>
@@ -28476,7 +28546,19 @@
                 </a:r>
                 <a:r>
                   <a:rPr lang="en-US" sz="1400" dirty="0" smtClean="0"/>
-                  <a:t>, 2*# features] is invariant under nodes </a:t>
+                  <a:t>, 2*# features] is </a:t>
+                </a:r>
+                <a:r>
+                  <a:rPr lang="en-US" sz="1400" b="1" dirty="0" smtClean="0">
+                    <a:solidFill>
+                      <a:srgbClr val="DCAE52"/>
+                    </a:solidFill>
+                  </a:rPr>
+                  <a:t>INVARIANT</a:t>
+                </a:r>
+                <a:r>
+                  <a:rPr lang="en-US" sz="1400" dirty="0" smtClean="0"/>
+                  <a:t> under nodes </a:t>
                 </a:r>
                 <a14:m>
                   <m:oMath xmlns:m="http://schemas.openxmlformats.org/officeDocument/2006/math">
@@ -28538,7 +28620,7 @@
               <a:blipFill>
                 <a:blip r:embed="rId3"/>
                 <a:stretch>
-                  <a:fillRect t="-47407" b="-54074"/>
+                  <a:fillRect t="-47407" r="-541" b="-54074"/>
                 </a:stretch>
               </a:blipFill>
             </p:spPr>
@@ -28557,8 +28639,8 @@
           </p:sp>
         </mc:Fallback>
       </mc:AlternateContent>
-      <mc:AlternateContent xmlns:mc="http://schemas.openxmlformats.org/markup-compatibility/2006">
-        <mc:Choice xmlns:a14="http://schemas.microsoft.com/office/drawing/2010/main" Requires="a14">
+      <mc:AlternateContent xmlns:mc="http://schemas.openxmlformats.org/markup-compatibility/2006" xmlns:a14="http://schemas.microsoft.com/office/drawing/2010/main">
+        <mc:Choice Requires="a14">
           <p:sp>
             <p:nvSpPr>
               <p:cNvPr id="6" name="Google Shape;774;p52"/>
@@ -29104,22 +29186,14 @@
                 </a:pPr>
                 <a:r>
                   <a:rPr lang="en-US" sz="1400" dirty="0" smtClean="0"/>
-                  <a:t>For  t in range (</a:t>
-                </a:r>
-                <a:r>
-                  <a:rPr lang="en-US" sz="1400" dirty="0" smtClean="0"/>
-                  <a:t>0,processing_steps=T’) </a:t>
-                </a:r>
-                <a:r>
-                  <a:rPr lang="en-US" sz="1400" dirty="0" smtClean="0"/>
-                  <a:t>it performs:</a:t>
+                  <a:t>For  t in range (0,processing_steps=T’) it performs:</a:t>
                 </a:r>
                 <a:endParaRPr lang="en-US" sz="1400" dirty="0"/>
               </a:p>
             </p:txBody>
           </p:sp>
         </mc:Choice>
-        <mc:Fallback>
+        <mc:Fallback xmlns="">
           <p:sp>
             <p:nvSpPr>
               <p:cNvPr id="6" name="Google Shape;774;p52"/>
@@ -29161,8 +29235,8 @@
           </p:sp>
         </mc:Fallback>
       </mc:AlternateContent>
-      <mc:AlternateContent xmlns:mc="http://schemas.openxmlformats.org/markup-compatibility/2006">
-        <mc:Choice xmlns:a14="http://schemas.microsoft.com/office/drawing/2010/main" Requires="a14">
+      <mc:AlternateContent xmlns:mc="http://schemas.openxmlformats.org/markup-compatibility/2006" xmlns:a14="http://schemas.microsoft.com/office/drawing/2010/main">
+        <mc:Choice Requires="a14">
           <p:sp>
             <p:nvSpPr>
               <p:cNvPr id="3" name="TextBox 2"/>
@@ -30072,7 +30146,7 @@
             </p:txBody>
           </p:sp>
         </mc:Choice>
-        <mc:Fallback>
+        <mc:Fallback xmlns="">
           <p:sp>
             <p:nvSpPr>
               <p:cNvPr id="3" name="TextBox 2"/>
@@ -31727,7 +31801,7 @@
             </a:pPr>
             <a:r>
               <a:rPr lang="en-US" dirty="0" smtClean="0"/>
-              <a:t>Depth</a:t>
+              <a:t>Depth (N)</a:t>
             </a:r>
           </a:p>
           <a:p>
@@ -31741,7 +31815,7 @@
             </a:pPr>
             <a:r>
               <a:rPr lang="en-US" dirty="0" smtClean="0"/>
-              <a:t>Number of attention mechanism</a:t>
+              <a:t>Number of attention mechanisms (K)</a:t>
             </a:r>
           </a:p>
         </p:txBody>
@@ -31865,19 +31939,7 @@
             </a:pPr>
             <a:r>
               <a:rPr lang="en-US" sz="1400" dirty="0" smtClean="0"/>
-              <a:t>RNN architecture that can deal with the </a:t>
-            </a:r>
-            <a:r>
-              <a:rPr lang="en-US" sz="1400" dirty="0" smtClean="0"/>
-              <a:t>vanishing\exploding </a:t>
-            </a:r>
-            <a:r>
-              <a:rPr lang="en-US" sz="1400" dirty="0" smtClean="0"/>
-              <a:t>gradient problem</a:t>
-            </a:r>
-            <a:r>
-              <a:rPr lang="en-US" sz="1400" dirty="0" smtClean="0"/>
-              <a:t>.</a:t>
+              <a:t>RNN architecture that can deal with the vanishing\exploding gradient problem.</a:t>
             </a:r>
           </a:p>
           <a:p>
@@ -32912,8 +32974,8 @@
           </a:p>
         </p:txBody>
       </p:sp>
-      <mc:AlternateContent xmlns:mc="http://schemas.openxmlformats.org/markup-compatibility/2006">
-        <mc:Choice xmlns:a14="http://schemas.microsoft.com/office/drawing/2010/main" Requires="a14">
+      <mc:AlternateContent xmlns:mc="http://schemas.openxmlformats.org/markup-compatibility/2006" xmlns:a14="http://schemas.microsoft.com/office/drawing/2010/main">
+        <mc:Choice Requires="a14">
           <p:sp>
             <p:nvSpPr>
               <p:cNvPr id="9" name="Google Shape;774;p52"/>
@@ -33355,7 +33417,7 @@
             </p:txBody>
           </p:sp>
         </mc:Choice>
-        <mc:Fallback>
+        <mc:Fallback xmlns="">
           <p:sp>
             <p:nvSpPr>
               <p:cNvPr id="9" name="Google Shape;774;p52"/>
@@ -33684,15 +33746,7 @@
             </a:pPr>
             <a:r>
               <a:rPr lang="en" dirty="0" smtClean="0"/>
-              <a:t>OUTPUT</a:t>
-            </a:r>
-            <a:r>
-              <a:rPr lang="en" dirty="0" smtClean="0"/>
-              <a:t> </a:t>
-            </a:r>
-            <a:r>
-              <a:rPr lang="en" dirty="0" smtClean="0"/>
-              <a:t>FEED FORWARD</a:t>
+              <a:t>OUTPUT FEED FORWARD</a:t>
             </a:r>
             <a:endParaRPr dirty="0"/>
           </a:p>
@@ -33809,11 +33863,7 @@
             <a:pPr lvl="0"/>
             <a:r>
               <a:rPr lang="en" dirty="0" smtClean="0"/>
-              <a:t>OUTPUT </a:t>
-            </a:r>
-            <a:r>
-              <a:rPr lang="en" dirty="0" smtClean="0"/>
-              <a:t>FEED FORWARD CODE</a:t>
+              <a:t>OUTPUT FEED FORWARD CODE</a:t>
             </a:r>
             <a:endParaRPr dirty="0"/>
           </a:p>
@@ -33910,7 +33960,6 @@
               <a:rPr lang="en-US" dirty="0" smtClean="0"/>
               <a:t> examples in the batch.</a:t>
             </a:r>
-            <a:endParaRPr lang="en-US" dirty="0" smtClean="0"/>
           </a:p>
         </p:txBody>
       </p:sp>
@@ -34036,8 +34085,8 @@
           </a:p>
         </p:txBody>
       </p:sp>
-      <mc:AlternateContent xmlns:mc="http://schemas.openxmlformats.org/markup-compatibility/2006">
-        <mc:Choice xmlns:a14="http://schemas.microsoft.com/office/drawing/2010/main" Requires="a14">
+      <mc:AlternateContent xmlns:mc="http://schemas.openxmlformats.org/markup-compatibility/2006" xmlns:a14="http://schemas.microsoft.com/office/drawing/2010/main">
+        <mc:Choice Requires="a14">
           <p:sp>
             <p:nvSpPr>
               <p:cNvPr id="15" name="Google Shape;342;p31"/>
@@ -34111,7 +34160,7 @@
                       <a:srgbClr val="DCAE52"/>
                     </a:solidFill>
                   </a:rPr>
-                  <a:t>final prediction </a:t>
+                  <a:t>FINAL PREDICITION </a:t>
                 </a:r>
                 <a14:m>
                   <m:oMath xmlns:m="http://schemas.openxmlformats.org/officeDocument/2006/math">
@@ -34169,7 +34218,7 @@
             </p:txBody>
           </p:sp>
         </mc:Choice>
-        <mc:Fallback>
+        <mc:Fallback xmlns="">
           <p:sp>
             <p:nvSpPr>
               <p:cNvPr id="15" name="Google Shape;342;p31"/>
@@ -34191,7 +34240,7 @@
               <a:blipFill>
                 <a:blip r:embed="rId3"/>
                 <a:stretch>
-                  <a:fillRect l="-270" b="-39189"/>
+                  <a:fillRect l="-270" r="-2793" b="-39189"/>
                 </a:stretch>
               </a:blipFill>
             </p:spPr>
@@ -34488,7 +34537,6 @@
               <a:rPr lang="en-US" dirty="0" smtClean="0"/>
               <a:t>performance.</a:t>
             </a:r>
-            <a:endParaRPr lang="en-US" dirty="0" smtClean="0"/>
           </a:p>
         </p:txBody>
       </p:sp>
@@ -34589,7 +34637,6 @@
               <a:rPr lang="en-US" dirty="0" smtClean="0"/>
               <a:t>units.</a:t>
             </a:r>
-            <a:endParaRPr lang="en-US" dirty="0" smtClean="0"/>
           </a:p>
         </p:txBody>
       </p:sp>
@@ -35237,8 +35284,8 @@
         </p:nvSpPr>
         <p:spPr>
           <a:xfrm>
-            <a:off x="1341329" y="3484936"/>
-            <a:ext cx="7802671" cy="653778"/>
+            <a:off x="1341330" y="3484936"/>
+            <a:ext cx="7539200" cy="653778"/>
           </a:xfrm>
           <a:prstGeom prst="rect">
             <a:avLst/>
@@ -35266,11 +35313,19 @@
             </a:pPr>
             <a:r>
               <a:rPr lang="en" dirty="0" smtClean="0"/>
-              <a:t>Computation of the mean of the losses of all batches (for training, validation and testing). Computation of the new learning </a:t>
+              <a:t>Computation of the </a:t>
+            </a:r>
+            <a:r>
+              <a:rPr lang="en" b="1" dirty="0" smtClean="0">
+                <a:solidFill>
+                  <a:srgbClr val="DCAE52"/>
+                </a:solidFill>
+              </a:rPr>
+              <a:t>MEAN OF THE LOSSES </a:t>
             </a:r>
             <a:r>
               <a:rPr lang="en" dirty="0" smtClean="0"/>
-              <a:t>rate with a </a:t>
+              <a:t>of all batches (for training, validation and testing). Computation of the new learning rate with a </a:t>
             </a:r>
             <a:r>
               <a:rPr lang="en" b="1" dirty="0" smtClean="0">
@@ -35342,7 +35397,7 @@
         </p:nvSpPr>
         <p:spPr>
           <a:xfrm>
-            <a:off x="1443114" y="4169050"/>
+            <a:off x="1341330" y="4262260"/>
             <a:ext cx="2680200" cy="359400"/>
           </a:xfrm>
           <a:prstGeom prst="rect">
@@ -35469,7 +35524,7 @@
         <p:spPr>
           <a:xfrm>
             <a:off x="1944992" y="2427589"/>
-            <a:ext cx="6540035" cy="586534"/>
+            <a:ext cx="7098269" cy="586534"/>
           </a:xfrm>
           <a:prstGeom prst="rect">
             <a:avLst/>
@@ -35497,7 +35552,43 @@
             </a:pPr>
             <a:r>
               <a:rPr lang="en-US" dirty="0" smtClean="0"/>
-              <a:t>Model’s prediction and computation of the loss. Backpropagation and ADAM optimization (with the saved learning rule) of the parameters</a:t>
+              <a:t>Model’s prediction and computation of the </a:t>
+            </a:r>
+            <a:r>
+              <a:rPr lang="en-US" b="1" dirty="0" smtClean="0">
+                <a:solidFill>
+                  <a:srgbClr val="DCAE52"/>
+                </a:solidFill>
+              </a:rPr>
+              <a:t>LOSS</a:t>
+            </a:r>
+            <a:r>
+              <a:rPr lang="en-US" dirty="0" smtClean="0"/>
+              <a:t>. </a:t>
+            </a:r>
+            <a:r>
+              <a:rPr lang="en-US" b="1" dirty="0" smtClean="0">
+                <a:solidFill>
+                  <a:srgbClr val="DCAE52"/>
+                </a:solidFill>
+              </a:rPr>
+              <a:t>BACKPROPAGATION</a:t>
+            </a:r>
+            <a:r>
+              <a:rPr lang="en-US" dirty="0" smtClean="0"/>
+              <a:t> and </a:t>
+            </a:r>
+            <a:r>
+              <a:rPr lang="en-US" b="1" dirty="0" smtClean="0">
+                <a:solidFill>
+                  <a:srgbClr val="DCAE52"/>
+                </a:solidFill>
+              </a:rPr>
+              <a:t>ADAM OPTIMIZATION </a:t>
+            </a:r>
+            <a:r>
+              <a:rPr lang="en-US" dirty="0" smtClean="0"/>
+              <a:t>(with the saved learning rule) of the parameters</a:t>
             </a:r>
             <a:endParaRPr dirty="0"/>
           </a:p>
@@ -35515,7 +35606,7 @@
         </p:nvSpPr>
         <p:spPr>
           <a:xfrm>
-            <a:off x="1944992" y="2964813"/>
+            <a:off x="1944991" y="3069829"/>
             <a:ext cx="4913013" cy="359400"/>
           </a:xfrm>
           <a:prstGeom prst="rect">
@@ -35586,7 +35677,19 @@
             </a:pPr>
             <a:r>
               <a:rPr lang="en-US" dirty="0" smtClean="0"/>
-              <a:t>Model’s prediction and computation of the loss. </a:t>
+              <a:t>Model’s prediction and computation of the </a:t>
+            </a:r>
+            <a:r>
+              <a:rPr lang="en-US" b="1" dirty="0" smtClean="0">
+                <a:solidFill>
+                  <a:srgbClr val="DCAE52"/>
+                </a:solidFill>
+              </a:rPr>
+              <a:t>LOSS</a:t>
+            </a:r>
+            <a:r>
+              <a:rPr lang="en-US" dirty="0" smtClean="0"/>
+              <a:t>. </a:t>
             </a:r>
             <a:endParaRPr dirty="0"/>
           </a:p>
@@ -36100,7 +36203,6 @@
               <a:rPr lang="en-US" sz="1400" dirty="0" smtClean="0"/>
               <a:t>Updates the parameters.</a:t>
             </a:r>
-            <a:endParaRPr lang="en-US" sz="1400" dirty="0" smtClean="0"/>
           </a:p>
           <a:p>
             <a:pPr>
@@ -39360,20 +39462,12 @@
               <a:rPr lang="en" dirty="0" smtClean="0"/>
               <a:t>COMPARISON BETWEEN ORIGINAL MODEL </a:t>
             </a:r>
-            <a:r>
-              <a:rPr lang="en" dirty="0" smtClean="0"/>
-              <a:t/>
-            </a:r>
             <a:br>
               <a:rPr lang="en" dirty="0" smtClean="0"/>
             </a:br>
             <a:r>
               <a:rPr lang="en" dirty="0" smtClean="0"/>
-              <a:t>AND </a:t>
-            </a:r>
-            <a:r>
-              <a:rPr lang="en" dirty="0" smtClean="0"/>
-              <a:t>MODEL WITH A FOCAL LOSS</a:t>
+              <a:t>AND MODEL WITH A FOCAL LOSS</a:t>
             </a:r>
             <a:endParaRPr dirty="0"/>
           </a:p>
@@ -39487,11 +39581,7 @@
             </a:pPr>
             <a:r>
               <a:rPr lang="en" dirty="0" smtClean="0"/>
-              <a:t>NEW NUMBER OF BLOCKS: CHANGING </a:t>
-            </a:r>
-            <a:r>
-              <a:rPr lang="en" dirty="0" smtClean="0"/>
-              <a:t>N</a:t>
+              <a:t>NEW NUMBER OF BLOCKS: CHANGING N</a:t>
             </a:r>
             <a:endParaRPr dirty="0"/>
           </a:p>
@@ -39773,31 +39863,7 @@
                           <a:cs typeface="Abel"/>
                           <a:sym typeface="Abel"/>
                         </a:rPr>
-                        <a:t> MODEL </a:t>
-                      </a:r>
-                      <a:r>
-                        <a:rPr lang="en-US" sz="1800" baseline="0" dirty="0" smtClean="0">
-                          <a:solidFill>
-                            <a:schemeClr val="accent5"/>
-                          </a:solidFill>
-                          <a:latin typeface="Abel"/>
-                          <a:ea typeface="Abel"/>
-                          <a:cs typeface="Abel"/>
-                          <a:sym typeface="Abel"/>
-                        </a:rPr>
-                        <a:t>(N=3</a:t>
-                      </a:r>
-                      <a:r>
-                        <a:rPr lang="en-US" sz="1800" baseline="0" dirty="0" smtClean="0">
-                          <a:solidFill>
-                            <a:schemeClr val="accent5"/>
-                          </a:solidFill>
-                          <a:latin typeface="Abel"/>
-                          <a:ea typeface="Abel"/>
-                          <a:cs typeface="Abel"/>
-                          <a:sym typeface="Abel"/>
-                        </a:rPr>
-                        <a:t>)</a:t>
+                        <a:t> MODEL (N=3)</a:t>
                       </a:r>
                       <a:endParaRPr lang="en-US" sz="1800" dirty="0" smtClean="0">
                         <a:solidFill>
@@ -41603,24 +41669,12 @@
               <a:rPr lang="en" dirty="0" smtClean="0"/>
               <a:t>COMPARISON BETWEEN ORIGINAL MODEL </a:t>
             </a:r>
-            <a:r>
-              <a:rPr lang="en" dirty="0" smtClean="0"/>
-              <a:t/>
-            </a:r>
             <a:br>
               <a:rPr lang="en" dirty="0" smtClean="0"/>
             </a:br>
             <a:r>
               <a:rPr lang="en" dirty="0" smtClean="0"/>
-              <a:t>AND </a:t>
-            </a:r>
-            <a:r>
-              <a:rPr lang="en" dirty="0" smtClean="0"/>
-              <a:t>MODEL WITH </a:t>
-            </a:r>
-            <a:r>
-              <a:rPr lang="en" dirty="0" smtClean="0"/>
-              <a:t>N=6</a:t>
+              <a:t>AND MODEL WITH N=6</a:t>
             </a:r>
             <a:endParaRPr dirty="0"/>
           </a:p>
@@ -41843,11 +41897,7 @@
             </a:pPr>
             <a:r>
               <a:rPr lang="en" dirty="0" smtClean="0"/>
-              <a:t>NEW </a:t>
-            </a:r>
-            <a:r>
-              <a:rPr lang="en" dirty="0" smtClean="0"/>
-              <a:t>NUMBER OF ATTENTION MECHANISMS: CHANGING K</a:t>
+              <a:t>NEW NUMBER OF ATTENTION MECHANISMS: CHANGING K</a:t>
             </a:r>
             <a:endParaRPr dirty="0"/>
           </a:p>
@@ -43350,24 +43400,12 @@
               <a:rPr lang="en" dirty="0" smtClean="0"/>
               <a:t>COMPARISON BETWEEN ORIGINAL MODEL </a:t>
             </a:r>
-            <a:r>
-              <a:rPr lang="en" dirty="0" smtClean="0"/>
-              <a:t/>
-            </a:r>
             <a:br>
               <a:rPr lang="en" dirty="0" smtClean="0"/>
             </a:br>
             <a:r>
               <a:rPr lang="en" dirty="0" smtClean="0"/>
-              <a:t>AND </a:t>
-            </a:r>
-            <a:r>
-              <a:rPr lang="en" dirty="0" smtClean="0"/>
-              <a:t>MODEL WITH </a:t>
-            </a:r>
-            <a:r>
-              <a:rPr lang="en" dirty="0" smtClean="0"/>
-              <a:t>K=8</a:t>
+              <a:t>AND MODEL WITH K=8</a:t>
             </a:r>
             <a:endParaRPr dirty="0"/>
           </a:p>
@@ -47312,8 +47350,8 @@
           </a:p>
         </p:txBody>
       </p:sp>
-      <mc:AlternateContent xmlns:mc="http://schemas.openxmlformats.org/markup-compatibility/2006">
-        <mc:Choice xmlns:a14="http://schemas.microsoft.com/office/drawing/2010/main" Requires="a14">
+      <mc:AlternateContent xmlns:mc="http://schemas.openxmlformats.org/markup-compatibility/2006" xmlns:a14="http://schemas.microsoft.com/office/drawing/2010/main">
+        <mc:Choice Requires="a14">
           <p:sp>
             <p:nvSpPr>
               <p:cNvPr id="364" name="Google Shape;364;p32"/>
@@ -47326,8 +47364,8 @@
             </p:nvSpPr>
             <p:spPr>
               <a:xfrm>
-                <a:off x="588935" y="1070688"/>
-                <a:ext cx="4265512" cy="2192795"/>
+                <a:off x="588934" y="1291842"/>
+                <a:ext cx="5416659" cy="2192795"/>
               </a:xfrm>
               <a:prstGeom prst="rect">
                 <a:avLst/>
@@ -47350,7 +47388,87 @@
                 </a:r>
                 <a:r>
                   <a:rPr lang="en-US" dirty="0" smtClean="0"/>
-                  <a:t>-secretase 1 (related to the Alzheimer’s disease).</a:t>
+                  <a:t>-secretase 1 (related to the Alzheimer’s disease</a:t>
+                </a:r>
+                <a:r>
+                  <a:rPr lang="en-US" dirty="0"/>
+                  <a:t>) [</a:t>
+                </a:r>
+                <a:r>
+                  <a:rPr lang="en-US" sz="1100" dirty="0">
+                    <a:solidFill>
+                      <a:srgbClr val="DCAE52"/>
+                    </a:solidFill>
+                  </a:rPr>
+                  <a:t>http://moleculenet.ai</a:t>
+                </a:r>
+                <a:r>
+                  <a:rPr lang="en-US" dirty="0"/>
+                  <a:t>].</a:t>
+                </a:r>
+                <a:endParaRPr lang="en-US" dirty="0" smtClean="0"/>
+              </a:p>
+              <a:p>
+                <a:pPr marL="0" indent="0">
+                  <a:buNone/>
+                </a:pPr>
+                <a:endParaRPr lang="en-US" dirty="0" smtClean="0"/>
+              </a:p>
+              <a:p>
+                <a:pPr marL="285750" indent="-285750"/>
+                <a:r>
+                  <a:rPr lang="en-US" dirty="0" smtClean="0"/>
+                  <a:t>SMILES strings             MURCKO scaffolds </a:t>
+                </a:r>
+                <a:r>
+                  <a:rPr lang="en-US" sz="1100" dirty="0" smtClean="0"/>
+                  <a:t>[</a:t>
+                </a:r>
+                <a:r>
+                  <a:rPr lang="en-US" sz="1100" dirty="0" err="1">
+                    <a:hlinkClick r:id="rId3"/>
+                  </a:rPr>
+                  <a:t>yvquanli</a:t>
+                </a:r>
+                <a:r>
+                  <a:rPr lang="en-US" sz="1100" dirty="0">
+                    <a:hlinkClick r:id="rId3"/>
+                  </a:rPr>
+                  <a:t>/</a:t>
+                </a:r>
+                <a:r>
+                  <a:rPr lang="en-US" sz="1100" dirty="0" err="1">
+                    <a:hlinkClick r:id="rId3"/>
+                  </a:rPr>
+                  <a:t>TrimNet</a:t>
+                </a:r>
+                <a:r>
+                  <a:rPr lang="en-US" sz="1100" dirty="0">
+                    <a:hlinkClick r:id="rId3"/>
+                  </a:rPr>
+                  <a:t>: Code for paper "</a:t>
+                </a:r>
+                <a:r>
+                  <a:rPr lang="en-US" sz="1100" dirty="0" err="1">
+                    <a:hlinkClick r:id="rId3"/>
+                  </a:rPr>
+                  <a:t>TrimNet</a:t>
+                </a:r>
+                <a:r>
+                  <a:rPr lang="en-US" sz="1100" dirty="0">
+                    <a:hlinkClick r:id="rId3"/>
+                  </a:rPr>
+                  <a:t>: learning molecular representation from triplet messages for biomedicine " (github.com</a:t>
+                </a:r>
+                <a:r>
+                  <a:rPr lang="en-US" sz="1100" dirty="0" smtClean="0">
+                    <a:hlinkClick r:id="rId3"/>
+                  </a:rPr>
+                  <a:t>)</a:t>
+                </a:r>
+                <a:r>
+                  <a:rPr lang="en-US" sz="1100" dirty="0" smtClean="0"/>
+                  <a:t>]</a:t>
                 </a:r>
               </a:p>
               <a:p>
@@ -47363,24 +47481,7 @@
                 <a:pPr marL="285750" indent="-285750"/>
                 <a:r>
                   <a:rPr lang="en-US" dirty="0" smtClean="0"/>
-                  <a:t>SMILES strings             MURCKO scaffolds</a:t>
-                </a:r>
-              </a:p>
-              <a:p>
-                <a:pPr marL="0" indent="0">
-                  <a:buNone/>
-                </a:pPr>
-                <a:endParaRPr lang="en-US" dirty="0" smtClean="0"/>
-              </a:p>
-              <a:p>
-                <a:pPr marL="285750" indent="-285750"/>
-                <a:r>
-                  <a:rPr lang="en-US" dirty="0" smtClean="0"/>
-                  <a:t>Each </a:t>
-                </a:r>
-                <a:r>
-                  <a:rPr lang="en-US" dirty="0" smtClean="0"/>
-                  <a:t>atom </a:t>
+                  <a:t>Each atom </a:t>
                 </a:r>
                 <a14:m>
                   <m:oMath xmlns:m="http://schemas.openxmlformats.org/officeDocument/2006/math">
@@ -47413,15 +47514,7 @@
                 </a14:m>
                 <a:r>
                   <a:rPr lang="en-US" dirty="0" smtClean="0"/>
-                  <a:t> </a:t>
-                </a:r>
-                <a:r>
-                  <a:rPr lang="en-US" dirty="0" smtClean="0"/>
-                  <a:t>has 39 features, each </a:t>
-                </a:r>
-                <a:r>
-                  <a:rPr lang="en-US" dirty="0" smtClean="0"/>
-                  <a:t>link </a:t>
+                  <a:t> has 39 features, each link </a:t>
                 </a:r>
                 <a14:m>
                   <m:oMath xmlns:m="http://schemas.openxmlformats.org/officeDocument/2006/math">
@@ -47469,7 +47562,6 @@
                   <a:rPr lang="en-US" dirty="0" smtClean="0"/>
                   <a:t>  10</a:t>
                 </a:r>
-                <a:endParaRPr lang="en-US" dirty="0" smtClean="0"/>
               </a:p>
               <a:p>
                 <a:pPr marL="0" indent="0">
@@ -47488,7 +47580,7 @@
             </p:txBody>
           </p:sp>
         </mc:Choice>
-        <mc:Fallback>
+        <mc:Fallback xmlns="">
           <p:sp>
             <p:nvSpPr>
               <p:cNvPr id="364" name="Google Shape;364;p32"/>
@@ -47501,16 +47593,16 @@
             </p:nvSpPr>
             <p:spPr>
               <a:xfrm>
-                <a:off x="588935" y="1070688"/>
-                <a:ext cx="4265512" cy="2192795"/>
+                <a:off x="588934" y="1291842"/>
+                <a:ext cx="5416659" cy="2192795"/>
               </a:xfrm>
               <a:prstGeom prst="rect">
                 <a:avLst/>
               </a:prstGeom>
               <a:blipFill>
-                <a:blip r:embed="rId3"/>
+                <a:blip r:embed="rId4"/>
                 <a:stretch>
-                  <a:fillRect t="-1671" b="-4178"/>
+                  <a:fillRect t="-4722" r="-338" b="-6667"/>
                 </a:stretch>
               </a:blipFill>
             </p:spPr>
@@ -47596,7 +47688,7 @@
           <p:nvPr/>
         </p:nvPicPr>
         <p:blipFill>
-          <a:blip r:embed="rId4">
+          <a:blip r:embed="rId5">
             <a:extLst>
               <a:ext uri="{28A0092B-C50C-407E-A947-70E740481C1C}">
                 <a14:useLocalDpi xmlns:a14="http://schemas.microsoft.com/office/drawing/2010/main" val="0"/>
@@ -47630,7 +47722,7 @@
         </p:nvSpPr>
         <p:spPr>
           <a:xfrm>
-            <a:off x="2396227" y="1931932"/>
+            <a:off x="2396227" y="2106853"/>
             <a:ext cx="325464" cy="232475"/>
           </a:xfrm>
           <a:prstGeom prst="rightArrow">
@@ -47687,7 +47779,7 @@
         </p:nvSpPr>
         <p:spPr>
           <a:xfrm>
-            <a:off x="2217820" y="2798537"/>
+            <a:off x="2173734" y="3132182"/>
             <a:ext cx="2377427" cy="1070251"/>
           </a:xfrm>
           <a:prstGeom prst="rect">
@@ -47992,7 +48084,7 @@
         </p:nvSpPr>
         <p:spPr>
           <a:xfrm>
-            <a:off x="1287015" y="3782453"/>
+            <a:off x="1427100" y="4041273"/>
             <a:ext cx="3308232" cy="1070251"/>
           </a:xfrm>
           <a:prstGeom prst="rect">
@@ -48283,7 +48375,7 @@
           <p:nvPr/>
         </p:nvPicPr>
         <p:blipFill>
-          <a:blip r:embed="rId5">
+          <a:blip r:embed="rId6">
             <a:extLst>
               <a:ext uri="{28A0092B-C50C-407E-A947-70E740481C1C}">
                 <a14:useLocalDpi xmlns:a14="http://schemas.microsoft.com/office/drawing/2010/main" val="0"/>
@@ -48805,11 +48897,7 @@
             </a:pPr>
             <a:r>
               <a:rPr lang="en" sz="9600" dirty="0" smtClean="0"/>
-              <a:t>II</a:t>
-            </a:r>
-            <a:r>
-              <a:rPr lang="en" sz="9600" dirty="0" smtClean="0"/>
-              <a:t>.</a:t>
+              <a:t>II.</a:t>
             </a:r>
             <a:endParaRPr sz="9600" dirty="0"/>
           </a:p>
@@ -49578,25 +49666,7 @@
                 </a:solidFill>
                 <a:latin typeface="Abel" panose="020B0604020202020204" charset="0"/>
               </a:rPr>
-              <a:t>MESSAGE PHASE </a:t>
-            </a:r>
-            <a:r>
-              <a:rPr lang="it-IT" dirty="0" smtClean="0">
-                <a:solidFill>
-                  <a:srgbClr val="292C35"/>
-                </a:solidFill>
-                <a:latin typeface="Abel" panose="020B0604020202020204" charset="0"/>
-              </a:rPr>
-              <a:t>(N=3</a:t>
-            </a:r>
-            <a:r>
-              <a:rPr lang="it-IT" dirty="0" smtClean="0">
-                <a:solidFill>
-                  <a:srgbClr val="292C35"/>
-                </a:solidFill>
-                <a:latin typeface="Abel" panose="020B0604020202020204" charset="0"/>
-              </a:rPr>
-              <a:t>)</a:t>
+              <a:t>MESSAGE PHASE (N=3)</a:t>
             </a:r>
             <a:endParaRPr lang="it-IT" dirty="0">
               <a:solidFill>

--- a/ML_presentation.pptx
+++ b/ML_presentation.pptx
@@ -35588,7 +35588,15 @@
             </a:r>
             <a:r>
               <a:rPr lang="en-US" dirty="0" smtClean="0"/>
-              <a:t>(with the saved learning rule) of the parameters</a:t>
+              <a:t>(with the saved learning </a:t>
+            </a:r>
+            <a:r>
+              <a:rPr lang="en-US" dirty="0" smtClean="0"/>
+              <a:t>rate) </a:t>
+            </a:r>
+            <a:r>
+              <a:rPr lang="en-US" dirty="0" smtClean="0"/>
+              <a:t>of the parameters</a:t>
             </a:r>
             <a:endParaRPr dirty="0"/>
           </a:p>
@@ -36794,7 +36802,27 @@
             </a:pPr>
             <a:r>
               <a:rPr lang="en-US" sz="1400" dirty="0" smtClean="0"/>
-              <a:t>To reduce overfitting the weight decay regularization technique is added to ADAM</a:t>
+              <a:t>To reduce overfitting </a:t>
+            </a:r>
+            <a:r>
+              <a:rPr lang="en-US" sz="1400" dirty="0" smtClean="0"/>
+              <a:t>the </a:t>
+            </a:r>
+            <a:r>
+              <a:rPr lang="en-US" sz="1400" b="1" dirty="0" smtClean="0">
+                <a:solidFill>
+                  <a:srgbClr val="DCAE52"/>
+                </a:solidFill>
+              </a:rPr>
+              <a:t>WEIGHT DECAY </a:t>
+            </a:r>
+            <a:r>
+              <a:rPr lang="en-US" sz="1400" dirty="0" smtClean="0"/>
+              <a:t>regularization </a:t>
+            </a:r>
+            <a:r>
+              <a:rPr lang="en-US" sz="1400" dirty="0" smtClean="0"/>
+              <a:t>technique is added to ADAM</a:t>
             </a:r>
             <a:endParaRPr lang="en-US" sz="1400" dirty="0"/>
           </a:p>
@@ -46898,7 +46926,15 @@
             </a:pPr>
             <a:r>
               <a:rPr lang="en" dirty="0" smtClean="0"/>
-              <a:t>The triplet message mechanism calculates the message from atom atom-bond-atom information and updates the hidden states of the NN. </a:t>
+              <a:t>The triplet message mechanism calculates the message from </a:t>
+            </a:r>
+            <a:r>
+              <a:rPr lang="en" dirty="0" smtClean="0"/>
+              <a:t>atom-bond-atom </a:t>
+            </a:r>
+            <a:r>
+              <a:rPr lang="en" dirty="0" smtClean="0"/>
+              <a:t>information and updates the hidden states of the NN. </a:t>
             </a:r>
             <a:endParaRPr dirty="0"/>
           </a:p>

--- a/ML_presentation.pptx
+++ b/ML_presentation.pptx
@@ -51,14 +51,14 @@
       <p:regular r:id="rId37"/>
     </p:embeddedFont>
     <p:embeddedFont>
-      <p:font typeface="Montserrat" panose="020B0604020202020204" charset="0"/>
+      <p:font typeface="Rubik Light" panose="020B0604020202020204" charset="-79"/>
       <p:regular r:id="rId38"/>
       <p:bold r:id="rId39"/>
       <p:italic r:id="rId40"/>
       <p:boldItalic r:id="rId41"/>
     </p:embeddedFont>
     <p:embeddedFont>
-      <p:font typeface="Rubik Light" panose="020B0604020202020204" charset="-79"/>
+      <p:font typeface="Montserrat" panose="020B0604020202020204" charset="0"/>
       <p:regular r:id="rId42"/>
       <p:bold r:id="rId43"/>
       <p:italic r:id="rId44"/>
@@ -12013,7 +12013,7 @@
                 <a:hlinkClick r:id="rId2">
                   <a:extLst>
                     <a:ext uri="{A12FA001-AC4F-418D-AE19-62706E023703}">
-                      <ahyp:hlinkClr xmlns:ahyp="http://schemas.microsoft.com/office/drawing/2018/hyperlinkcolor" xmlns:p15="http://schemas.microsoft.com/office/powerpoint/2012/main" xmlns:p14="http://schemas.microsoft.com/office/powerpoint/2010/main" xmlns:com="http://schemas.openxmlformats.org/drawingml/2006/compatibility" xmlns:pvml="urn:schemas-microsoft-com:office:powerpoint" xmlns:v="urn:schemas-microsoft-com:vml" xmlns:o="urn:schemas-microsoft-com:office:office" xmlns:dgm="http://schemas.openxmlformats.org/drawingml/2006/diagram" xmlns:c="http://schemas.openxmlformats.org/drawingml/2006/chart" xmlns:mv="urn:schemas-microsoft-com:mac:vml" xmlns:mc="http://schemas.openxmlformats.org/markup-compatibility/2006" xmlns="" val="tx"/>
+                      <ahyp:hlinkClr xmlns="" xmlns:mc="http://schemas.openxmlformats.org/markup-compatibility/2006" xmlns:mv="urn:schemas-microsoft-com:mac:vml" xmlns:c="http://schemas.openxmlformats.org/drawingml/2006/chart" xmlns:dgm="http://schemas.openxmlformats.org/drawingml/2006/diagram" xmlns:o="urn:schemas-microsoft-com:office:office" xmlns:v="urn:schemas-microsoft-com:vml" xmlns:pvml="urn:schemas-microsoft-com:office:powerpoint" xmlns:com="http://schemas.openxmlformats.org/drawingml/2006/compatibility" xmlns:p14="http://schemas.microsoft.com/office/powerpoint/2010/main" xmlns:p15="http://schemas.microsoft.com/office/powerpoint/2012/main" xmlns:ahyp="http://schemas.microsoft.com/office/drawing/2018/hyperlinkcolor" val="tx"/>
                     </a:ext>
                   </a:extLst>
                 </a:hlinkClick>
@@ -12047,7 +12047,7 @@
                 <a:hlinkClick r:id="rId3">
                   <a:extLst>
                     <a:ext uri="{A12FA001-AC4F-418D-AE19-62706E023703}">
-                      <ahyp:hlinkClr xmlns:ahyp="http://schemas.microsoft.com/office/drawing/2018/hyperlinkcolor" xmlns:p15="http://schemas.microsoft.com/office/powerpoint/2012/main" xmlns:p14="http://schemas.microsoft.com/office/powerpoint/2010/main" xmlns:com="http://schemas.openxmlformats.org/drawingml/2006/compatibility" xmlns:pvml="urn:schemas-microsoft-com:office:powerpoint" xmlns:v="urn:schemas-microsoft-com:vml" xmlns:o="urn:schemas-microsoft-com:office:office" xmlns:dgm="http://schemas.openxmlformats.org/drawingml/2006/diagram" xmlns:c="http://schemas.openxmlformats.org/drawingml/2006/chart" xmlns:mv="urn:schemas-microsoft-com:mac:vml" xmlns:mc="http://schemas.openxmlformats.org/markup-compatibility/2006" xmlns="" val="tx"/>
+                      <ahyp:hlinkClr xmlns="" xmlns:mc="http://schemas.openxmlformats.org/markup-compatibility/2006" xmlns:mv="urn:schemas-microsoft-com:mac:vml" xmlns:c="http://schemas.openxmlformats.org/drawingml/2006/chart" xmlns:dgm="http://schemas.openxmlformats.org/drawingml/2006/diagram" xmlns:o="urn:schemas-microsoft-com:office:office" xmlns:v="urn:schemas-microsoft-com:vml" xmlns:pvml="urn:schemas-microsoft-com:office:powerpoint" xmlns:com="http://schemas.openxmlformats.org/drawingml/2006/compatibility" xmlns:p14="http://schemas.microsoft.com/office/powerpoint/2010/main" xmlns:p15="http://schemas.microsoft.com/office/powerpoint/2012/main" xmlns:ahyp="http://schemas.microsoft.com/office/drawing/2018/hyperlinkcolor" val="tx"/>
                     </a:ext>
                   </a:extLst>
                 </a:hlinkClick>
@@ -12081,7 +12081,7 @@
                 <a:hlinkClick r:id="rId4">
                   <a:extLst>
                     <a:ext uri="{A12FA001-AC4F-418D-AE19-62706E023703}">
-                      <ahyp:hlinkClr xmlns:ahyp="http://schemas.microsoft.com/office/drawing/2018/hyperlinkcolor" xmlns:p15="http://schemas.microsoft.com/office/powerpoint/2012/main" xmlns:p14="http://schemas.microsoft.com/office/powerpoint/2010/main" xmlns:com="http://schemas.openxmlformats.org/drawingml/2006/compatibility" xmlns:pvml="urn:schemas-microsoft-com:office:powerpoint" xmlns:v="urn:schemas-microsoft-com:vml" xmlns:o="urn:schemas-microsoft-com:office:office" xmlns:dgm="http://schemas.openxmlformats.org/drawingml/2006/diagram" xmlns:c="http://schemas.openxmlformats.org/drawingml/2006/chart" xmlns:mv="urn:schemas-microsoft-com:mac:vml" xmlns:mc="http://schemas.openxmlformats.org/markup-compatibility/2006" xmlns="" val="tx"/>
+                      <ahyp:hlinkClr xmlns="" xmlns:mc="http://schemas.openxmlformats.org/markup-compatibility/2006" xmlns:mv="urn:schemas-microsoft-com:mac:vml" xmlns:c="http://schemas.openxmlformats.org/drawingml/2006/chart" xmlns:dgm="http://schemas.openxmlformats.org/drawingml/2006/diagram" xmlns:o="urn:schemas-microsoft-com:office:office" xmlns:v="urn:schemas-microsoft-com:vml" xmlns:pvml="urn:schemas-microsoft-com:office:powerpoint" xmlns:com="http://schemas.openxmlformats.org/drawingml/2006/compatibility" xmlns:p14="http://schemas.microsoft.com/office/powerpoint/2010/main" xmlns:p15="http://schemas.microsoft.com/office/powerpoint/2012/main" xmlns:ahyp="http://schemas.microsoft.com/office/drawing/2018/hyperlinkcolor" val="tx"/>
                     </a:ext>
                   </a:extLst>
                 </a:hlinkClick>
@@ -23969,458 +23969,6 @@
               <a:rPr lang="en-US" dirty="0" smtClean="0"/>
               <a:t>].</a:t>
             </a:r>
-          </a:p>
-        </p:txBody>
-      </p:sp>
-      <p:sp>
-        <p:nvSpPr>
-          <p:cNvPr id="3" name="Rectangle 1"/>
-          <p:cNvSpPr>
-            <a:spLocks noChangeArrowheads="1"/>
-          </p:cNvSpPr>
-          <p:nvPr/>
-        </p:nvSpPr>
-        <p:spPr bwMode="auto">
-          <a:xfrm>
-            <a:off x="0" y="697423"/>
-            <a:ext cx="9144000" cy="457200"/>
-          </a:xfrm>
-          <a:prstGeom prst="rect">
-            <a:avLst/>
-          </a:prstGeom>
-          <a:noFill/>
-          <a:ln>
-            <a:noFill/>
-          </a:ln>
-          <a:effectLst/>
-          <a:extLst>
-            <a:ext uri="{909E8E84-426E-40DD-AFC4-6F175D3DCCD1}">
-              <a14:hiddenFill xmlns:a14="http://schemas.microsoft.com/office/drawing/2010/main">
-                <a:solidFill>
-                  <a:schemeClr val="accent1"/>
-                </a:solidFill>
-              </a14:hiddenFill>
-            </a:ext>
-            <a:ext uri="{91240B29-F687-4F45-9708-019B960494DF}">
-              <a14:hiddenLine xmlns:a14="http://schemas.microsoft.com/office/drawing/2010/main" w="9525">
-                <a:solidFill>
-                  <a:schemeClr val="tx1"/>
-                </a:solidFill>
-                <a:miter lim="800000"/>
-                <a:headEnd/>
-                <a:tailEnd/>
-              </a14:hiddenLine>
-            </a:ext>
-            <a:ext uri="{AF507438-7753-43E0-B8FC-AC1667EBCBE1}">
-              <a14:hiddenEffects xmlns:a14="http://schemas.microsoft.com/office/drawing/2010/main">
-                <a:effectLst>
-                  <a:outerShdw dist="35921" dir="2700000" algn="ctr" rotWithShape="0">
-                    <a:schemeClr val="bg2"/>
-                  </a:outerShdw>
-                </a:effectLst>
-              </a14:hiddenEffects>
-            </a:ext>
-          </a:extLst>
-        </p:spPr>
-        <p:txBody>
-          <a:bodyPr vert="horz" wrap="none" lIns="0" tIns="0" rIns="0" bIns="0" numCol="1" anchor="ctr" anchorCtr="0" compatLnSpc="1">
-            <a:prstTxWarp prst="textNoShape">
-              <a:avLst/>
-            </a:prstTxWarp>
-            <a:spAutoFit/>
-          </a:bodyPr>
-          <a:lstStyle/>
-          <a:p>
-            <a:pPr marL="0" marR="0" lvl="0" indent="0" algn="l" defTabSz="914400" rtl="0" eaLnBrk="0" fontAlgn="base" latinLnBrk="0" hangingPunct="0">
-              <a:lnSpc>
-                <a:spcPct val="100000"/>
-              </a:lnSpc>
-              <a:spcBef>
-                <a:spcPct val="0"/>
-              </a:spcBef>
-              <a:spcAft>
-                <a:spcPct val="0"/>
-              </a:spcAft>
-              <a:buClrTx/>
-              <a:buSzTx/>
-              <a:buFontTx/>
-              <a:buNone/>
-              <a:tabLst/>
-            </a:pPr>
-            <a:r>
-              <a:rPr kumimoji="0" lang="en-US" altLang="en-US" sz="800" b="0" i="0" u="none" strike="noStrike" cap="none" normalizeH="0" baseline="0" smtClean="0">
-                <a:ln>
-                  <a:noFill/>
-                </a:ln>
-                <a:solidFill>
-                  <a:srgbClr val="24292E"/>
-                </a:solidFill>
-                <a:effectLst/>
-                <a:latin typeface="SFMono-Regular"/>
-              </a:rPr>
-              <a:t>CELU(x)=max(0,x)+min(0,α*(exp(x/α)−1))</a:t>
-            </a:r>
-            <a:r>
-              <a:rPr kumimoji="0" lang="en-US" altLang="en-US" sz="600" b="0" i="0" u="none" strike="noStrike" cap="none" normalizeH="0" baseline="0" smtClean="0">
-                <a:ln>
-                  <a:noFill/>
-                </a:ln>
-                <a:solidFill>
-                  <a:schemeClr val="tx1"/>
-                </a:solidFill>
-                <a:effectLst/>
-              </a:rPr>
-              <a:t> </a:t>
-            </a:r>
-            <a:endParaRPr kumimoji="0" lang="en-US" altLang="en-US" sz="1800" b="0" i="0" u="none" strike="noStrike" cap="none" normalizeH="0" baseline="0" smtClean="0">
-              <a:ln>
-                <a:noFill/>
-              </a:ln>
-              <a:solidFill>
-                <a:schemeClr val="tx1"/>
-              </a:solidFill>
-              <a:effectLst/>
-              <a:latin typeface="Arial" panose="020B0604020202020204" pitchFamily="34" charset="0"/>
-            </a:endParaRPr>
-          </a:p>
-        </p:txBody>
-      </p:sp>
-      <p:sp>
-        <p:nvSpPr>
-          <p:cNvPr id="4" name="Rectangle 2"/>
-          <p:cNvSpPr>
-            <a:spLocks noChangeArrowheads="1"/>
-          </p:cNvSpPr>
-          <p:nvPr/>
-        </p:nvSpPr>
-        <p:spPr bwMode="auto">
-          <a:xfrm>
-            <a:off x="152400" y="849823"/>
-            <a:ext cx="9144000" cy="457200"/>
-          </a:xfrm>
-          <a:prstGeom prst="rect">
-            <a:avLst/>
-          </a:prstGeom>
-          <a:noFill/>
-          <a:ln>
-            <a:noFill/>
-          </a:ln>
-          <a:effectLst/>
-          <a:extLst>
-            <a:ext uri="{909E8E84-426E-40DD-AFC4-6F175D3DCCD1}">
-              <a14:hiddenFill xmlns:a14="http://schemas.microsoft.com/office/drawing/2010/main">
-                <a:solidFill>
-                  <a:schemeClr val="accent1"/>
-                </a:solidFill>
-              </a14:hiddenFill>
-            </a:ext>
-            <a:ext uri="{91240B29-F687-4F45-9708-019B960494DF}">
-              <a14:hiddenLine xmlns:a14="http://schemas.microsoft.com/office/drawing/2010/main" w="9525">
-                <a:solidFill>
-                  <a:schemeClr val="tx1"/>
-                </a:solidFill>
-                <a:miter lim="800000"/>
-                <a:headEnd/>
-                <a:tailEnd/>
-              </a14:hiddenLine>
-            </a:ext>
-            <a:ext uri="{AF507438-7753-43E0-B8FC-AC1667EBCBE1}">
-              <a14:hiddenEffects xmlns:a14="http://schemas.microsoft.com/office/drawing/2010/main">
-                <a:effectLst>
-                  <a:outerShdw dist="35921" dir="2700000" algn="ctr" rotWithShape="0">
-                    <a:schemeClr val="bg2"/>
-                  </a:outerShdw>
-                </a:effectLst>
-              </a14:hiddenEffects>
-            </a:ext>
-          </a:extLst>
-        </p:spPr>
-        <p:txBody>
-          <a:bodyPr vert="horz" wrap="none" lIns="0" tIns="0" rIns="0" bIns="0" numCol="1" anchor="ctr" anchorCtr="0" compatLnSpc="1">
-            <a:prstTxWarp prst="textNoShape">
-              <a:avLst/>
-            </a:prstTxWarp>
-            <a:spAutoFit/>
-          </a:bodyPr>
-          <a:lstStyle/>
-          <a:p>
-            <a:pPr marL="0" marR="0" lvl="0" indent="0" algn="l" defTabSz="914400" rtl="0" eaLnBrk="0" fontAlgn="base" latinLnBrk="0" hangingPunct="0">
-              <a:lnSpc>
-                <a:spcPct val="100000"/>
-              </a:lnSpc>
-              <a:spcBef>
-                <a:spcPct val="0"/>
-              </a:spcBef>
-              <a:spcAft>
-                <a:spcPct val="0"/>
-              </a:spcAft>
-              <a:buClrTx/>
-              <a:buSzTx/>
-              <a:buFontTx/>
-              <a:buNone/>
-              <a:tabLst/>
-            </a:pPr>
-            <a:r>
-              <a:rPr kumimoji="0" lang="en-US" altLang="en-US" sz="800" b="0" i="0" u="none" strike="noStrike" cap="none" normalizeH="0" baseline="0" smtClean="0">
-                <a:ln>
-                  <a:noFill/>
-                </a:ln>
-                <a:solidFill>
-                  <a:srgbClr val="24292E"/>
-                </a:solidFill>
-                <a:effectLst/>
-                <a:latin typeface="SFMono-Regular"/>
-              </a:rPr>
-              <a:t>CELU(x)=max(0,x)+min(0,α*(exp(x/α)−1))</a:t>
-            </a:r>
-            <a:r>
-              <a:rPr kumimoji="0" lang="en-US" altLang="en-US" sz="600" b="0" i="0" u="none" strike="noStrike" cap="none" normalizeH="0" baseline="0" smtClean="0">
-                <a:ln>
-                  <a:noFill/>
-                </a:ln>
-                <a:solidFill>
-                  <a:schemeClr val="tx1"/>
-                </a:solidFill>
-                <a:effectLst/>
-              </a:rPr>
-              <a:t> </a:t>
-            </a:r>
-            <a:endParaRPr kumimoji="0" lang="en-US" altLang="en-US" sz="1800" b="0" i="0" u="none" strike="noStrike" cap="none" normalizeH="0" baseline="0" smtClean="0">
-              <a:ln>
-                <a:noFill/>
-              </a:ln>
-              <a:solidFill>
-                <a:schemeClr val="tx1"/>
-              </a:solidFill>
-              <a:effectLst/>
-              <a:latin typeface="Arial" panose="020B0604020202020204" pitchFamily="34" charset="0"/>
-            </a:endParaRPr>
-          </a:p>
-        </p:txBody>
-      </p:sp>
-      <p:sp>
-        <p:nvSpPr>
-          <p:cNvPr id="5" name="Rectangle 3"/>
-          <p:cNvSpPr>
-            <a:spLocks noChangeArrowheads="1"/>
-          </p:cNvSpPr>
-          <p:nvPr/>
-        </p:nvSpPr>
-        <p:spPr bwMode="auto">
-          <a:xfrm>
-            <a:off x="304800" y="1002223"/>
-            <a:ext cx="9144000" cy="457200"/>
-          </a:xfrm>
-          <a:prstGeom prst="rect">
-            <a:avLst/>
-          </a:prstGeom>
-          <a:noFill/>
-          <a:ln>
-            <a:noFill/>
-          </a:ln>
-          <a:effectLst/>
-          <a:extLst>
-            <a:ext uri="{909E8E84-426E-40DD-AFC4-6F175D3DCCD1}">
-              <a14:hiddenFill xmlns:a14="http://schemas.microsoft.com/office/drawing/2010/main">
-                <a:solidFill>
-                  <a:schemeClr val="accent1"/>
-                </a:solidFill>
-              </a14:hiddenFill>
-            </a:ext>
-            <a:ext uri="{91240B29-F687-4F45-9708-019B960494DF}">
-              <a14:hiddenLine xmlns:a14="http://schemas.microsoft.com/office/drawing/2010/main" w="9525">
-                <a:solidFill>
-                  <a:schemeClr val="tx1"/>
-                </a:solidFill>
-                <a:miter lim="800000"/>
-                <a:headEnd/>
-                <a:tailEnd/>
-              </a14:hiddenLine>
-            </a:ext>
-            <a:ext uri="{AF507438-7753-43E0-B8FC-AC1667EBCBE1}">
-              <a14:hiddenEffects xmlns:a14="http://schemas.microsoft.com/office/drawing/2010/main">
-                <a:effectLst>
-                  <a:outerShdw dist="35921" dir="2700000" algn="ctr" rotWithShape="0">
-                    <a:schemeClr val="bg2"/>
-                  </a:outerShdw>
-                </a:effectLst>
-              </a14:hiddenEffects>
-            </a:ext>
-          </a:extLst>
-        </p:spPr>
-        <p:txBody>
-          <a:bodyPr vert="horz" wrap="none" lIns="0" tIns="0" rIns="0" bIns="0" numCol="1" anchor="ctr" anchorCtr="0" compatLnSpc="1">
-            <a:prstTxWarp prst="textNoShape">
-              <a:avLst/>
-            </a:prstTxWarp>
-            <a:spAutoFit/>
-          </a:bodyPr>
-          <a:lstStyle/>
-          <a:p>
-            <a:pPr marL="0" marR="0" lvl="0" indent="0" algn="l" defTabSz="914400" rtl="0" eaLnBrk="0" fontAlgn="base" latinLnBrk="0" hangingPunct="0">
-              <a:lnSpc>
-                <a:spcPct val="100000"/>
-              </a:lnSpc>
-              <a:spcBef>
-                <a:spcPct val="0"/>
-              </a:spcBef>
-              <a:spcAft>
-                <a:spcPct val="0"/>
-              </a:spcAft>
-              <a:buClrTx/>
-              <a:buSzTx/>
-              <a:buFontTx/>
-              <a:buNone/>
-              <a:tabLst/>
-            </a:pPr>
-            <a:r>
-              <a:rPr kumimoji="0" lang="en-US" altLang="en-US" sz="800" b="0" i="0" u="none" strike="noStrike" cap="none" normalizeH="0" baseline="0" smtClean="0">
-                <a:ln>
-                  <a:noFill/>
-                </a:ln>
-                <a:solidFill>
-                  <a:srgbClr val="24292E"/>
-                </a:solidFill>
-                <a:effectLst/>
-                <a:latin typeface="SFMono-Regular"/>
-              </a:rPr>
-              <a:t>CELU(x)=max(0,x)+min(0,α*(exp(x/α)−1))</a:t>
-            </a:r>
-            <a:r>
-              <a:rPr kumimoji="0" lang="en-US" altLang="en-US" sz="600" b="0" i="0" u="none" strike="noStrike" cap="none" normalizeH="0" baseline="0" smtClean="0">
-                <a:ln>
-                  <a:noFill/>
-                </a:ln>
-                <a:solidFill>
-                  <a:schemeClr val="tx1"/>
-                </a:solidFill>
-                <a:effectLst/>
-              </a:rPr>
-              <a:t> </a:t>
-            </a:r>
-            <a:endParaRPr kumimoji="0" lang="en-US" altLang="en-US" sz="1800" b="0" i="0" u="none" strike="noStrike" cap="none" normalizeH="0" baseline="0" smtClean="0">
-              <a:ln>
-                <a:noFill/>
-              </a:ln>
-              <a:solidFill>
-                <a:schemeClr val="tx1"/>
-              </a:solidFill>
-              <a:effectLst/>
-              <a:latin typeface="Arial" panose="020B0604020202020204" pitchFamily="34" charset="0"/>
-            </a:endParaRPr>
-          </a:p>
-        </p:txBody>
-      </p:sp>
-      <p:sp>
-        <p:nvSpPr>
-          <p:cNvPr id="6" name="Rectangle 4"/>
-          <p:cNvSpPr>
-            <a:spLocks noChangeArrowheads="1"/>
-          </p:cNvSpPr>
-          <p:nvPr/>
-        </p:nvSpPr>
-        <p:spPr bwMode="auto">
-          <a:xfrm>
-            <a:off x="457200" y="1154623"/>
-            <a:ext cx="9144000" cy="457200"/>
-          </a:xfrm>
-          <a:prstGeom prst="rect">
-            <a:avLst/>
-          </a:prstGeom>
-          <a:noFill/>
-          <a:ln>
-            <a:noFill/>
-          </a:ln>
-          <a:effectLst/>
-          <a:extLst>
-            <a:ext uri="{909E8E84-426E-40DD-AFC4-6F175D3DCCD1}">
-              <a14:hiddenFill xmlns:a14="http://schemas.microsoft.com/office/drawing/2010/main">
-                <a:solidFill>
-                  <a:schemeClr val="accent1"/>
-                </a:solidFill>
-              </a14:hiddenFill>
-            </a:ext>
-            <a:ext uri="{91240B29-F687-4F45-9708-019B960494DF}">
-              <a14:hiddenLine xmlns:a14="http://schemas.microsoft.com/office/drawing/2010/main" w="9525">
-                <a:solidFill>
-                  <a:schemeClr val="tx1"/>
-                </a:solidFill>
-                <a:miter lim="800000"/>
-                <a:headEnd/>
-                <a:tailEnd/>
-              </a14:hiddenLine>
-            </a:ext>
-            <a:ext uri="{AF507438-7753-43E0-B8FC-AC1667EBCBE1}">
-              <a14:hiddenEffects xmlns:a14="http://schemas.microsoft.com/office/drawing/2010/main">
-                <a:effectLst>
-                  <a:outerShdw dist="35921" dir="2700000" algn="ctr" rotWithShape="0">
-                    <a:schemeClr val="bg2"/>
-                  </a:outerShdw>
-                </a:effectLst>
-              </a14:hiddenEffects>
-            </a:ext>
-          </a:extLst>
-        </p:spPr>
-        <p:txBody>
-          <a:bodyPr vert="horz" wrap="none" lIns="0" tIns="0" rIns="0" bIns="0" numCol="1" anchor="ctr" anchorCtr="0" compatLnSpc="1">
-            <a:prstTxWarp prst="textNoShape">
-              <a:avLst/>
-            </a:prstTxWarp>
-            <a:spAutoFit/>
-          </a:bodyPr>
-          <a:lstStyle/>
-          <a:p>
-            <a:pPr marL="0" marR="0" lvl="0" indent="0" algn="l" defTabSz="914400" rtl="0" eaLnBrk="0" fontAlgn="base" latinLnBrk="0" hangingPunct="0">
-              <a:lnSpc>
-                <a:spcPct val="100000"/>
-              </a:lnSpc>
-              <a:spcBef>
-                <a:spcPct val="0"/>
-              </a:spcBef>
-              <a:spcAft>
-                <a:spcPct val="0"/>
-              </a:spcAft>
-              <a:buClrTx/>
-              <a:buSzTx/>
-              <a:buFontTx/>
-              <a:buNone/>
-              <a:tabLst/>
-            </a:pPr>
-            <a:r>
-              <a:rPr kumimoji="0" lang="en-US" altLang="en-US" sz="800" b="0" i="0" u="none" strike="noStrike" cap="none" normalizeH="0" baseline="0" smtClean="0">
-                <a:ln>
-                  <a:noFill/>
-                </a:ln>
-                <a:solidFill>
-                  <a:srgbClr val="24292E"/>
-                </a:solidFill>
-                <a:effectLst/>
-                <a:latin typeface="SFMono-Regular"/>
-              </a:rPr>
-              <a:t>CELU(x)=max(0,x)+min(0,α*(exp(x/α)−1))</a:t>
-            </a:r>
-            <a:r>
-              <a:rPr kumimoji="0" lang="en-US" altLang="en-US" sz="600" b="0" i="0" u="none" strike="noStrike" cap="none" normalizeH="0" baseline="0" smtClean="0">
-                <a:ln>
-                  <a:noFill/>
-                </a:ln>
-                <a:solidFill>
-                  <a:schemeClr val="tx1"/>
-                </a:solidFill>
-                <a:effectLst/>
-              </a:rPr>
-              <a:t> </a:t>
-            </a:r>
-            <a:endParaRPr kumimoji="0" lang="en-US" altLang="en-US" sz="1800" b="0" i="0" u="none" strike="noStrike" cap="none" normalizeH="0" baseline="0" smtClean="0">
-              <a:ln>
-                <a:noFill/>
-              </a:ln>
-              <a:solidFill>
-                <a:schemeClr val="tx1"/>
-              </a:solidFill>
-              <a:effectLst/>
-              <a:latin typeface="Arial" panose="020B0604020202020204" pitchFamily="34" charset="0"/>
-            </a:endParaRPr>
           </a:p>
         </p:txBody>
       </p:sp>
@@ -35588,15 +35136,7 @@
             </a:r>
             <a:r>
               <a:rPr lang="en-US" dirty="0" smtClean="0"/>
-              <a:t>(with the saved learning </a:t>
-            </a:r>
-            <a:r>
-              <a:rPr lang="en-US" dirty="0" smtClean="0"/>
-              <a:t>rate) </a:t>
-            </a:r>
-            <a:r>
-              <a:rPr lang="en-US" dirty="0" smtClean="0"/>
-              <a:t>of the parameters</a:t>
+              <a:t>(with the saved learning rate) of the parameters</a:t>
             </a:r>
             <a:endParaRPr dirty="0"/>
           </a:p>
@@ -36802,11 +36342,7 @@
             </a:pPr>
             <a:r>
               <a:rPr lang="en-US" sz="1400" dirty="0" smtClean="0"/>
-              <a:t>To reduce overfitting </a:t>
-            </a:r>
-            <a:r>
-              <a:rPr lang="en-US" sz="1400" dirty="0" smtClean="0"/>
-              <a:t>the </a:t>
+              <a:t>To reduce overfitting the </a:t>
             </a:r>
             <a:r>
               <a:rPr lang="en-US" sz="1400" b="1" dirty="0" smtClean="0">
@@ -36818,11 +36354,7 @@
             </a:r>
             <a:r>
               <a:rPr lang="en-US" sz="1400" dirty="0" smtClean="0"/>
-              <a:t>regularization </a:t>
-            </a:r>
-            <a:r>
-              <a:rPr lang="en-US" sz="1400" dirty="0" smtClean="0"/>
-              <a:t>technique is added to ADAM</a:t>
+              <a:t>regularization technique is added to ADAM</a:t>
             </a:r>
             <a:endParaRPr lang="en-US" sz="1400" dirty="0"/>
           </a:p>
@@ -46926,15 +46458,7 @@
             </a:pPr>
             <a:r>
               <a:rPr lang="en" dirty="0" smtClean="0"/>
-              <a:t>The triplet message mechanism calculates the message from </a:t>
-            </a:r>
-            <a:r>
-              <a:rPr lang="en" dirty="0" smtClean="0"/>
-              <a:t>atom-bond-atom </a:t>
-            </a:r>
-            <a:r>
-              <a:rPr lang="en" dirty="0" smtClean="0"/>
-              <a:t>information and updates the hidden states of the NN. </a:t>
+              <a:t>The triplet message mechanism calculates the message from atom-bond-atom information and updates the hidden states of the NN. </a:t>
             </a:r>
             <a:endParaRPr dirty="0"/>
           </a:p>

--- a/ML_presentation.pptx
+++ b/ML_presentation.pptx
@@ -36695,49 +36695,6 @@
       </p:sp>
       <p:sp>
         <p:nvSpPr>
-          <p:cNvPr id="774" name="Google Shape;774;p52"/>
-          <p:cNvSpPr txBox="1">
-            <a:spLocks noGrp="1"/>
-          </p:cNvSpPr>
-          <p:nvPr>
-            <p:ph type="subTitle" idx="1"/>
-          </p:nvPr>
-        </p:nvSpPr>
-        <p:spPr>
-          <a:xfrm>
-            <a:off x="1727572" y="1163291"/>
-            <a:ext cx="2991662" cy="1125563"/>
-          </a:xfrm>
-          <a:prstGeom prst="rect">
-            <a:avLst/>
-          </a:prstGeom>
-        </p:spPr>
-        <p:txBody>
-          <a:bodyPr spcFirstLastPara="1" wrap="square" lIns="91425" tIns="91425" rIns="91425" bIns="91425" anchor="ctr" anchorCtr="0">
-            <a:noAutofit/>
-          </a:bodyPr>
-          <a:lstStyle/>
-          <a:p>
-            <a:pPr marL="457200" lvl="0" indent="-317500" algn="l" rtl="0">
-              <a:spcBef>
-                <a:spcPts val="0"/>
-              </a:spcBef>
-              <a:spcAft>
-                <a:spcPts val="0"/>
-              </a:spcAft>
-              <a:buSzPts val="1400"/>
-              <a:buChar char="●"/>
-            </a:pPr>
-            <a:r>
-              <a:rPr lang="en" dirty="0" smtClean="0"/>
-              <a:t>Differentiate betweeen positive and negative examples</a:t>
-            </a:r>
-            <a:endParaRPr dirty="0"/>
-          </a:p>
-        </p:txBody>
-      </p:sp>
-      <p:sp>
-        <p:nvSpPr>
           <p:cNvPr id="776" name="Google Shape;776;p52"/>
           <p:cNvSpPr txBox="1">
             <a:spLocks noGrp="1"/>
@@ -36778,823 +36735,6 @@
           </a:p>
         </p:txBody>
       </p:sp>
-      <p:sp>
-        <p:nvSpPr>
-          <p:cNvPr id="6" name="Google Shape;567;p43"/>
-          <p:cNvSpPr txBox="1">
-            <a:spLocks/>
-          </p:cNvSpPr>
-          <p:nvPr/>
-        </p:nvSpPr>
-        <p:spPr>
-          <a:xfrm>
-            <a:off x="-292700" y="1394179"/>
-            <a:ext cx="2599200" cy="215400"/>
-          </a:xfrm>
-          <a:prstGeom prst="rect">
-            <a:avLst/>
-          </a:prstGeom>
-        </p:spPr>
-        <p:txBody>
-          <a:bodyPr spcFirstLastPara="1" wrap="square" lIns="91425" tIns="91425" rIns="91425" bIns="91425" anchor="ctr" anchorCtr="0">
-            <a:noAutofit/>
-          </a:bodyPr>
-          <a:lstStyle>
-            <a:defPPr marR="0" lvl="0" algn="l" rtl="0">
-              <a:lnSpc>
-                <a:spcPct val="100000"/>
-              </a:lnSpc>
-              <a:spcBef>
-                <a:spcPts val="0"/>
-              </a:spcBef>
-              <a:spcAft>
-                <a:spcPts val="0"/>
-              </a:spcAft>
-            </a:defPPr>
-            <a:lvl1pPr marR="0" lvl="0" algn="l" rtl="0">
-              <a:lnSpc>
-                <a:spcPct val="100000"/>
-              </a:lnSpc>
-              <a:spcBef>
-                <a:spcPts val="0"/>
-              </a:spcBef>
-              <a:spcAft>
-                <a:spcPts val="0"/>
-              </a:spcAft>
-              <a:buClr>
-                <a:srgbClr val="000000"/>
-              </a:buClr>
-              <a:buFont typeface="Arial"/>
-              <a:defRPr sz="1400" b="0" i="0" u="none" strike="noStrike" cap="none">
-                <a:solidFill>
-                  <a:srgbClr val="000000"/>
-                </a:solidFill>
-                <a:latin typeface="Arial"/>
-                <a:ea typeface="Arial"/>
-                <a:cs typeface="Arial"/>
-                <a:sym typeface="Arial"/>
-              </a:defRPr>
-            </a:lvl1pPr>
-            <a:lvl2pPr marR="0" lvl="1" algn="l" rtl="0">
-              <a:lnSpc>
-                <a:spcPct val="100000"/>
-              </a:lnSpc>
-              <a:spcBef>
-                <a:spcPts val="0"/>
-              </a:spcBef>
-              <a:spcAft>
-                <a:spcPts val="0"/>
-              </a:spcAft>
-              <a:buClr>
-                <a:srgbClr val="000000"/>
-              </a:buClr>
-              <a:buFont typeface="Arial"/>
-              <a:defRPr sz="1400" b="0" i="0" u="none" strike="noStrike" cap="none">
-                <a:solidFill>
-                  <a:srgbClr val="000000"/>
-                </a:solidFill>
-                <a:latin typeface="Arial"/>
-                <a:ea typeface="Arial"/>
-                <a:cs typeface="Arial"/>
-                <a:sym typeface="Arial"/>
-              </a:defRPr>
-            </a:lvl2pPr>
-            <a:lvl3pPr marR="0" lvl="2" algn="l" rtl="0">
-              <a:lnSpc>
-                <a:spcPct val="100000"/>
-              </a:lnSpc>
-              <a:spcBef>
-                <a:spcPts val="0"/>
-              </a:spcBef>
-              <a:spcAft>
-                <a:spcPts val="0"/>
-              </a:spcAft>
-              <a:buClr>
-                <a:srgbClr val="000000"/>
-              </a:buClr>
-              <a:buFont typeface="Arial"/>
-              <a:defRPr sz="1400" b="0" i="0" u="none" strike="noStrike" cap="none">
-                <a:solidFill>
-                  <a:srgbClr val="000000"/>
-                </a:solidFill>
-                <a:latin typeface="Arial"/>
-                <a:ea typeface="Arial"/>
-                <a:cs typeface="Arial"/>
-                <a:sym typeface="Arial"/>
-              </a:defRPr>
-            </a:lvl3pPr>
-            <a:lvl4pPr marR="0" lvl="3" algn="l" rtl="0">
-              <a:lnSpc>
-                <a:spcPct val="100000"/>
-              </a:lnSpc>
-              <a:spcBef>
-                <a:spcPts val="0"/>
-              </a:spcBef>
-              <a:spcAft>
-                <a:spcPts val="0"/>
-              </a:spcAft>
-              <a:buClr>
-                <a:srgbClr val="000000"/>
-              </a:buClr>
-              <a:buFont typeface="Arial"/>
-              <a:defRPr sz="1400" b="0" i="0" u="none" strike="noStrike" cap="none">
-                <a:solidFill>
-                  <a:srgbClr val="000000"/>
-                </a:solidFill>
-                <a:latin typeface="Arial"/>
-                <a:ea typeface="Arial"/>
-                <a:cs typeface="Arial"/>
-                <a:sym typeface="Arial"/>
-              </a:defRPr>
-            </a:lvl4pPr>
-            <a:lvl5pPr marR="0" lvl="4" algn="l" rtl="0">
-              <a:lnSpc>
-                <a:spcPct val="100000"/>
-              </a:lnSpc>
-              <a:spcBef>
-                <a:spcPts val="0"/>
-              </a:spcBef>
-              <a:spcAft>
-                <a:spcPts val="0"/>
-              </a:spcAft>
-              <a:buClr>
-                <a:srgbClr val="000000"/>
-              </a:buClr>
-              <a:buFont typeface="Arial"/>
-              <a:defRPr sz="1400" b="0" i="0" u="none" strike="noStrike" cap="none">
-                <a:solidFill>
-                  <a:srgbClr val="000000"/>
-                </a:solidFill>
-                <a:latin typeface="Arial"/>
-                <a:ea typeface="Arial"/>
-                <a:cs typeface="Arial"/>
-                <a:sym typeface="Arial"/>
-              </a:defRPr>
-            </a:lvl5pPr>
-            <a:lvl6pPr marR="0" lvl="5" algn="l" rtl="0">
-              <a:lnSpc>
-                <a:spcPct val="100000"/>
-              </a:lnSpc>
-              <a:spcBef>
-                <a:spcPts val="0"/>
-              </a:spcBef>
-              <a:spcAft>
-                <a:spcPts val="0"/>
-              </a:spcAft>
-              <a:buClr>
-                <a:srgbClr val="000000"/>
-              </a:buClr>
-              <a:buFont typeface="Arial"/>
-              <a:defRPr sz="1400" b="0" i="0" u="none" strike="noStrike" cap="none">
-                <a:solidFill>
-                  <a:srgbClr val="000000"/>
-                </a:solidFill>
-                <a:latin typeface="Arial"/>
-                <a:ea typeface="Arial"/>
-                <a:cs typeface="Arial"/>
-                <a:sym typeface="Arial"/>
-              </a:defRPr>
-            </a:lvl6pPr>
-            <a:lvl7pPr marR="0" lvl="6" algn="l" rtl="0">
-              <a:lnSpc>
-                <a:spcPct val="100000"/>
-              </a:lnSpc>
-              <a:spcBef>
-                <a:spcPts val="0"/>
-              </a:spcBef>
-              <a:spcAft>
-                <a:spcPts val="0"/>
-              </a:spcAft>
-              <a:buClr>
-                <a:srgbClr val="000000"/>
-              </a:buClr>
-              <a:buFont typeface="Arial"/>
-              <a:defRPr sz="1400" b="0" i="0" u="none" strike="noStrike" cap="none">
-                <a:solidFill>
-                  <a:srgbClr val="000000"/>
-                </a:solidFill>
-                <a:latin typeface="Arial"/>
-                <a:ea typeface="Arial"/>
-                <a:cs typeface="Arial"/>
-                <a:sym typeface="Arial"/>
-              </a:defRPr>
-            </a:lvl7pPr>
-            <a:lvl8pPr marR="0" lvl="7" algn="l" rtl="0">
-              <a:lnSpc>
-                <a:spcPct val="100000"/>
-              </a:lnSpc>
-              <a:spcBef>
-                <a:spcPts val="0"/>
-              </a:spcBef>
-              <a:spcAft>
-                <a:spcPts val="0"/>
-              </a:spcAft>
-              <a:buClr>
-                <a:srgbClr val="000000"/>
-              </a:buClr>
-              <a:buFont typeface="Arial"/>
-              <a:defRPr sz="1400" b="0" i="0" u="none" strike="noStrike" cap="none">
-                <a:solidFill>
-                  <a:srgbClr val="000000"/>
-                </a:solidFill>
-                <a:latin typeface="Arial"/>
-                <a:ea typeface="Arial"/>
-                <a:cs typeface="Arial"/>
-                <a:sym typeface="Arial"/>
-              </a:defRPr>
-            </a:lvl8pPr>
-            <a:lvl9pPr marR="0" lvl="8" algn="l" rtl="0">
-              <a:lnSpc>
-                <a:spcPct val="100000"/>
-              </a:lnSpc>
-              <a:spcBef>
-                <a:spcPts val="0"/>
-              </a:spcBef>
-              <a:spcAft>
-                <a:spcPts val="0"/>
-              </a:spcAft>
-              <a:buClr>
-                <a:srgbClr val="000000"/>
-              </a:buClr>
-              <a:buFont typeface="Arial"/>
-              <a:defRPr sz="1400" b="0" i="0" u="none" strike="noStrike" cap="none">
-                <a:solidFill>
-                  <a:srgbClr val="000000"/>
-                </a:solidFill>
-                <a:latin typeface="Arial"/>
-                <a:ea typeface="Arial"/>
-                <a:cs typeface="Arial"/>
-                <a:sym typeface="Arial"/>
-              </a:defRPr>
-            </a:lvl9pPr>
-          </a:lstStyle>
-          <a:p>
-            <a:pPr algn="ctr"/>
-            <a:r>
-              <a:rPr lang="en-US" dirty="0" smtClean="0">
-                <a:solidFill>
-                  <a:srgbClr val="DCAE52"/>
-                </a:solidFill>
-              </a:rPr>
-              <a:t>CROSS ENTROPY</a:t>
-            </a:r>
-            <a:endParaRPr lang="en-US" dirty="0">
-              <a:solidFill>
-                <a:srgbClr val="DCAE52"/>
-              </a:solidFill>
-            </a:endParaRPr>
-          </a:p>
-        </p:txBody>
-      </p:sp>
-      <p:sp>
-        <p:nvSpPr>
-          <p:cNvPr id="7" name="Google Shape;567;p43"/>
-          <p:cNvSpPr txBox="1">
-            <a:spLocks/>
-          </p:cNvSpPr>
-          <p:nvPr/>
-        </p:nvSpPr>
-        <p:spPr>
-          <a:xfrm>
-            <a:off x="4062324" y="1394179"/>
-            <a:ext cx="2599200" cy="215400"/>
-          </a:xfrm>
-          <a:prstGeom prst="rect">
-            <a:avLst/>
-          </a:prstGeom>
-        </p:spPr>
-        <p:txBody>
-          <a:bodyPr spcFirstLastPara="1" wrap="square" lIns="91425" tIns="91425" rIns="91425" bIns="91425" anchor="ctr" anchorCtr="0">
-            <a:noAutofit/>
-          </a:bodyPr>
-          <a:lstStyle>
-            <a:defPPr marR="0" lvl="0" algn="l" rtl="0">
-              <a:lnSpc>
-                <a:spcPct val="100000"/>
-              </a:lnSpc>
-              <a:spcBef>
-                <a:spcPts val="0"/>
-              </a:spcBef>
-              <a:spcAft>
-                <a:spcPts val="0"/>
-              </a:spcAft>
-            </a:defPPr>
-            <a:lvl1pPr marR="0" lvl="0" algn="l" rtl="0">
-              <a:lnSpc>
-                <a:spcPct val="100000"/>
-              </a:lnSpc>
-              <a:spcBef>
-                <a:spcPts val="0"/>
-              </a:spcBef>
-              <a:spcAft>
-                <a:spcPts val="0"/>
-              </a:spcAft>
-              <a:buClr>
-                <a:srgbClr val="000000"/>
-              </a:buClr>
-              <a:buFont typeface="Arial"/>
-              <a:defRPr sz="1400" b="0" i="0" u="none" strike="noStrike" cap="none">
-                <a:solidFill>
-                  <a:srgbClr val="000000"/>
-                </a:solidFill>
-                <a:latin typeface="Arial"/>
-                <a:ea typeface="Arial"/>
-                <a:cs typeface="Arial"/>
-                <a:sym typeface="Arial"/>
-              </a:defRPr>
-            </a:lvl1pPr>
-            <a:lvl2pPr marR="0" lvl="1" algn="l" rtl="0">
-              <a:lnSpc>
-                <a:spcPct val="100000"/>
-              </a:lnSpc>
-              <a:spcBef>
-                <a:spcPts val="0"/>
-              </a:spcBef>
-              <a:spcAft>
-                <a:spcPts val="0"/>
-              </a:spcAft>
-              <a:buClr>
-                <a:srgbClr val="000000"/>
-              </a:buClr>
-              <a:buFont typeface="Arial"/>
-              <a:defRPr sz="1400" b="0" i="0" u="none" strike="noStrike" cap="none">
-                <a:solidFill>
-                  <a:srgbClr val="000000"/>
-                </a:solidFill>
-                <a:latin typeface="Arial"/>
-                <a:ea typeface="Arial"/>
-                <a:cs typeface="Arial"/>
-                <a:sym typeface="Arial"/>
-              </a:defRPr>
-            </a:lvl2pPr>
-            <a:lvl3pPr marR="0" lvl="2" algn="l" rtl="0">
-              <a:lnSpc>
-                <a:spcPct val="100000"/>
-              </a:lnSpc>
-              <a:spcBef>
-                <a:spcPts val="0"/>
-              </a:spcBef>
-              <a:spcAft>
-                <a:spcPts val="0"/>
-              </a:spcAft>
-              <a:buClr>
-                <a:srgbClr val="000000"/>
-              </a:buClr>
-              <a:buFont typeface="Arial"/>
-              <a:defRPr sz="1400" b="0" i="0" u="none" strike="noStrike" cap="none">
-                <a:solidFill>
-                  <a:srgbClr val="000000"/>
-                </a:solidFill>
-                <a:latin typeface="Arial"/>
-                <a:ea typeface="Arial"/>
-                <a:cs typeface="Arial"/>
-                <a:sym typeface="Arial"/>
-              </a:defRPr>
-            </a:lvl3pPr>
-            <a:lvl4pPr marR="0" lvl="3" algn="l" rtl="0">
-              <a:lnSpc>
-                <a:spcPct val="100000"/>
-              </a:lnSpc>
-              <a:spcBef>
-                <a:spcPts val="0"/>
-              </a:spcBef>
-              <a:spcAft>
-                <a:spcPts val="0"/>
-              </a:spcAft>
-              <a:buClr>
-                <a:srgbClr val="000000"/>
-              </a:buClr>
-              <a:buFont typeface="Arial"/>
-              <a:defRPr sz="1400" b="0" i="0" u="none" strike="noStrike" cap="none">
-                <a:solidFill>
-                  <a:srgbClr val="000000"/>
-                </a:solidFill>
-                <a:latin typeface="Arial"/>
-                <a:ea typeface="Arial"/>
-                <a:cs typeface="Arial"/>
-                <a:sym typeface="Arial"/>
-              </a:defRPr>
-            </a:lvl4pPr>
-            <a:lvl5pPr marR="0" lvl="4" algn="l" rtl="0">
-              <a:lnSpc>
-                <a:spcPct val="100000"/>
-              </a:lnSpc>
-              <a:spcBef>
-                <a:spcPts val="0"/>
-              </a:spcBef>
-              <a:spcAft>
-                <a:spcPts val="0"/>
-              </a:spcAft>
-              <a:buClr>
-                <a:srgbClr val="000000"/>
-              </a:buClr>
-              <a:buFont typeface="Arial"/>
-              <a:defRPr sz="1400" b="0" i="0" u="none" strike="noStrike" cap="none">
-                <a:solidFill>
-                  <a:srgbClr val="000000"/>
-                </a:solidFill>
-                <a:latin typeface="Arial"/>
-                <a:ea typeface="Arial"/>
-                <a:cs typeface="Arial"/>
-                <a:sym typeface="Arial"/>
-              </a:defRPr>
-            </a:lvl5pPr>
-            <a:lvl6pPr marR="0" lvl="5" algn="l" rtl="0">
-              <a:lnSpc>
-                <a:spcPct val="100000"/>
-              </a:lnSpc>
-              <a:spcBef>
-                <a:spcPts val="0"/>
-              </a:spcBef>
-              <a:spcAft>
-                <a:spcPts val="0"/>
-              </a:spcAft>
-              <a:buClr>
-                <a:srgbClr val="000000"/>
-              </a:buClr>
-              <a:buFont typeface="Arial"/>
-              <a:defRPr sz="1400" b="0" i="0" u="none" strike="noStrike" cap="none">
-                <a:solidFill>
-                  <a:srgbClr val="000000"/>
-                </a:solidFill>
-                <a:latin typeface="Arial"/>
-                <a:ea typeface="Arial"/>
-                <a:cs typeface="Arial"/>
-                <a:sym typeface="Arial"/>
-              </a:defRPr>
-            </a:lvl6pPr>
-            <a:lvl7pPr marR="0" lvl="6" algn="l" rtl="0">
-              <a:lnSpc>
-                <a:spcPct val="100000"/>
-              </a:lnSpc>
-              <a:spcBef>
-                <a:spcPts val="0"/>
-              </a:spcBef>
-              <a:spcAft>
-                <a:spcPts val="0"/>
-              </a:spcAft>
-              <a:buClr>
-                <a:srgbClr val="000000"/>
-              </a:buClr>
-              <a:buFont typeface="Arial"/>
-              <a:defRPr sz="1400" b="0" i="0" u="none" strike="noStrike" cap="none">
-                <a:solidFill>
-                  <a:srgbClr val="000000"/>
-                </a:solidFill>
-                <a:latin typeface="Arial"/>
-                <a:ea typeface="Arial"/>
-                <a:cs typeface="Arial"/>
-                <a:sym typeface="Arial"/>
-              </a:defRPr>
-            </a:lvl7pPr>
-            <a:lvl8pPr marR="0" lvl="7" algn="l" rtl="0">
-              <a:lnSpc>
-                <a:spcPct val="100000"/>
-              </a:lnSpc>
-              <a:spcBef>
-                <a:spcPts val="0"/>
-              </a:spcBef>
-              <a:spcAft>
-                <a:spcPts val="0"/>
-              </a:spcAft>
-              <a:buClr>
-                <a:srgbClr val="000000"/>
-              </a:buClr>
-              <a:buFont typeface="Arial"/>
-              <a:defRPr sz="1400" b="0" i="0" u="none" strike="noStrike" cap="none">
-                <a:solidFill>
-                  <a:srgbClr val="000000"/>
-                </a:solidFill>
-                <a:latin typeface="Arial"/>
-                <a:ea typeface="Arial"/>
-                <a:cs typeface="Arial"/>
-                <a:sym typeface="Arial"/>
-              </a:defRPr>
-            </a:lvl8pPr>
-            <a:lvl9pPr marR="0" lvl="8" algn="l" rtl="0">
-              <a:lnSpc>
-                <a:spcPct val="100000"/>
-              </a:lnSpc>
-              <a:spcBef>
-                <a:spcPts val="0"/>
-              </a:spcBef>
-              <a:spcAft>
-                <a:spcPts val="0"/>
-              </a:spcAft>
-              <a:buClr>
-                <a:srgbClr val="000000"/>
-              </a:buClr>
-              <a:buFont typeface="Arial"/>
-              <a:defRPr sz="1400" b="0" i="0" u="none" strike="noStrike" cap="none">
-                <a:solidFill>
-                  <a:srgbClr val="000000"/>
-                </a:solidFill>
-                <a:latin typeface="Arial"/>
-                <a:ea typeface="Arial"/>
-                <a:cs typeface="Arial"/>
-                <a:sym typeface="Arial"/>
-              </a:defRPr>
-            </a:lvl9pPr>
-          </a:lstStyle>
-          <a:p>
-            <a:pPr algn="ctr"/>
-            <a:r>
-              <a:rPr lang="en-US" dirty="0" smtClean="0">
-                <a:solidFill>
-                  <a:srgbClr val="DCAE52"/>
-                </a:solidFill>
-              </a:rPr>
-              <a:t>FOCAL LOSS</a:t>
-            </a:r>
-            <a:endParaRPr lang="en-US" dirty="0">
-              <a:solidFill>
-                <a:srgbClr val="DCAE52"/>
-              </a:solidFill>
-            </a:endParaRPr>
-          </a:p>
-        </p:txBody>
-      </p:sp>
-      <p:sp>
-        <p:nvSpPr>
-          <p:cNvPr id="9" name="Google Shape;774;p52"/>
-          <p:cNvSpPr txBox="1">
-            <a:spLocks/>
-          </p:cNvSpPr>
-          <p:nvPr/>
-        </p:nvSpPr>
-        <p:spPr>
-          <a:xfrm>
-            <a:off x="5865619" y="1163291"/>
-            <a:ext cx="2813432" cy="1125563"/>
-          </a:xfrm>
-          <a:prstGeom prst="rect">
-            <a:avLst/>
-          </a:prstGeom>
-          <a:noFill/>
-          <a:ln>
-            <a:noFill/>
-          </a:ln>
-        </p:spPr>
-        <p:txBody>
-          <a:bodyPr spcFirstLastPara="1" wrap="square" lIns="91425" tIns="91425" rIns="91425" bIns="91425" anchor="ctr" anchorCtr="0">
-            <a:noAutofit/>
-          </a:bodyPr>
-          <a:lstStyle>
-            <a:defPPr marR="0" lvl="0" algn="l" rtl="0">
-              <a:lnSpc>
-                <a:spcPct val="100000"/>
-              </a:lnSpc>
-              <a:spcBef>
-                <a:spcPts val="0"/>
-              </a:spcBef>
-              <a:spcAft>
-                <a:spcPts val="0"/>
-              </a:spcAft>
-            </a:defPPr>
-            <a:lvl1pPr marL="457200" marR="0" lvl="0" indent="-317500" algn="l" rtl="0">
-              <a:lnSpc>
-                <a:spcPct val="100000"/>
-              </a:lnSpc>
-              <a:spcBef>
-                <a:spcPts val="0"/>
-              </a:spcBef>
-              <a:spcAft>
-                <a:spcPts val="0"/>
-              </a:spcAft>
-              <a:buClr>
-                <a:schemeClr val="accent5"/>
-              </a:buClr>
-              <a:buSzPts val="1400"/>
-              <a:buFont typeface="Montserrat"/>
-              <a:buChar char="●"/>
-              <a:defRPr sz="1400" b="0" i="0" u="none" strike="noStrike" cap="none">
-                <a:solidFill>
-                  <a:schemeClr val="accent3"/>
-                </a:solidFill>
-                <a:latin typeface="Montserrat"/>
-                <a:ea typeface="Montserrat"/>
-                <a:cs typeface="Montserrat"/>
-                <a:sym typeface="Montserrat"/>
-              </a:defRPr>
-            </a:lvl1pPr>
-            <a:lvl2pPr marL="914400" marR="0" lvl="1" indent="-317500" algn="l" rtl="0">
-              <a:lnSpc>
-                <a:spcPct val="100000"/>
-              </a:lnSpc>
-              <a:spcBef>
-                <a:spcPts val="1000"/>
-              </a:spcBef>
-              <a:spcAft>
-                <a:spcPts val="0"/>
-              </a:spcAft>
-              <a:buClr>
-                <a:schemeClr val="accent3"/>
-              </a:buClr>
-              <a:buSzPts val="1400"/>
-              <a:buFont typeface="Montserrat"/>
-              <a:buChar char="○"/>
-              <a:defRPr sz="1400" b="0" i="0" u="none" strike="noStrike" cap="none">
-                <a:solidFill>
-                  <a:schemeClr val="accent3"/>
-                </a:solidFill>
-                <a:latin typeface="Montserrat"/>
-                <a:ea typeface="Montserrat"/>
-                <a:cs typeface="Montserrat"/>
-                <a:sym typeface="Montserrat"/>
-              </a:defRPr>
-            </a:lvl2pPr>
-            <a:lvl3pPr marL="1371600" marR="0" lvl="2" indent="-317500" algn="l" rtl="0">
-              <a:lnSpc>
-                <a:spcPct val="100000"/>
-              </a:lnSpc>
-              <a:spcBef>
-                <a:spcPts val="0"/>
-              </a:spcBef>
-              <a:spcAft>
-                <a:spcPts val="0"/>
-              </a:spcAft>
-              <a:buClr>
-                <a:schemeClr val="accent3"/>
-              </a:buClr>
-              <a:buSzPts val="1400"/>
-              <a:buFont typeface="Montserrat"/>
-              <a:buChar char="■"/>
-              <a:defRPr sz="1400" b="0" i="0" u="none" strike="noStrike" cap="none">
-                <a:solidFill>
-                  <a:schemeClr val="accent3"/>
-                </a:solidFill>
-                <a:latin typeface="Montserrat"/>
-                <a:ea typeface="Montserrat"/>
-                <a:cs typeface="Montserrat"/>
-                <a:sym typeface="Montserrat"/>
-              </a:defRPr>
-            </a:lvl3pPr>
-            <a:lvl4pPr marL="1828800" marR="0" lvl="3" indent="-317500" algn="l" rtl="0">
-              <a:lnSpc>
-                <a:spcPct val="100000"/>
-              </a:lnSpc>
-              <a:spcBef>
-                <a:spcPts val="0"/>
-              </a:spcBef>
-              <a:spcAft>
-                <a:spcPts val="0"/>
-              </a:spcAft>
-              <a:buClr>
-                <a:schemeClr val="accent3"/>
-              </a:buClr>
-              <a:buSzPts val="1400"/>
-              <a:buFont typeface="Montserrat"/>
-              <a:buChar char="●"/>
-              <a:defRPr sz="1400" b="0" i="0" u="none" strike="noStrike" cap="none">
-                <a:solidFill>
-                  <a:schemeClr val="accent3"/>
-                </a:solidFill>
-                <a:latin typeface="Montserrat"/>
-                <a:ea typeface="Montserrat"/>
-                <a:cs typeface="Montserrat"/>
-                <a:sym typeface="Montserrat"/>
-              </a:defRPr>
-            </a:lvl4pPr>
-            <a:lvl5pPr marL="2286000" marR="0" lvl="4" indent="-317500" algn="l" rtl="0">
-              <a:lnSpc>
-                <a:spcPct val="100000"/>
-              </a:lnSpc>
-              <a:spcBef>
-                <a:spcPts val="0"/>
-              </a:spcBef>
-              <a:spcAft>
-                <a:spcPts val="0"/>
-              </a:spcAft>
-              <a:buClr>
-                <a:schemeClr val="accent3"/>
-              </a:buClr>
-              <a:buSzPts val="1400"/>
-              <a:buFont typeface="Montserrat"/>
-              <a:buChar char="○"/>
-              <a:defRPr sz="1400" b="0" i="0" u="none" strike="noStrike" cap="none">
-                <a:solidFill>
-                  <a:schemeClr val="accent3"/>
-                </a:solidFill>
-                <a:latin typeface="Montserrat"/>
-                <a:ea typeface="Montserrat"/>
-                <a:cs typeface="Montserrat"/>
-                <a:sym typeface="Montserrat"/>
-              </a:defRPr>
-            </a:lvl5pPr>
-            <a:lvl6pPr marL="2743200" marR="0" lvl="5" indent="-317500" algn="l" rtl="0">
-              <a:lnSpc>
-                <a:spcPct val="100000"/>
-              </a:lnSpc>
-              <a:spcBef>
-                <a:spcPts val="0"/>
-              </a:spcBef>
-              <a:spcAft>
-                <a:spcPts val="0"/>
-              </a:spcAft>
-              <a:buClr>
-                <a:schemeClr val="accent3"/>
-              </a:buClr>
-              <a:buSzPts val="1400"/>
-              <a:buFont typeface="Montserrat"/>
-              <a:buChar char="■"/>
-              <a:defRPr sz="1400" b="0" i="0" u="none" strike="noStrike" cap="none">
-                <a:solidFill>
-                  <a:schemeClr val="accent3"/>
-                </a:solidFill>
-                <a:latin typeface="Montserrat"/>
-                <a:ea typeface="Montserrat"/>
-                <a:cs typeface="Montserrat"/>
-                <a:sym typeface="Montserrat"/>
-              </a:defRPr>
-            </a:lvl6pPr>
-            <a:lvl7pPr marL="3200400" marR="0" lvl="6" indent="-317500" algn="l" rtl="0">
-              <a:lnSpc>
-                <a:spcPct val="100000"/>
-              </a:lnSpc>
-              <a:spcBef>
-                <a:spcPts val="0"/>
-              </a:spcBef>
-              <a:spcAft>
-                <a:spcPts val="0"/>
-              </a:spcAft>
-              <a:buClr>
-                <a:schemeClr val="accent3"/>
-              </a:buClr>
-              <a:buSzPts val="1400"/>
-              <a:buFont typeface="Montserrat"/>
-              <a:buChar char="●"/>
-              <a:defRPr sz="1400" b="0" i="0" u="none" strike="noStrike" cap="none">
-                <a:solidFill>
-                  <a:schemeClr val="accent3"/>
-                </a:solidFill>
-                <a:latin typeface="Montserrat"/>
-                <a:ea typeface="Montserrat"/>
-                <a:cs typeface="Montserrat"/>
-                <a:sym typeface="Montserrat"/>
-              </a:defRPr>
-            </a:lvl7pPr>
-            <a:lvl8pPr marL="3657600" marR="0" lvl="7" indent="-317500" algn="l" rtl="0">
-              <a:lnSpc>
-                <a:spcPct val="100000"/>
-              </a:lnSpc>
-              <a:spcBef>
-                <a:spcPts val="0"/>
-              </a:spcBef>
-              <a:spcAft>
-                <a:spcPts val="0"/>
-              </a:spcAft>
-              <a:buClr>
-                <a:schemeClr val="accent3"/>
-              </a:buClr>
-              <a:buSzPts val="1400"/>
-              <a:buFont typeface="Montserrat"/>
-              <a:buChar char="○"/>
-              <a:defRPr sz="1400" b="0" i="0" u="none" strike="noStrike" cap="none">
-                <a:solidFill>
-                  <a:schemeClr val="accent3"/>
-                </a:solidFill>
-                <a:latin typeface="Montserrat"/>
-                <a:ea typeface="Montserrat"/>
-                <a:cs typeface="Montserrat"/>
-                <a:sym typeface="Montserrat"/>
-              </a:defRPr>
-            </a:lvl8pPr>
-            <a:lvl9pPr marL="4114800" marR="0" lvl="8" indent="-317500" algn="l" rtl="0">
-              <a:lnSpc>
-                <a:spcPct val="100000"/>
-              </a:lnSpc>
-              <a:spcBef>
-                <a:spcPts val="0"/>
-              </a:spcBef>
-              <a:spcAft>
-                <a:spcPts val="0"/>
-              </a:spcAft>
-              <a:buClr>
-                <a:schemeClr val="accent3"/>
-              </a:buClr>
-              <a:buSzPts val="1400"/>
-              <a:buFont typeface="Montserrat"/>
-              <a:buChar char="■"/>
-              <a:defRPr sz="1400" b="0" i="0" u="none" strike="noStrike" cap="none">
-                <a:solidFill>
-                  <a:schemeClr val="accent3"/>
-                </a:solidFill>
-                <a:latin typeface="Montserrat"/>
-                <a:ea typeface="Montserrat"/>
-                <a:cs typeface="Montserrat"/>
-                <a:sym typeface="Montserrat"/>
-              </a:defRPr>
-            </a:lvl9pPr>
-          </a:lstStyle>
-          <a:p>
-            <a:r>
-              <a:rPr lang="en-US" dirty="0" smtClean="0"/>
-              <a:t>Differentiate between easy and hard examples too</a:t>
-            </a:r>
-            <a:endParaRPr lang="en-US" dirty="0"/>
-          </a:p>
-        </p:txBody>
-      </p:sp>
       <p:graphicFrame>
         <p:nvGraphicFramePr>
           <p:cNvPr id="10" name="Google Shape;527;p41"/>
@@ -37602,14 +36742,14 @@
           <p:nvPr>
             <p:extLst>
               <p:ext uri="{D42A27DB-BD31-4B8C-83A1-F6EECF244321}">
-                <p14:modId xmlns:p14="http://schemas.microsoft.com/office/powerpoint/2010/main" val="4247128392"/>
+                <p14:modId xmlns:p14="http://schemas.microsoft.com/office/powerpoint/2010/main" val="561916022"/>
               </p:ext>
             </p:extLst>
           </p:nvPr>
         </p:nvGraphicFramePr>
         <p:xfrm>
-          <a:off x="886991" y="2226861"/>
-          <a:ext cx="7792060" cy="2194440"/>
+          <a:off x="530530" y="1320210"/>
+          <a:ext cx="7792060" cy="2560200"/>
         </p:xfrm>
         <a:graphic>
           <a:graphicData uri="http://schemas.openxmlformats.org/drawingml/2006/table">
@@ -38020,7 +37160,19 @@
                           <a:cs typeface="Montserrat"/>
                           <a:sym typeface="Montserrat"/>
                         </a:rPr>
-                        <a:t> OF THE BEST ORIGINAL MODEL</a:t>
+                        <a:t> OF THE BEST </a:t>
+                      </a:r>
+                      <a:r>
+                        <a:rPr lang="en-US" sz="1200" baseline="0" dirty="0" smtClean="0">
+                          <a:solidFill>
+                            <a:schemeClr val="accent5"/>
+                          </a:solidFill>
+                          <a:latin typeface="Montserrat"/>
+                          <a:ea typeface="Montserrat"/>
+                          <a:cs typeface="Montserrat"/>
+                          <a:sym typeface="Montserrat"/>
+                        </a:rPr>
+                        <a:t>(ORIGINAL) MODEL WITH A CROSS ENTROPY LOSS</a:t>
                       </a:r>
                       <a:endParaRPr sz="1200" dirty="0">
                         <a:solidFill>
